--- a/Recitations/Abu Shoeb/3- Abu Shoeb.pptx
+++ b/Recitations/Abu Shoeb/3- Abu Shoeb.pptx
@@ -1,29 +1,420 @@
 
 <file path=ppt/presentation.xml><?xml version="1.0" encoding="utf-8"?>
-<p:presentation xmlns:a="http://schemas.openxmlformats.org/drawingml/2006/main" xmlns:p="http://schemas.openxmlformats.org/presentationml/2006/main" xmlns:r="http://schemas.openxmlformats.org/officeDocument/2006/relationships">
+<p:presentation xmlns:a="http://schemas.openxmlformats.org/drawingml/2006/main" xmlns:r="http://schemas.openxmlformats.org/officeDocument/2006/relationships" xmlns:p="http://schemas.openxmlformats.org/presentationml/2006/main">
   <p:sldMasterIdLst>
-    <p:sldMasterId id="2147483648" r:id="rId2"/>
-    <p:sldMasterId id="2147483661" r:id="rId3"/>
+    <p:sldMasterId id="2147483648" r:id="rId1"/>
+    <p:sldMasterId id="2147483661" r:id="rId2"/>
   </p:sldMasterIdLst>
   <p:notesMasterIdLst>
-    <p:notesMasterId r:id="rId4"/>
+    <p:notesMasterId r:id="rId10"/>
   </p:notesMasterIdLst>
   <p:sldIdLst>
-    <p:sldId id="256" r:id="rId5"/>
-    <p:sldId id="257" r:id="rId6"/>
-    <p:sldId id="258" r:id="rId7"/>
-    <p:sldId id="259" r:id="rId8"/>
-    <p:sldId id="260" r:id="rId9"/>
-    <p:sldId id="261" r:id="rId10"/>
-    <p:sldId id="262" r:id="rId11"/>
+    <p:sldId id="256" r:id="rId3"/>
+    <p:sldId id="257" r:id="rId4"/>
+    <p:sldId id="258" r:id="rId5"/>
+    <p:sldId id="259" r:id="rId6"/>
+    <p:sldId id="260" r:id="rId7"/>
+    <p:sldId id="261" r:id="rId8"/>
+    <p:sldId id="262" r:id="rId9"/>
   </p:sldIdLst>
-  <p:sldSz cx="9144000" cy="6858000"/>
+  <p:sldSz cx="9144000" cy="6858000" type="screen4x3"/>
   <p:notesSz cx="7315200" cy="9601200"/>
+  <p:defaultTextStyle>
+    <a:defPPr>
+      <a:defRPr lang="en-US"/>
+    </a:defPPr>
+    <a:lvl1pPr marL="0" algn="l" defTabSz="914400" rtl="0" eaLnBrk="1" latinLnBrk="0" hangingPunct="1">
+      <a:defRPr sz="1800" kern="1200">
+        <a:solidFill>
+          <a:schemeClr val="tx1"/>
+        </a:solidFill>
+        <a:latin typeface="+mn-lt"/>
+        <a:ea typeface="+mn-ea"/>
+        <a:cs typeface="+mn-cs"/>
+      </a:defRPr>
+    </a:lvl1pPr>
+    <a:lvl2pPr marL="457200" algn="l" defTabSz="914400" rtl="0" eaLnBrk="1" latinLnBrk="0" hangingPunct="1">
+      <a:defRPr sz="1800" kern="1200">
+        <a:solidFill>
+          <a:schemeClr val="tx1"/>
+        </a:solidFill>
+        <a:latin typeface="+mn-lt"/>
+        <a:ea typeface="+mn-ea"/>
+        <a:cs typeface="+mn-cs"/>
+      </a:defRPr>
+    </a:lvl2pPr>
+    <a:lvl3pPr marL="914400" algn="l" defTabSz="914400" rtl="0" eaLnBrk="1" latinLnBrk="0" hangingPunct="1">
+      <a:defRPr sz="1800" kern="1200">
+        <a:solidFill>
+          <a:schemeClr val="tx1"/>
+        </a:solidFill>
+        <a:latin typeface="+mn-lt"/>
+        <a:ea typeface="+mn-ea"/>
+        <a:cs typeface="+mn-cs"/>
+      </a:defRPr>
+    </a:lvl3pPr>
+    <a:lvl4pPr marL="1371600" algn="l" defTabSz="914400" rtl="0" eaLnBrk="1" latinLnBrk="0" hangingPunct="1">
+      <a:defRPr sz="1800" kern="1200">
+        <a:solidFill>
+          <a:schemeClr val="tx1"/>
+        </a:solidFill>
+        <a:latin typeface="+mn-lt"/>
+        <a:ea typeface="+mn-ea"/>
+        <a:cs typeface="+mn-cs"/>
+      </a:defRPr>
+    </a:lvl4pPr>
+    <a:lvl5pPr marL="1828800" algn="l" defTabSz="914400" rtl="0" eaLnBrk="1" latinLnBrk="0" hangingPunct="1">
+      <a:defRPr sz="1800" kern="1200">
+        <a:solidFill>
+          <a:schemeClr val="tx1"/>
+        </a:solidFill>
+        <a:latin typeface="+mn-lt"/>
+        <a:ea typeface="+mn-ea"/>
+        <a:cs typeface="+mn-cs"/>
+      </a:defRPr>
+    </a:lvl5pPr>
+    <a:lvl6pPr marL="2286000" algn="l" defTabSz="914400" rtl="0" eaLnBrk="1" latinLnBrk="0" hangingPunct="1">
+      <a:defRPr sz="1800" kern="1200">
+        <a:solidFill>
+          <a:schemeClr val="tx1"/>
+        </a:solidFill>
+        <a:latin typeface="+mn-lt"/>
+        <a:ea typeface="+mn-ea"/>
+        <a:cs typeface="+mn-cs"/>
+      </a:defRPr>
+    </a:lvl6pPr>
+    <a:lvl7pPr marL="2743200" algn="l" defTabSz="914400" rtl="0" eaLnBrk="1" latinLnBrk="0" hangingPunct="1">
+      <a:defRPr sz="1800" kern="1200">
+        <a:solidFill>
+          <a:schemeClr val="tx1"/>
+        </a:solidFill>
+        <a:latin typeface="+mn-lt"/>
+        <a:ea typeface="+mn-ea"/>
+        <a:cs typeface="+mn-cs"/>
+      </a:defRPr>
+    </a:lvl7pPr>
+    <a:lvl8pPr marL="3200400" algn="l" defTabSz="914400" rtl="0" eaLnBrk="1" latinLnBrk="0" hangingPunct="1">
+      <a:defRPr sz="1800" kern="1200">
+        <a:solidFill>
+          <a:schemeClr val="tx1"/>
+        </a:solidFill>
+        <a:latin typeface="+mn-lt"/>
+        <a:ea typeface="+mn-ea"/>
+        <a:cs typeface="+mn-cs"/>
+      </a:defRPr>
+    </a:lvl8pPr>
+    <a:lvl9pPr marL="3657600" algn="l" defTabSz="914400" rtl="0" eaLnBrk="1" latinLnBrk="0" hangingPunct="1">
+      <a:defRPr sz="1800" kern="1200">
+        <a:solidFill>
+          <a:schemeClr val="tx1"/>
+        </a:solidFill>
+        <a:latin typeface="+mn-lt"/>
+        <a:ea typeface="+mn-ea"/>
+        <a:cs typeface="+mn-cs"/>
+      </a:defRPr>
+    </a:lvl9pPr>
+  </p:defaultTextStyle>
+  <p:extLst>
+    <p:ext uri="{EFAFB233-063F-42B5-8137-9DF3F51BA10A}">
+      <p15:sldGuideLst xmlns:p15="http://schemas.microsoft.com/office/powerpoint/2012/main"/>
+    </p:ext>
+  </p:extLst>
 </p:presentation>
 </file>
 
+<file path=ppt/revisionInfo.xml><?xml version="1.0" encoding="utf-8"?>
+<p1510:revInfo xmlns:a="http://schemas.openxmlformats.org/drawingml/2006/main" xmlns:r="http://schemas.openxmlformats.org/officeDocument/2006/relationships" xmlns:p1510="http://schemas.microsoft.com/office/powerpoint/2015/10/main"/>
+</file>
+
 <file path=ppt/notesMasters/notesMaster1.xml><?xml version="1.0" encoding="utf-8"?>
-<p:notesMaster xmlns:a="http://schemas.openxmlformats.org/drawingml/2006/main" xmlns:p="http://schemas.openxmlformats.org/presentationml/2006/main" xmlns:r="http://schemas.openxmlformats.org/officeDocument/2006/relationships">
+<p:notesMaster xmlns:a="http://schemas.openxmlformats.org/drawingml/2006/main" xmlns:r="http://schemas.openxmlformats.org/officeDocument/2006/relationships" xmlns:p="http://schemas.openxmlformats.org/presentationml/2006/main">
+  <p:cSld>
+    <p:bg>
+      <p:bgRef idx="1001">
+        <a:schemeClr val="bg1"/>
+      </p:bgRef>
+    </p:bg>
+    <p:spTree>
+      <p:nvGrpSpPr>
+        <p:cNvPr id="1" name=""/>
+        <p:cNvGrpSpPr/>
+        <p:nvPr/>
+      </p:nvGrpSpPr>
+      <p:grpSpPr>
+        <a:xfrm>
+          <a:off x="0" y="0"/>
+          <a:ext cx="0" cy="0"/>
+          <a:chOff x="0" y="0"/>
+          <a:chExt cx="0" cy="0"/>
+        </a:xfrm>
+      </p:grpSpPr>
+      <p:sp>
+        <p:nvSpPr>
+          <p:cNvPr id="72" name="PlaceHolder 1"/>
+          <p:cNvSpPr>
+            <a:spLocks noGrp="1"/>
+          </p:cNvSpPr>
+          <p:nvPr>
+            <p:ph type="body"/>
+          </p:nvPr>
+        </p:nvSpPr>
+        <p:spPr>
+          <a:xfrm>
+            <a:off x="777240" y="4777560"/>
+            <a:ext cx="6217560" cy="4525920"/>
+          </a:xfrm>
+          <a:prstGeom prst="rect">
+            <a:avLst/>
+          </a:prstGeom>
+        </p:spPr>
+        <p:txBody>
+          <a:bodyPr lIns="0" tIns="0" rIns="0" bIns="0"/>
+          <a:lstStyle/>
+          <a:p>
+            <a:r>
+              <a:rPr lang="en-US" sz="2000">
+                <a:latin typeface="Arial"/>
+              </a:rPr>
+              <a:t>Click to edit the notes format</a:t>
+            </a:r>
+            <a:endParaRPr/>
+          </a:p>
+        </p:txBody>
+      </p:sp>
+      <p:sp>
+        <p:nvSpPr>
+          <p:cNvPr id="73" name="PlaceHolder 2"/>
+          <p:cNvSpPr>
+            <a:spLocks noGrp="1"/>
+          </p:cNvSpPr>
+          <p:nvPr>
+            <p:ph type="hdr"/>
+          </p:nvPr>
+        </p:nvSpPr>
+        <p:spPr>
+          <a:xfrm>
+            <a:off x="0" y="0"/>
+            <a:ext cx="3372840" cy="502560"/>
+          </a:xfrm>
+          <a:prstGeom prst="rect">
+            <a:avLst/>
+          </a:prstGeom>
+        </p:spPr>
+        <p:txBody>
+          <a:bodyPr lIns="0" tIns="0" rIns="0" bIns="0"/>
+          <a:lstStyle/>
+          <a:p>
+            <a:r>
+              <a:rPr lang="en-US" sz="1400">
+                <a:latin typeface="Times New Roman"/>
+              </a:rPr>
+              <a:t>&lt;header&gt;</a:t>
+            </a:r>
+            <a:endParaRPr/>
+          </a:p>
+        </p:txBody>
+      </p:sp>
+      <p:sp>
+        <p:nvSpPr>
+          <p:cNvPr id="74" name="PlaceHolder 3"/>
+          <p:cNvSpPr>
+            <a:spLocks noGrp="1"/>
+          </p:cNvSpPr>
+          <p:nvPr>
+            <p:ph type="dt"/>
+          </p:nvPr>
+        </p:nvSpPr>
+        <p:spPr>
+          <a:xfrm>
+            <a:off x="4399200" y="0"/>
+            <a:ext cx="3372840" cy="502560"/>
+          </a:xfrm>
+          <a:prstGeom prst="rect">
+            <a:avLst/>
+          </a:prstGeom>
+        </p:spPr>
+        <p:txBody>
+          <a:bodyPr lIns="0" tIns="0" rIns="0" bIns="0"/>
+          <a:lstStyle/>
+          <a:p>
+            <a:pPr algn="r"/>
+            <a:r>
+              <a:rPr lang="en-US" sz="1400">
+                <a:latin typeface="Times New Roman"/>
+              </a:rPr>
+              <a:t>&lt;date/time&gt;</a:t>
+            </a:r>
+            <a:endParaRPr/>
+          </a:p>
+        </p:txBody>
+      </p:sp>
+      <p:sp>
+        <p:nvSpPr>
+          <p:cNvPr id="75" name="PlaceHolder 4"/>
+          <p:cNvSpPr>
+            <a:spLocks noGrp="1"/>
+          </p:cNvSpPr>
+          <p:nvPr>
+            <p:ph type="ftr"/>
+          </p:nvPr>
+        </p:nvSpPr>
+        <p:spPr>
+          <a:xfrm>
+            <a:off x="0" y="9555480"/>
+            <a:ext cx="3372840" cy="502560"/>
+          </a:xfrm>
+          <a:prstGeom prst="rect">
+            <a:avLst/>
+          </a:prstGeom>
+        </p:spPr>
+        <p:txBody>
+          <a:bodyPr lIns="0" tIns="0" rIns="0" bIns="0" anchor="b"/>
+          <a:lstStyle/>
+          <a:p>
+            <a:r>
+              <a:rPr lang="en-US" sz="1400">
+                <a:latin typeface="Times New Roman"/>
+              </a:rPr>
+              <a:t>&lt;footer&gt;</a:t>
+            </a:r>
+            <a:endParaRPr/>
+          </a:p>
+        </p:txBody>
+      </p:sp>
+      <p:sp>
+        <p:nvSpPr>
+          <p:cNvPr id="76" name="PlaceHolder 5"/>
+          <p:cNvSpPr>
+            <a:spLocks noGrp="1"/>
+          </p:cNvSpPr>
+          <p:nvPr>
+            <p:ph type="sldNum"/>
+          </p:nvPr>
+        </p:nvSpPr>
+        <p:spPr>
+          <a:xfrm>
+            <a:off x="4399200" y="9555480"/>
+            <a:ext cx="3372840" cy="502560"/>
+          </a:xfrm>
+          <a:prstGeom prst="rect">
+            <a:avLst/>
+          </a:prstGeom>
+        </p:spPr>
+        <p:txBody>
+          <a:bodyPr lIns="0" tIns="0" rIns="0" bIns="0" anchor="b"/>
+          <a:lstStyle/>
+          <a:p>
+            <a:pPr algn="r"/>
+            <a:fld id="{E2D8E530-00D3-4955-9453-B1416E7199AF}" type="slidenum">
+              <a:rPr lang="en-US" sz="1400">
+                <a:latin typeface="Times New Roman"/>
+              </a:rPr>
+              <a:t>‹#›</a:t>
+            </a:fld>
+            <a:endParaRPr/>
+          </a:p>
+        </p:txBody>
+      </p:sp>
+    </p:spTree>
+  </p:cSld>
+  <p:clrMap bg1="lt1" tx1="dk1" bg2="lt2" tx2="dk2" accent1="accent1" accent2="accent2" accent3="accent3" accent4="accent4" accent5="accent5" accent6="accent6" hlink="hlink" folHlink="folHlink"/>
+  <p:notesStyle>
+    <a:lvl1pPr marL="0" algn="l" defTabSz="914400" rtl="0" eaLnBrk="1" latinLnBrk="0" hangingPunct="1">
+      <a:defRPr sz="1200" kern="1200">
+        <a:solidFill>
+          <a:schemeClr val="tx1"/>
+        </a:solidFill>
+        <a:latin typeface="+mn-lt"/>
+        <a:ea typeface="+mn-ea"/>
+        <a:cs typeface="+mn-cs"/>
+      </a:defRPr>
+    </a:lvl1pPr>
+    <a:lvl2pPr marL="457200" algn="l" defTabSz="914400" rtl="0" eaLnBrk="1" latinLnBrk="0" hangingPunct="1">
+      <a:defRPr sz="1200" kern="1200">
+        <a:solidFill>
+          <a:schemeClr val="tx1"/>
+        </a:solidFill>
+        <a:latin typeface="+mn-lt"/>
+        <a:ea typeface="+mn-ea"/>
+        <a:cs typeface="+mn-cs"/>
+      </a:defRPr>
+    </a:lvl2pPr>
+    <a:lvl3pPr marL="914400" algn="l" defTabSz="914400" rtl="0" eaLnBrk="1" latinLnBrk="0" hangingPunct="1">
+      <a:defRPr sz="1200" kern="1200">
+        <a:solidFill>
+          <a:schemeClr val="tx1"/>
+        </a:solidFill>
+        <a:latin typeface="+mn-lt"/>
+        <a:ea typeface="+mn-ea"/>
+        <a:cs typeface="+mn-cs"/>
+      </a:defRPr>
+    </a:lvl3pPr>
+    <a:lvl4pPr marL="1371600" algn="l" defTabSz="914400" rtl="0" eaLnBrk="1" latinLnBrk="0" hangingPunct="1">
+      <a:defRPr sz="1200" kern="1200">
+        <a:solidFill>
+          <a:schemeClr val="tx1"/>
+        </a:solidFill>
+        <a:latin typeface="+mn-lt"/>
+        <a:ea typeface="+mn-ea"/>
+        <a:cs typeface="+mn-cs"/>
+      </a:defRPr>
+    </a:lvl4pPr>
+    <a:lvl5pPr marL="1828800" algn="l" defTabSz="914400" rtl="0" eaLnBrk="1" latinLnBrk="0" hangingPunct="1">
+      <a:defRPr sz="1200" kern="1200">
+        <a:solidFill>
+          <a:schemeClr val="tx1"/>
+        </a:solidFill>
+        <a:latin typeface="+mn-lt"/>
+        <a:ea typeface="+mn-ea"/>
+        <a:cs typeface="+mn-cs"/>
+      </a:defRPr>
+    </a:lvl5pPr>
+    <a:lvl6pPr marL="2286000" algn="l" defTabSz="914400" rtl="0" eaLnBrk="1" latinLnBrk="0" hangingPunct="1">
+      <a:defRPr sz="1200" kern="1200">
+        <a:solidFill>
+          <a:schemeClr val="tx1"/>
+        </a:solidFill>
+        <a:latin typeface="+mn-lt"/>
+        <a:ea typeface="+mn-ea"/>
+        <a:cs typeface="+mn-cs"/>
+      </a:defRPr>
+    </a:lvl6pPr>
+    <a:lvl7pPr marL="2743200" algn="l" defTabSz="914400" rtl="0" eaLnBrk="1" latinLnBrk="0" hangingPunct="1">
+      <a:defRPr sz="1200" kern="1200">
+        <a:solidFill>
+          <a:schemeClr val="tx1"/>
+        </a:solidFill>
+        <a:latin typeface="+mn-lt"/>
+        <a:ea typeface="+mn-ea"/>
+        <a:cs typeface="+mn-cs"/>
+      </a:defRPr>
+    </a:lvl7pPr>
+    <a:lvl8pPr marL="3200400" algn="l" defTabSz="914400" rtl="0" eaLnBrk="1" latinLnBrk="0" hangingPunct="1">
+      <a:defRPr sz="1200" kern="1200">
+        <a:solidFill>
+          <a:schemeClr val="tx1"/>
+        </a:solidFill>
+        <a:latin typeface="+mn-lt"/>
+        <a:ea typeface="+mn-ea"/>
+        <a:cs typeface="+mn-cs"/>
+      </a:defRPr>
+    </a:lvl8pPr>
+    <a:lvl9pPr marL="3657600" algn="l" defTabSz="914400" rtl="0" eaLnBrk="1" latinLnBrk="0" hangingPunct="1">
+      <a:defRPr sz="1200" kern="1200">
+        <a:solidFill>
+          <a:schemeClr val="tx1"/>
+        </a:solidFill>
+        <a:latin typeface="+mn-lt"/>
+        <a:ea typeface="+mn-ea"/>
+        <a:cs typeface="+mn-cs"/>
+      </a:defRPr>
+    </a:lvl9pPr>
+  </p:notesStyle>
+</p:notesMaster>
+</file>
+
+<file path=ppt/notesSlides/notesSlide1.xml><?xml version="1.0" encoding="utf-8"?>
+<p:notes xmlns:a="http://schemas.openxmlformats.org/drawingml/2006/main" xmlns:r="http://schemas.openxmlformats.org/officeDocument/2006/relationships" xmlns:p="http://schemas.openxmlformats.org/presentationml/2006/main">
   <p:cSld>
     <p:spTree>
       <p:nvGrpSpPr>
@@ -41,7 +432,7 @@
       </p:grpSpPr>
       <p:sp>
         <p:nvSpPr>
-          <p:cNvPr id="72" name="PlaceHolder 1"/>
+          <p:cNvPr id="92" name="PlaceHolder 1"/>
           <p:cNvSpPr>
             <a:spLocks noGrp="1"/>
           </p:cNvSpPr>
@@ -51,151 +442,70 @@
         </p:nvSpPr>
         <p:spPr>
           <a:xfrm>
-            <a:off x="777240" y="4777560"/>
-            <a:ext cx="6217560" cy="4525920"/>
-          </a:xfrm>
-          <a:prstGeom prst="rect">
-            <a:avLst/>
-          </a:prstGeom>
-        </p:spPr>
-        <p:txBody>
-          <a:bodyPr lIns="0" rIns="0" tIns="0" bIns="0"/>
-          <a:p>
-            <a:r>
-              <a:rPr lang="en-US" sz="2000">
-                <a:latin typeface="Arial"/>
-              </a:rPr>
-              <a:t>Click to edit the notes format</a:t>
-            </a:r>
-            <a:endParaRPr/>
-          </a:p>
-        </p:txBody>
-      </p:sp>
-      <p:sp>
-        <p:nvSpPr>
-          <p:cNvPr id="73" name="PlaceHolder 2"/>
-          <p:cNvSpPr>
-            <a:spLocks noGrp="1"/>
-          </p:cNvSpPr>
-          <p:nvPr>
-            <p:ph type="hdr"/>
-          </p:nvPr>
-        </p:nvSpPr>
-        <p:spPr>
-          <a:xfrm>
-            <a:off x="0" y="0"/>
-            <a:ext cx="3372840" cy="502560"/>
-          </a:xfrm>
-          <a:prstGeom prst="rect">
-            <a:avLst/>
-          </a:prstGeom>
-        </p:spPr>
-        <p:txBody>
-          <a:bodyPr lIns="0" rIns="0" tIns="0" bIns="0"/>
-          <a:p>
-            <a:r>
-              <a:rPr lang="en-US" sz="1400">
-                <a:latin typeface="Times New Roman"/>
-              </a:rPr>
-              <a:t>&lt;header&gt;</a:t>
-            </a:r>
-            <a:endParaRPr/>
-          </a:p>
-        </p:txBody>
-      </p:sp>
-      <p:sp>
-        <p:nvSpPr>
-          <p:cNvPr id="74" name="PlaceHolder 3"/>
-          <p:cNvSpPr>
-            <a:spLocks noGrp="1"/>
-          </p:cNvSpPr>
-          <p:nvPr>
-            <p:ph type="dt"/>
-          </p:nvPr>
-        </p:nvSpPr>
-        <p:spPr>
-          <a:xfrm>
-            <a:off x="4399200" y="0"/>
-            <a:ext cx="3372840" cy="502560"/>
-          </a:xfrm>
-          <a:prstGeom prst="rect">
-            <a:avLst/>
-          </a:prstGeom>
-        </p:spPr>
-        <p:txBody>
-          <a:bodyPr lIns="0" rIns="0" tIns="0" bIns="0"/>
-          <a:p>
-            <a:pPr algn="r"/>
-            <a:r>
-              <a:rPr lang="en-US" sz="1400">
-                <a:latin typeface="Times New Roman"/>
-              </a:rPr>
-              <a:t>&lt;date/time&gt;</a:t>
-            </a:r>
-            <a:endParaRPr/>
-          </a:p>
-        </p:txBody>
-      </p:sp>
-      <p:sp>
-        <p:nvSpPr>
-          <p:cNvPr id="75" name="PlaceHolder 4"/>
-          <p:cNvSpPr>
-            <a:spLocks noGrp="1"/>
-          </p:cNvSpPr>
-          <p:nvPr>
-            <p:ph type="ftr"/>
-          </p:nvPr>
-        </p:nvSpPr>
-        <p:spPr>
-          <a:xfrm>
-            <a:off x="0" y="9555480"/>
-            <a:ext cx="3372840" cy="502560"/>
-          </a:xfrm>
-          <a:prstGeom prst="rect">
-            <a:avLst/>
-          </a:prstGeom>
-        </p:spPr>
-        <p:txBody>
-          <a:bodyPr lIns="0" rIns="0" tIns="0" bIns="0" anchor="b"/>
-          <a:p>
-            <a:r>
-              <a:rPr lang="en-US" sz="1400">
-                <a:latin typeface="Times New Roman"/>
-              </a:rPr>
-              <a:t>&lt;footer&gt;</a:t>
-            </a:r>
-            <a:endParaRPr/>
-          </a:p>
-        </p:txBody>
-      </p:sp>
-      <p:sp>
-        <p:nvSpPr>
-          <p:cNvPr id="76" name="PlaceHolder 5"/>
-          <p:cNvSpPr>
-            <a:spLocks noGrp="1"/>
-          </p:cNvSpPr>
-          <p:nvPr>
-            <p:ph type="sldNum"/>
-          </p:nvPr>
-        </p:nvSpPr>
-        <p:spPr>
-          <a:xfrm>
-            <a:off x="4399200" y="9555480"/>
-            <a:ext cx="3372840" cy="502560"/>
-          </a:xfrm>
-          <a:prstGeom prst="rect">
-            <a:avLst/>
-          </a:prstGeom>
-        </p:spPr>
-        <p:txBody>
-          <a:bodyPr lIns="0" rIns="0" tIns="0" bIns="0" anchor="b"/>
-          <a:p>
-            <a:pPr algn="r"/>
-            <a:fld id="{E2D8E530-00D3-4955-9453-B1416E7199AF}" type="slidenum">
-              <a:rPr lang="en-US" sz="1400">
-                <a:latin typeface="Times New Roman"/>
-              </a:rPr>
-              <a:t>&lt;number&gt;</a:t>
+            <a:off x="731520" y="4620600"/>
+            <a:ext cx="5850000" cy="3778200"/>
+          </a:xfrm>
+          <a:prstGeom prst="rect">
+            <a:avLst/>
+          </a:prstGeom>
+        </p:spPr>
+        <p:txBody>
+          <a:bodyPr lIns="0" tIns="0" rIns="0" bIns="0"/>
+          <a:lstStyle/>
+          <a:p>
+            <a:endParaRPr/>
+          </a:p>
+        </p:txBody>
+      </p:sp>
+      <p:sp>
+        <p:nvSpPr>
+          <p:cNvPr id="93" name="CustomShape 2"/>
+          <p:cNvSpPr/>
+          <p:nvPr/>
+        </p:nvSpPr>
+        <p:spPr>
+          <a:xfrm>
+            <a:off x="4143600" y="9119520"/>
+            <a:ext cx="3167640" cy="479520"/>
+          </a:xfrm>
+          <a:prstGeom prst="rect">
+            <a:avLst/>
+          </a:prstGeom>
+          <a:noFill/>
+          <a:ln>
+            <a:noFill/>
+          </a:ln>
+        </p:spPr>
+        <p:style>
+          <a:lnRef idx="0">
+            <a:scrgbClr r="0" g="0" b="0"/>
+          </a:lnRef>
+          <a:fillRef idx="0">
+            <a:scrgbClr r="0" g="0" b="0"/>
+          </a:fillRef>
+          <a:effectRef idx="0">
+            <a:scrgbClr r="0" g="0" b="0"/>
+          </a:effectRef>
+          <a:fontRef idx="minor"/>
+        </p:style>
+        <p:txBody>
+          <a:bodyPr lIns="95040" tIns="47520" rIns="95040" bIns="47520" anchor="b"/>
+          <a:lstStyle/>
+          <a:p>
+            <a:pPr algn="r">
+              <a:lnSpc>
+                <a:spcPct val="100000"/>
+              </a:lnSpc>
+            </a:pPr>
+            <a:fld id="{B1CA7953-13A8-45B5-9E1B-E2AA59D32517}" type="slidenum">
+              <a:rPr lang="en-US" sz="1300" strike="noStrike">
+                <a:solidFill>
+                  <a:srgbClr val="000000"/>
+                </a:solidFill>
+                <a:latin typeface="+mn-lt"/>
+                <a:ea typeface="+mn-ea"/>
+              </a:rPr>
+              <a:t>3</a:t>
             </a:fld>
             <a:endParaRPr/>
           </a:p>
@@ -203,12 +513,14 @@
       </p:sp>
     </p:spTree>
   </p:cSld>
-  <p:clrMap bg1="lt1" bg2="lt2" tx1="dk1" tx2="dk2" accent1="accent1" accent2="accent2" accent3="accent3" accent4="accent4" accent5="accent5" accent6="accent6" hlink="hlink" folHlink="folHlink"/>
-</p:notesMaster>
+  <p:clrMapOvr>
+    <a:masterClrMapping/>
+  </p:clrMapOvr>
+</p:notes>
 </file>
 
-<file path=ppt/notesSlides/notesSlide3.xml><?xml version="1.0" encoding="utf-8"?>
-<p:notes xmlns:a="http://schemas.openxmlformats.org/drawingml/2006/main" xmlns:p="http://schemas.openxmlformats.org/presentationml/2006/main" xmlns:r="http://schemas.openxmlformats.org/officeDocument/2006/relationships">
+<file path=ppt/notesSlides/notesSlide2.xml><?xml version="1.0" encoding="utf-8"?>
+<p:notes xmlns:a="http://schemas.openxmlformats.org/drawingml/2006/main" xmlns:r="http://schemas.openxmlformats.org/officeDocument/2006/relationships" xmlns:p="http://schemas.openxmlformats.org/presentationml/2006/main">
   <p:cSld>
     <p:spTree>
       <p:nvGrpSpPr>
@@ -226,7 +538,7 @@
       </p:grpSpPr>
       <p:sp>
         <p:nvSpPr>
-          <p:cNvPr id="92" name="PlaceHolder 1"/>
+          <p:cNvPr id="94" name="PlaceHolder 1"/>
           <p:cNvSpPr>
             <a:spLocks noGrp="1"/>
           </p:cNvSpPr>
@@ -244,15 +556,16 @@
           </a:prstGeom>
         </p:spPr>
         <p:txBody>
-          <a:bodyPr lIns="0" rIns="0" tIns="0" bIns="0"/>
-          <a:p>
-            <a:endParaRPr/>
-          </a:p>
-        </p:txBody>
-      </p:sp>
-      <p:sp>
-        <p:nvSpPr>
-          <p:cNvPr id="93" name="CustomShape 2"/>
+          <a:bodyPr lIns="0" tIns="0" rIns="0" bIns="0"/>
+          <a:lstStyle/>
+          <a:p>
+            <a:endParaRPr/>
+          </a:p>
+        </p:txBody>
+      </p:sp>
+      <p:sp>
+        <p:nvSpPr>
+          <p:cNvPr id="95" name="CustomShape 2"/>
           <p:cNvSpPr/>
           <p:nvPr/>
         </p:nvSpPr>
@@ -270,20 +583,27 @@
           </a:ln>
         </p:spPr>
         <p:style>
-          <a:lnRef idx="0"/>
-          <a:fillRef idx="0"/>
-          <a:effectRef idx="0"/>
+          <a:lnRef idx="0">
+            <a:scrgbClr r="0" g="0" b="0"/>
+          </a:lnRef>
+          <a:fillRef idx="0">
+            <a:scrgbClr r="0" g="0" b="0"/>
+          </a:fillRef>
+          <a:effectRef idx="0">
+            <a:scrgbClr r="0" g="0" b="0"/>
+          </a:effectRef>
           <a:fontRef idx="minor"/>
         </p:style>
         <p:txBody>
-          <a:bodyPr lIns="95040" rIns="95040" tIns="47520" bIns="47520" anchor="b"/>
+          <a:bodyPr lIns="95040" tIns="47520" rIns="95040" bIns="47520" anchor="b"/>
+          <a:lstStyle/>
           <a:p>
             <a:pPr algn="r">
               <a:lnSpc>
                 <a:spcPct val="100000"/>
               </a:lnSpc>
             </a:pPr>
-            <a:fld id="{B1CA7953-13A8-45B5-9E1B-E2AA59D32517}" type="slidenum">
+            <a:fld id="{765FDC2B-22EA-4B3C-9AB8-3A6E80814C13}" type="slidenum">
               <a:rPr lang="en-US" sz="1300" strike="noStrike">
                 <a:solidFill>
                   <a:srgbClr val="000000"/>
@@ -291,7 +611,7 @@
                 <a:latin typeface="+mn-lt"/>
                 <a:ea typeface="+mn-ea"/>
               </a:rPr>
-              <a:t>&lt;number&gt;</a:t>
+              <a:t>4</a:t>
             </a:fld>
             <a:endParaRPr/>
           </a:p>
@@ -299,11 +619,14 @@
       </p:sp>
     </p:spTree>
   </p:cSld>
+  <p:clrMapOvr>
+    <a:masterClrMapping/>
+  </p:clrMapOvr>
 </p:notes>
 </file>
 
-<file path=ppt/notesSlides/notesSlide4.xml><?xml version="1.0" encoding="utf-8"?>
-<p:notes xmlns:a="http://schemas.openxmlformats.org/drawingml/2006/main" xmlns:p="http://schemas.openxmlformats.org/presentationml/2006/main" xmlns:r="http://schemas.openxmlformats.org/officeDocument/2006/relationships">
+<file path=ppt/notesSlides/notesSlide3.xml><?xml version="1.0" encoding="utf-8"?>
+<p:notes xmlns:a="http://schemas.openxmlformats.org/drawingml/2006/main" xmlns:r="http://schemas.openxmlformats.org/officeDocument/2006/relationships" xmlns:p="http://schemas.openxmlformats.org/presentationml/2006/main">
   <p:cSld>
     <p:spTree>
       <p:nvGrpSpPr>
@@ -321,7 +644,7 @@
       </p:grpSpPr>
       <p:sp>
         <p:nvSpPr>
-          <p:cNvPr id="94" name="PlaceHolder 1"/>
+          <p:cNvPr id="96" name="PlaceHolder 1"/>
           <p:cNvSpPr>
             <a:spLocks noGrp="1"/>
           </p:cNvSpPr>
@@ -339,15 +662,16 @@
           </a:prstGeom>
         </p:spPr>
         <p:txBody>
-          <a:bodyPr lIns="0" rIns="0" tIns="0" bIns="0"/>
-          <a:p>
-            <a:endParaRPr/>
-          </a:p>
-        </p:txBody>
-      </p:sp>
-      <p:sp>
-        <p:nvSpPr>
-          <p:cNvPr id="95" name="CustomShape 2"/>
+          <a:bodyPr lIns="0" tIns="0" rIns="0" bIns="0"/>
+          <a:lstStyle/>
+          <a:p>
+            <a:endParaRPr/>
+          </a:p>
+        </p:txBody>
+      </p:sp>
+      <p:sp>
+        <p:nvSpPr>
+          <p:cNvPr id="97" name="CustomShape 2"/>
           <p:cNvSpPr/>
           <p:nvPr/>
         </p:nvSpPr>
@@ -365,20 +689,27 @@
           </a:ln>
         </p:spPr>
         <p:style>
-          <a:lnRef idx="0"/>
-          <a:fillRef idx="0"/>
-          <a:effectRef idx="0"/>
+          <a:lnRef idx="0">
+            <a:scrgbClr r="0" g="0" b="0"/>
+          </a:lnRef>
+          <a:fillRef idx="0">
+            <a:scrgbClr r="0" g="0" b="0"/>
+          </a:fillRef>
+          <a:effectRef idx="0">
+            <a:scrgbClr r="0" g="0" b="0"/>
+          </a:effectRef>
           <a:fontRef idx="minor"/>
         </p:style>
         <p:txBody>
-          <a:bodyPr lIns="95040" rIns="95040" tIns="47520" bIns="47520" anchor="b"/>
+          <a:bodyPr lIns="95040" tIns="47520" rIns="95040" bIns="47520" anchor="b"/>
+          <a:lstStyle/>
           <a:p>
             <a:pPr algn="r">
               <a:lnSpc>
                 <a:spcPct val="100000"/>
               </a:lnSpc>
             </a:pPr>
-            <a:fld id="{765FDC2B-22EA-4B3C-9AB8-3A6E80814C13}" type="slidenum">
+            <a:fld id="{FC985BBF-F1F1-431A-93D9-A72F00A9FED3}" type="slidenum">
               <a:rPr lang="en-US" sz="1300" strike="noStrike">
                 <a:solidFill>
                   <a:srgbClr val="000000"/>
@@ -386,7 +717,7 @@
                 <a:latin typeface="+mn-lt"/>
                 <a:ea typeface="+mn-ea"/>
               </a:rPr>
-              <a:t>&lt;number&gt;</a:t>
+              <a:t>5</a:t>
             </a:fld>
             <a:endParaRPr/>
           </a:p>
@@ -394,11 +725,14 @@
       </p:sp>
     </p:spTree>
   </p:cSld>
+  <p:clrMapOvr>
+    <a:masterClrMapping/>
+  </p:clrMapOvr>
 </p:notes>
 </file>
 
-<file path=ppt/notesSlides/notesSlide5.xml><?xml version="1.0" encoding="utf-8"?>
-<p:notes xmlns:a="http://schemas.openxmlformats.org/drawingml/2006/main" xmlns:p="http://schemas.openxmlformats.org/presentationml/2006/main" xmlns:r="http://schemas.openxmlformats.org/officeDocument/2006/relationships">
+<file path=ppt/notesSlides/notesSlide4.xml><?xml version="1.0" encoding="utf-8"?>
+<p:notes xmlns:a="http://schemas.openxmlformats.org/drawingml/2006/main" xmlns:r="http://schemas.openxmlformats.org/officeDocument/2006/relationships" xmlns:p="http://schemas.openxmlformats.org/presentationml/2006/main">
   <p:cSld>
     <p:spTree>
       <p:nvGrpSpPr>
@@ -416,7 +750,7 @@
       </p:grpSpPr>
       <p:sp>
         <p:nvSpPr>
-          <p:cNvPr id="96" name="PlaceHolder 1"/>
+          <p:cNvPr id="98" name="PlaceHolder 1"/>
           <p:cNvSpPr>
             <a:spLocks noGrp="1"/>
           </p:cNvSpPr>
@@ -434,15 +768,16 @@
           </a:prstGeom>
         </p:spPr>
         <p:txBody>
-          <a:bodyPr lIns="0" rIns="0" tIns="0" bIns="0"/>
-          <a:p>
-            <a:endParaRPr/>
-          </a:p>
-        </p:txBody>
-      </p:sp>
-      <p:sp>
-        <p:nvSpPr>
-          <p:cNvPr id="97" name="CustomShape 2"/>
+          <a:bodyPr lIns="0" tIns="0" rIns="0" bIns="0"/>
+          <a:lstStyle/>
+          <a:p>
+            <a:endParaRPr/>
+          </a:p>
+        </p:txBody>
+      </p:sp>
+      <p:sp>
+        <p:nvSpPr>
+          <p:cNvPr id="99" name="CustomShape 2"/>
           <p:cNvSpPr/>
           <p:nvPr/>
         </p:nvSpPr>
@@ -460,20 +795,27 @@
           </a:ln>
         </p:spPr>
         <p:style>
-          <a:lnRef idx="0"/>
-          <a:fillRef idx="0"/>
-          <a:effectRef idx="0"/>
+          <a:lnRef idx="0">
+            <a:scrgbClr r="0" g="0" b="0"/>
+          </a:lnRef>
+          <a:fillRef idx="0">
+            <a:scrgbClr r="0" g="0" b="0"/>
+          </a:fillRef>
+          <a:effectRef idx="0">
+            <a:scrgbClr r="0" g="0" b="0"/>
+          </a:effectRef>
           <a:fontRef idx="minor"/>
         </p:style>
         <p:txBody>
-          <a:bodyPr lIns="95040" rIns="95040" tIns="47520" bIns="47520" anchor="b"/>
+          <a:bodyPr lIns="95040" tIns="47520" rIns="95040" bIns="47520" anchor="b"/>
+          <a:lstStyle/>
           <a:p>
             <a:pPr algn="r">
               <a:lnSpc>
                 <a:spcPct val="100000"/>
               </a:lnSpc>
             </a:pPr>
-            <a:fld id="{FC985BBF-F1F1-431A-93D9-A72F00A9FED3}" type="slidenum">
+            <a:fld id="{858F336A-C310-4E07-91B2-1D2C43008C77}" type="slidenum">
               <a:rPr lang="en-US" sz="1300" strike="noStrike">
                 <a:solidFill>
                   <a:srgbClr val="000000"/>
@@ -481,7 +823,7 @@
                 <a:latin typeface="+mn-lt"/>
                 <a:ea typeface="+mn-ea"/>
               </a:rPr>
-              <a:t>&lt;number&gt;</a:t>
+              <a:t>6</a:t>
             </a:fld>
             <a:endParaRPr/>
           </a:p>
@@ -489,11 +831,14 @@
       </p:sp>
     </p:spTree>
   </p:cSld>
+  <p:clrMapOvr>
+    <a:masterClrMapping/>
+  </p:clrMapOvr>
 </p:notes>
 </file>
 
-<file path=ppt/notesSlides/notesSlide6.xml><?xml version="1.0" encoding="utf-8"?>
-<p:notes xmlns:a="http://schemas.openxmlformats.org/drawingml/2006/main" xmlns:p="http://schemas.openxmlformats.org/presentationml/2006/main" xmlns:r="http://schemas.openxmlformats.org/officeDocument/2006/relationships">
+<file path=ppt/notesSlides/notesSlide5.xml><?xml version="1.0" encoding="utf-8"?>
+<p:notes xmlns:a="http://schemas.openxmlformats.org/drawingml/2006/main" xmlns:r="http://schemas.openxmlformats.org/officeDocument/2006/relationships" xmlns:p="http://schemas.openxmlformats.org/presentationml/2006/main">
   <p:cSld>
     <p:spTree>
       <p:nvGrpSpPr>
@@ -511,7 +856,7 @@
       </p:grpSpPr>
       <p:sp>
         <p:nvSpPr>
-          <p:cNvPr id="98" name="PlaceHolder 1"/>
+          <p:cNvPr id="100" name="PlaceHolder 1"/>
           <p:cNvSpPr>
             <a:spLocks noGrp="1"/>
           </p:cNvSpPr>
@@ -529,15 +874,16 @@
           </a:prstGeom>
         </p:spPr>
         <p:txBody>
-          <a:bodyPr lIns="0" rIns="0" tIns="0" bIns="0"/>
-          <a:p>
-            <a:endParaRPr/>
-          </a:p>
-        </p:txBody>
-      </p:sp>
-      <p:sp>
-        <p:nvSpPr>
-          <p:cNvPr id="99" name="CustomShape 2"/>
+          <a:bodyPr lIns="0" tIns="0" rIns="0" bIns="0"/>
+          <a:lstStyle/>
+          <a:p>
+            <a:endParaRPr/>
+          </a:p>
+        </p:txBody>
+      </p:sp>
+      <p:sp>
+        <p:nvSpPr>
+          <p:cNvPr id="101" name="CustomShape 2"/>
           <p:cNvSpPr/>
           <p:nvPr/>
         </p:nvSpPr>
@@ -555,20 +901,27 @@
           </a:ln>
         </p:spPr>
         <p:style>
-          <a:lnRef idx="0"/>
-          <a:fillRef idx="0"/>
-          <a:effectRef idx="0"/>
+          <a:lnRef idx="0">
+            <a:scrgbClr r="0" g="0" b="0"/>
+          </a:lnRef>
+          <a:fillRef idx="0">
+            <a:scrgbClr r="0" g="0" b="0"/>
+          </a:fillRef>
+          <a:effectRef idx="0">
+            <a:scrgbClr r="0" g="0" b="0"/>
+          </a:effectRef>
           <a:fontRef idx="minor"/>
         </p:style>
         <p:txBody>
-          <a:bodyPr lIns="95040" rIns="95040" tIns="47520" bIns="47520" anchor="b"/>
+          <a:bodyPr lIns="95040" tIns="47520" rIns="95040" bIns="47520" anchor="b"/>
+          <a:lstStyle/>
           <a:p>
             <a:pPr algn="r">
               <a:lnSpc>
                 <a:spcPct val="100000"/>
               </a:lnSpc>
             </a:pPr>
-            <a:fld id="{858F336A-C310-4E07-91B2-1D2C43008C77}" type="slidenum">
+            <a:fld id="{5A6B7191-7D84-4DB9-8941-B8E4136F56E0}" type="slidenum">
               <a:rPr lang="en-US" sz="1300" strike="noStrike">
                 <a:solidFill>
                   <a:srgbClr val="000000"/>
@@ -576,7 +929,7 @@
                 <a:latin typeface="+mn-lt"/>
                 <a:ea typeface="+mn-ea"/>
               </a:rPr>
-              <a:t>&lt;number&gt;</a:t>
+              <a:t>7</a:t>
             </a:fld>
             <a:endParaRPr/>
           </a:p>
@@ -584,106 +937,14 @@
       </p:sp>
     </p:spTree>
   </p:cSld>
-</p:notes>
-</file>
-
-<file path=ppt/notesSlides/notesSlide7.xml><?xml version="1.0" encoding="utf-8"?>
-<p:notes xmlns:a="http://schemas.openxmlformats.org/drawingml/2006/main" xmlns:p="http://schemas.openxmlformats.org/presentationml/2006/main" xmlns:r="http://schemas.openxmlformats.org/officeDocument/2006/relationships">
-  <p:cSld>
-    <p:spTree>
-      <p:nvGrpSpPr>
-        <p:cNvPr id="1" name=""/>
-        <p:cNvGrpSpPr/>
-        <p:nvPr/>
-      </p:nvGrpSpPr>
-      <p:grpSpPr>
-        <a:xfrm>
-          <a:off x="0" y="0"/>
-          <a:ext cx="0" cy="0"/>
-          <a:chOff x="0" y="0"/>
-          <a:chExt cx="0" cy="0"/>
-        </a:xfrm>
-      </p:grpSpPr>
-      <p:sp>
-        <p:nvSpPr>
-          <p:cNvPr id="100" name="PlaceHolder 1"/>
-          <p:cNvSpPr>
-            <a:spLocks noGrp="1"/>
-          </p:cNvSpPr>
-          <p:nvPr>
-            <p:ph type="body"/>
-          </p:nvPr>
-        </p:nvSpPr>
-        <p:spPr>
-          <a:xfrm>
-            <a:off x="731520" y="4620600"/>
-            <a:ext cx="5850000" cy="3778200"/>
-          </a:xfrm>
-          <a:prstGeom prst="rect">
-            <a:avLst/>
-          </a:prstGeom>
-        </p:spPr>
-        <p:txBody>
-          <a:bodyPr lIns="0" rIns="0" tIns="0" bIns="0"/>
-          <a:p>
-            <a:endParaRPr/>
-          </a:p>
-        </p:txBody>
-      </p:sp>
-      <p:sp>
-        <p:nvSpPr>
-          <p:cNvPr id="101" name="CustomShape 2"/>
-          <p:cNvSpPr/>
-          <p:nvPr/>
-        </p:nvSpPr>
-        <p:spPr>
-          <a:xfrm>
-            <a:off x="4143600" y="9119520"/>
-            <a:ext cx="3167640" cy="479520"/>
-          </a:xfrm>
-          <a:prstGeom prst="rect">
-            <a:avLst/>
-          </a:prstGeom>
-          <a:noFill/>
-          <a:ln>
-            <a:noFill/>
-          </a:ln>
-        </p:spPr>
-        <p:style>
-          <a:lnRef idx="0"/>
-          <a:fillRef idx="0"/>
-          <a:effectRef idx="0"/>
-          <a:fontRef idx="minor"/>
-        </p:style>
-        <p:txBody>
-          <a:bodyPr lIns="95040" rIns="95040" tIns="47520" bIns="47520" anchor="b"/>
-          <a:p>
-            <a:pPr algn="r">
-              <a:lnSpc>
-                <a:spcPct val="100000"/>
-              </a:lnSpc>
-            </a:pPr>
-            <a:fld id="{5A6B7191-7D84-4DB9-8941-B8E4136F56E0}" type="slidenum">
-              <a:rPr lang="en-US" sz="1300" strike="noStrike">
-                <a:solidFill>
-                  <a:srgbClr val="000000"/>
-                </a:solidFill>
-                <a:latin typeface="+mn-lt"/>
-                <a:ea typeface="+mn-ea"/>
-              </a:rPr>
-              <a:t>&lt;number&gt;</a:t>
-            </a:fld>
-            <a:endParaRPr/>
-          </a:p>
-        </p:txBody>
-      </p:sp>
-    </p:spTree>
-  </p:cSld>
+  <p:clrMapOvr>
+    <a:masterClrMapping/>
+  </p:clrMapOvr>
 </p:notes>
 </file>
 
 <file path=ppt/slideLayouts/slideLayout1.xml><?xml version="1.0" encoding="utf-8"?>
-<p:sldLayout xmlns:a="http://schemas.openxmlformats.org/drawingml/2006/main" xmlns:p="http://schemas.openxmlformats.org/presentationml/2006/main" xmlns:r="http://schemas.openxmlformats.org/officeDocument/2006/relationships" type="blank" preserve="1">
+<p:sldLayout xmlns:a="http://schemas.openxmlformats.org/drawingml/2006/main" xmlns:r="http://schemas.openxmlformats.org/officeDocument/2006/relationships" xmlns:p="http://schemas.openxmlformats.org/presentationml/2006/main" type="blank" preserve="1">
   <p:cSld name="Blank Slide">
     <p:spTree>
       <p:nvGrpSpPr>
@@ -701,11 +962,14 @@
       </p:grpSpPr>
     </p:spTree>
   </p:cSld>
+  <p:clrMapOvr>
+    <a:masterClrMapping/>
+  </p:clrMapOvr>
 </p:sldLayout>
 </file>
 
 <file path=ppt/slideLayouts/slideLayout10.xml><?xml version="1.0" encoding="utf-8"?>
-<p:sldLayout xmlns:a="http://schemas.openxmlformats.org/drawingml/2006/main" xmlns:p="http://schemas.openxmlformats.org/presentationml/2006/main" xmlns:r="http://schemas.openxmlformats.org/officeDocument/2006/relationships" type="objOverTx" preserve="1">
+<p:sldLayout xmlns:a="http://schemas.openxmlformats.org/drawingml/2006/main" xmlns:r="http://schemas.openxmlformats.org/officeDocument/2006/relationships" xmlns:p="http://schemas.openxmlformats.org/presentationml/2006/main" type="objOverTx" preserve="1">
   <p:cSld name="Title, Content over Content">
     <p:spTree>
       <p:nvGrpSpPr>
@@ -741,7 +1005,8 @@
           </a:prstGeom>
         </p:spPr>
         <p:txBody>
-          <a:bodyPr lIns="0" rIns="0" tIns="0" bIns="0" anchor="ctr"/>
+          <a:bodyPr lIns="0" tIns="0" rIns="0" bIns="0" anchor="ctr"/>
+          <a:lstStyle/>
           <a:p>
             <a:pPr algn="ctr"/>
             <a:endParaRPr/>
@@ -768,7 +1033,8 @@
           </a:prstGeom>
         </p:spPr>
         <p:txBody>
-          <a:bodyPr lIns="0" rIns="0" tIns="0" bIns="0"/>
+          <a:bodyPr lIns="0" tIns="0" rIns="0" bIns="0"/>
+          <a:lstStyle/>
           <a:p>
             <a:endParaRPr/>
           </a:p>
@@ -794,7 +1060,8 @@
           </a:prstGeom>
         </p:spPr>
         <p:txBody>
-          <a:bodyPr lIns="0" rIns="0" tIns="0" bIns="0"/>
+          <a:bodyPr lIns="0" tIns="0" rIns="0" bIns="0"/>
+          <a:lstStyle/>
           <a:p>
             <a:endParaRPr/>
           </a:p>
@@ -802,11 +1069,14 @@
       </p:sp>
     </p:spTree>
   </p:cSld>
+  <p:clrMapOvr>
+    <a:masterClrMapping/>
+  </p:clrMapOvr>
 </p:sldLayout>
 </file>
 
 <file path=ppt/slideLayouts/slideLayout11.xml><?xml version="1.0" encoding="utf-8"?>
-<p:sldLayout xmlns:a="http://schemas.openxmlformats.org/drawingml/2006/main" xmlns:p="http://schemas.openxmlformats.org/presentationml/2006/main" xmlns:r="http://schemas.openxmlformats.org/officeDocument/2006/relationships" type="fourObj" preserve="1">
+<p:sldLayout xmlns:a="http://schemas.openxmlformats.org/drawingml/2006/main" xmlns:r="http://schemas.openxmlformats.org/officeDocument/2006/relationships" xmlns:p="http://schemas.openxmlformats.org/presentationml/2006/main" type="fourObj" preserve="1">
   <p:cSld name="Title, 4 Content">
     <p:spTree>
       <p:nvGrpSpPr>
@@ -842,7 +1112,8 @@
           </a:prstGeom>
         </p:spPr>
         <p:txBody>
-          <a:bodyPr lIns="0" rIns="0" tIns="0" bIns="0" anchor="ctr"/>
+          <a:bodyPr lIns="0" tIns="0" rIns="0" bIns="0" anchor="ctr"/>
+          <a:lstStyle/>
           <a:p>
             <a:pPr algn="ctr"/>
             <a:endParaRPr/>
@@ -869,7 +1140,8 @@
           </a:prstGeom>
         </p:spPr>
         <p:txBody>
-          <a:bodyPr lIns="0" rIns="0" tIns="0" bIns="0"/>
+          <a:bodyPr lIns="0" tIns="0" rIns="0" bIns="0"/>
+          <a:lstStyle/>
           <a:p>
             <a:endParaRPr/>
           </a:p>
@@ -895,7 +1167,8 @@
           </a:prstGeom>
         </p:spPr>
         <p:txBody>
-          <a:bodyPr lIns="0" rIns="0" tIns="0" bIns="0"/>
+          <a:bodyPr lIns="0" tIns="0" rIns="0" bIns="0"/>
+          <a:lstStyle/>
           <a:p>
             <a:endParaRPr/>
           </a:p>
@@ -921,7 +1194,8 @@
           </a:prstGeom>
         </p:spPr>
         <p:txBody>
-          <a:bodyPr lIns="0" rIns="0" tIns="0" bIns="0"/>
+          <a:bodyPr lIns="0" tIns="0" rIns="0" bIns="0"/>
+          <a:lstStyle/>
           <a:p>
             <a:endParaRPr/>
           </a:p>
@@ -947,7 +1221,8 @@
           </a:prstGeom>
         </p:spPr>
         <p:txBody>
-          <a:bodyPr lIns="0" rIns="0" tIns="0" bIns="0"/>
+          <a:bodyPr lIns="0" tIns="0" rIns="0" bIns="0"/>
+          <a:lstStyle/>
           <a:p>
             <a:endParaRPr/>
           </a:p>
@@ -955,11 +1230,14 @@
       </p:sp>
     </p:spTree>
   </p:cSld>
+  <p:clrMapOvr>
+    <a:masterClrMapping/>
+  </p:clrMapOvr>
 </p:sldLayout>
 </file>
 
 <file path=ppt/slideLayouts/slideLayout12.xml><?xml version="1.0" encoding="utf-8"?>
-<p:sldLayout xmlns:a="http://schemas.openxmlformats.org/drawingml/2006/main" xmlns:p="http://schemas.openxmlformats.org/presentationml/2006/main" xmlns:r="http://schemas.openxmlformats.org/officeDocument/2006/relationships" type="blank" preserve="1">
+<p:sldLayout xmlns:a="http://schemas.openxmlformats.org/drawingml/2006/main" xmlns:r="http://schemas.openxmlformats.org/officeDocument/2006/relationships" xmlns:p="http://schemas.openxmlformats.org/presentationml/2006/main" type="blank" preserve="1">
   <p:cSld name="Title, 6 Content">
     <p:spTree>
       <p:nvGrpSpPr>
@@ -995,7 +1273,8 @@
           </a:prstGeom>
         </p:spPr>
         <p:txBody>
-          <a:bodyPr lIns="0" rIns="0" tIns="0" bIns="0" anchor="ctr"/>
+          <a:bodyPr lIns="0" tIns="0" rIns="0" bIns="0" anchor="ctr"/>
+          <a:lstStyle/>
           <a:p>
             <a:pPr algn="ctr"/>
             <a:endParaRPr/>
@@ -1022,7 +1301,8 @@
           </a:prstGeom>
         </p:spPr>
         <p:txBody>
-          <a:bodyPr lIns="0" rIns="0" tIns="0" bIns="0"/>
+          <a:bodyPr lIns="0" tIns="0" rIns="0" bIns="0"/>
+          <a:lstStyle/>
           <a:p>
             <a:endParaRPr/>
           </a:p>
@@ -1048,7 +1328,8 @@
           </a:prstGeom>
         </p:spPr>
         <p:txBody>
-          <a:bodyPr lIns="0" rIns="0" tIns="0" bIns="0"/>
+          <a:bodyPr lIns="0" tIns="0" rIns="0" bIns="0"/>
+          <a:lstStyle/>
           <a:p>
             <a:endParaRPr/>
           </a:p>
@@ -1056,7 +1337,7 @@
       </p:sp>
       <p:pic>
         <p:nvPicPr>
-          <p:cNvPr id="34" name="" descr=""/>
+          <p:cNvPr id="34" name="Picture 33"/>
           <p:cNvPicPr/>
           <p:nvPr/>
         </p:nvPicPr>
@@ -1079,12 +1360,12 @@
       </p:pic>
       <p:pic>
         <p:nvPicPr>
-          <p:cNvPr id="35" name="" descr=""/>
+          <p:cNvPr id="35" name="Picture 34"/>
           <p:cNvPicPr/>
           <p:nvPr/>
         </p:nvPicPr>
         <p:blipFill>
-          <a:blip r:embed="rId3"/>
+          <a:blip r:embed="rId2"/>
           <a:stretch/>
         </p:blipFill>
         <p:spPr>
@@ -1102,11 +1383,14 @@
       </p:pic>
     </p:spTree>
   </p:cSld>
+  <p:clrMapOvr>
+    <a:masterClrMapping/>
+  </p:clrMapOvr>
 </p:sldLayout>
 </file>
 
 <file path=ppt/slideLayouts/slideLayout13.xml><?xml version="1.0" encoding="utf-8"?>
-<p:sldLayout xmlns:a="http://schemas.openxmlformats.org/drawingml/2006/main" xmlns:p="http://schemas.openxmlformats.org/presentationml/2006/main" xmlns:r="http://schemas.openxmlformats.org/officeDocument/2006/relationships" type="blank" preserve="1">
+<p:sldLayout xmlns:a="http://schemas.openxmlformats.org/drawingml/2006/main" xmlns:r="http://schemas.openxmlformats.org/officeDocument/2006/relationships" xmlns:p="http://schemas.openxmlformats.org/presentationml/2006/main" type="blank" preserve="1">
   <p:cSld name="Blank Slide">
     <p:spTree>
       <p:nvGrpSpPr>
@@ -1124,11 +1408,14 @@
       </p:grpSpPr>
     </p:spTree>
   </p:cSld>
+  <p:clrMapOvr>
+    <a:masterClrMapping/>
+  </p:clrMapOvr>
 </p:sldLayout>
 </file>
 
 <file path=ppt/slideLayouts/slideLayout14.xml><?xml version="1.0" encoding="utf-8"?>
-<p:sldLayout xmlns:a="http://schemas.openxmlformats.org/drawingml/2006/main" xmlns:p="http://schemas.openxmlformats.org/presentationml/2006/main" xmlns:r="http://schemas.openxmlformats.org/officeDocument/2006/relationships" type="tx" preserve="1">
+<p:sldLayout xmlns:a="http://schemas.openxmlformats.org/drawingml/2006/main" xmlns:r="http://schemas.openxmlformats.org/officeDocument/2006/relationships" xmlns:p="http://schemas.openxmlformats.org/presentationml/2006/main" type="tx" preserve="1">
   <p:cSld name="Title Slide">
     <p:spTree>
       <p:nvGrpSpPr>
@@ -1164,7 +1451,8 @@
           </a:prstGeom>
         </p:spPr>
         <p:txBody>
-          <a:bodyPr lIns="0" rIns="0" tIns="0" bIns="0" anchor="ctr"/>
+          <a:bodyPr lIns="0" tIns="0" rIns="0" bIns="0" anchor="ctr"/>
+          <a:lstStyle/>
           <a:p>
             <a:pPr algn="ctr"/>
             <a:endParaRPr/>
@@ -1191,7 +1479,8 @@
           </a:prstGeom>
         </p:spPr>
         <p:txBody>
-          <a:bodyPr lIns="0" rIns="0" tIns="0" bIns="0" anchor="ctr"/>
+          <a:bodyPr lIns="0" tIns="0" rIns="0" bIns="0" anchor="ctr"/>
+          <a:lstStyle/>
           <a:p>
             <a:pPr algn="ctr"/>
             <a:endParaRPr/>
@@ -1200,11 +1489,14 @@
       </p:sp>
     </p:spTree>
   </p:cSld>
+  <p:clrMapOvr>
+    <a:masterClrMapping/>
+  </p:clrMapOvr>
 </p:sldLayout>
 </file>
 
 <file path=ppt/slideLayouts/slideLayout15.xml><?xml version="1.0" encoding="utf-8"?>
-<p:sldLayout xmlns:a="http://schemas.openxmlformats.org/drawingml/2006/main" xmlns:p="http://schemas.openxmlformats.org/presentationml/2006/main" xmlns:r="http://schemas.openxmlformats.org/officeDocument/2006/relationships" type="obj" preserve="1">
+<p:sldLayout xmlns:a="http://schemas.openxmlformats.org/drawingml/2006/main" xmlns:r="http://schemas.openxmlformats.org/officeDocument/2006/relationships" xmlns:p="http://schemas.openxmlformats.org/presentationml/2006/main" type="obj" preserve="1">
   <p:cSld name="Title, Content">
     <p:spTree>
       <p:nvGrpSpPr>
@@ -1240,7 +1532,8 @@
           </a:prstGeom>
         </p:spPr>
         <p:txBody>
-          <a:bodyPr lIns="0" rIns="0" tIns="0" bIns="0" anchor="ctr"/>
+          <a:bodyPr lIns="0" tIns="0" rIns="0" bIns="0" anchor="ctr"/>
+          <a:lstStyle/>
           <a:p>
             <a:pPr algn="ctr"/>
             <a:endParaRPr/>
@@ -1267,7 +1560,8 @@
           </a:prstGeom>
         </p:spPr>
         <p:txBody>
-          <a:bodyPr lIns="0" rIns="0" tIns="0" bIns="0"/>
+          <a:bodyPr lIns="0" tIns="0" rIns="0" bIns="0"/>
+          <a:lstStyle/>
           <a:p>
             <a:endParaRPr/>
           </a:p>
@@ -1275,11 +1569,14 @@
       </p:sp>
     </p:spTree>
   </p:cSld>
+  <p:clrMapOvr>
+    <a:masterClrMapping/>
+  </p:clrMapOvr>
 </p:sldLayout>
 </file>
 
 <file path=ppt/slideLayouts/slideLayout16.xml><?xml version="1.0" encoding="utf-8"?>
-<p:sldLayout xmlns:a="http://schemas.openxmlformats.org/drawingml/2006/main" xmlns:p="http://schemas.openxmlformats.org/presentationml/2006/main" xmlns:r="http://schemas.openxmlformats.org/officeDocument/2006/relationships" type="twoObj" preserve="1">
+<p:sldLayout xmlns:a="http://schemas.openxmlformats.org/drawingml/2006/main" xmlns:r="http://schemas.openxmlformats.org/officeDocument/2006/relationships" xmlns:p="http://schemas.openxmlformats.org/presentationml/2006/main" type="twoObj" preserve="1">
   <p:cSld name="Title, 2 Content">
     <p:spTree>
       <p:nvGrpSpPr>
@@ -1315,7 +1612,8 @@
           </a:prstGeom>
         </p:spPr>
         <p:txBody>
-          <a:bodyPr lIns="0" rIns="0" tIns="0" bIns="0" anchor="ctr"/>
+          <a:bodyPr lIns="0" tIns="0" rIns="0" bIns="0" anchor="ctr"/>
+          <a:lstStyle/>
           <a:p>
             <a:pPr algn="ctr"/>
             <a:endParaRPr/>
@@ -1342,7 +1640,8 @@
           </a:prstGeom>
         </p:spPr>
         <p:txBody>
-          <a:bodyPr lIns="0" rIns="0" tIns="0" bIns="0"/>
+          <a:bodyPr lIns="0" tIns="0" rIns="0" bIns="0"/>
+          <a:lstStyle/>
           <a:p>
             <a:endParaRPr/>
           </a:p>
@@ -1368,7 +1667,8 @@
           </a:prstGeom>
         </p:spPr>
         <p:txBody>
-          <a:bodyPr lIns="0" rIns="0" tIns="0" bIns="0"/>
+          <a:bodyPr lIns="0" tIns="0" rIns="0" bIns="0"/>
+          <a:lstStyle/>
           <a:p>
             <a:endParaRPr/>
           </a:p>
@@ -1376,11 +1676,14 @@
       </p:sp>
     </p:spTree>
   </p:cSld>
+  <p:clrMapOvr>
+    <a:masterClrMapping/>
+  </p:clrMapOvr>
 </p:sldLayout>
 </file>
 
 <file path=ppt/slideLayouts/slideLayout17.xml><?xml version="1.0" encoding="utf-8"?>
-<p:sldLayout xmlns:a="http://schemas.openxmlformats.org/drawingml/2006/main" xmlns:p="http://schemas.openxmlformats.org/presentationml/2006/main" xmlns:r="http://schemas.openxmlformats.org/officeDocument/2006/relationships" type="titleOnly" preserve="1">
+<p:sldLayout xmlns:a="http://schemas.openxmlformats.org/drawingml/2006/main" xmlns:r="http://schemas.openxmlformats.org/officeDocument/2006/relationships" xmlns:p="http://schemas.openxmlformats.org/presentationml/2006/main" type="titleOnly" preserve="1">
   <p:cSld name="Title Only">
     <p:spTree>
       <p:nvGrpSpPr>
@@ -1416,7 +1719,8 @@
           </a:prstGeom>
         </p:spPr>
         <p:txBody>
-          <a:bodyPr lIns="0" rIns="0" tIns="0" bIns="0" anchor="ctr"/>
+          <a:bodyPr lIns="0" tIns="0" rIns="0" bIns="0" anchor="ctr"/>
+          <a:lstStyle/>
           <a:p>
             <a:pPr algn="ctr"/>
             <a:endParaRPr/>
@@ -1425,11 +1729,14 @@
       </p:sp>
     </p:spTree>
   </p:cSld>
+  <p:clrMapOvr>
+    <a:masterClrMapping/>
+  </p:clrMapOvr>
 </p:sldLayout>
 </file>
 
 <file path=ppt/slideLayouts/slideLayout18.xml><?xml version="1.0" encoding="utf-8"?>
-<p:sldLayout xmlns:a="http://schemas.openxmlformats.org/drawingml/2006/main" xmlns:p="http://schemas.openxmlformats.org/presentationml/2006/main" xmlns:r="http://schemas.openxmlformats.org/officeDocument/2006/relationships" type="objOnly" preserve="1">
+<p:sldLayout xmlns:a="http://schemas.openxmlformats.org/drawingml/2006/main" xmlns:r="http://schemas.openxmlformats.org/officeDocument/2006/relationships" xmlns:p="http://schemas.openxmlformats.org/presentationml/2006/main" type="objOnly" preserve="1">
   <p:cSld name="Centered Text">
     <p:spTree>
       <p:nvGrpSpPr>
@@ -1465,7 +1772,8 @@
           </a:prstGeom>
         </p:spPr>
         <p:txBody>
-          <a:bodyPr lIns="0" rIns="0" tIns="0" bIns="0" anchor="ctr"/>
+          <a:bodyPr lIns="0" tIns="0" rIns="0" bIns="0" anchor="ctr"/>
+          <a:lstStyle/>
           <a:p>
             <a:pPr algn="ctr"/>
             <a:endParaRPr/>
@@ -1474,11 +1782,14 @@
       </p:sp>
     </p:spTree>
   </p:cSld>
+  <p:clrMapOvr>
+    <a:masterClrMapping/>
+  </p:clrMapOvr>
 </p:sldLayout>
 </file>
 
 <file path=ppt/slideLayouts/slideLayout19.xml><?xml version="1.0" encoding="utf-8"?>
-<p:sldLayout xmlns:a="http://schemas.openxmlformats.org/drawingml/2006/main" xmlns:p="http://schemas.openxmlformats.org/presentationml/2006/main" xmlns:r="http://schemas.openxmlformats.org/officeDocument/2006/relationships" type="twoObjAndObj" preserve="1">
+<p:sldLayout xmlns:a="http://schemas.openxmlformats.org/drawingml/2006/main" xmlns:r="http://schemas.openxmlformats.org/officeDocument/2006/relationships" xmlns:p="http://schemas.openxmlformats.org/presentationml/2006/main" type="twoObjAndObj" preserve="1">
   <p:cSld name="Title, 2 Content and Content">
     <p:spTree>
       <p:nvGrpSpPr>
@@ -1514,7 +1825,8 @@
           </a:prstGeom>
         </p:spPr>
         <p:txBody>
-          <a:bodyPr lIns="0" rIns="0" tIns="0" bIns="0" anchor="ctr"/>
+          <a:bodyPr lIns="0" tIns="0" rIns="0" bIns="0" anchor="ctr"/>
+          <a:lstStyle/>
           <a:p>
             <a:pPr algn="ctr"/>
             <a:endParaRPr/>
@@ -1541,7 +1853,8 @@
           </a:prstGeom>
         </p:spPr>
         <p:txBody>
-          <a:bodyPr lIns="0" rIns="0" tIns="0" bIns="0"/>
+          <a:bodyPr lIns="0" tIns="0" rIns="0" bIns="0"/>
+          <a:lstStyle/>
           <a:p>
             <a:endParaRPr/>
           </a:p>
@@ -1567,7 +1880,8 @@
           </a:prstGeom>
         </p:spPr>
         <p:txBody>
-          <a:bodyPr lIns="0" rIns="0" tIns="0" bIns="0"/>
+          <a:bodyPr lIns="0" tIns="0" rIns="0" bIns="0"/>
+          <a:lstStyle/>
           <a:p>
             <a:endParaRPr/>
           </a:p>
@@ -1593,7 +1907,8 @@
           </a:prstGeom>
         </p:spPr>
         <p:txBody>
-          <a:bodyPr lIns="0" rIns="0" tIns="0" bIns="0"/>
+          <a:bodyPr lIns="0" tIns="0" rIns="0" bIns="0"/>
+          <a:lstStyle/>
           <a:p>
             <a:endParaRPr/>
           </a:p>
@@ -1601,11 +1916,14 @@
       </p:sp>
     </p:spTree>
   </p:cSld>
+  <p:clrMapOvr>
+    <a:masterClrMapping/>
+  </p:clrMapOvr>
 </p:sldLayout>
 </file>
 
 <file path=ppt/slideLayouts/slideLayout2.xml><?xml version="1.0" encoding="utf-8"?>
-<p:sldLayout xmlns:a="http://schemas.openxmlformats.org/drawingml/2006/main" xmlns:p="http://schemas.openxmlformats.org/presentationml/2006/main" xmlns:r="http://schemas.openxmlformats.org/officeDocument/2006/relationships" type="tx" preserve="1">
+<p:sldLayout xmlns:a="http://schemas.openxmlformats.org/drawingml/2006/main" xmlns:r="http://schemas.openxmlformats.org/officeDocument/2006/relationships" xmlns:p="http://schemas.openxmlformats.org/presentationml/2006/main" type="tx" preserve="1">
   <p:cSld name="Title Slide">
     <p:spTree>
       <p:nvGrpSpPr>
@@ -1641,7 +1959,8 @@
           </a:prstGeom>
         </p:spPr>
         <p:txBody>
-          <a:bodyPr lIns="0" rIns="0" tIns="0" bIns="0" anchor="ctr"/>
+          <a:bodyPr lIns="0" tIns="0" rIns="0" bIns="0" anchor="ctr"/>
+          <a:lstStyle/>
           <a:p>
             <a:pPr algn="ctr"/>
             <a:endParaRPr/>
@@ -1668,7 +1987,8 @@
           </a:prstGeom>
         </p:spPr>
         <p:txBody>
-          <a:bodyPr lIns="0" rIns="0" tIns="0" bIns="0" anchor="ctr"/>
+          <a:bodyPr lIns="0" tIns="0" rIns="0" bIns="0" anchor="ctr"/>
+          <a:lstStyle/>
           <a:p>
             <a:pPr algn="ctr"/>
             <a:endParaRPr/>
@@ -1677,11 +1997,14 @@
       </p:sp>
     </p:spTree>
   </p:cSld>
+  <p:clrMapOvr>
+    <a:masterClrMapping/>
+  </p:clrMapOvr>
 </p:sldLayout>
 </file>
 
 <file path=ppt/slideLayouts/slideLayout20.xml><?xml version="1.0" encoding="utf-8"?>
-<p:sldLayout xmlns:a="http://schemas.openxmlformats.org/drawingml/2006/main" xmlns:p="http://schemas.openxmlformats.org/presentationml/2006/main" xmlns:r="http://schemas.openxmlformats.org/officeDocument/2006/relationships" type="objAndTwoObj" preserve="1">
+<p:sldLayout xmlns:a="http://schemas.openxmlformats.org/drawingml/2006/main" xmlns:r="http://schemas.openxmlformats.org/officeDocument/2006/relationships" xmlns:p="http://schemas.openxmlformats.org/presentationml/2006/main" type="objAndTwoObj" preserve="1">
   <p:cSld name="Title Content and 2 Content">
     <p:spTree>
       <p:nvGrpSpPr>
@@ -1717,7 +2040,8 @@
           </a:prstGeom>
         </p:spPr>
         <p:txBody>
-          <a:bodyPr lIns="0" rIns="0" tIns="0" bIns="0" anchor="ctr"/>
+          <a:bodyPr lIns="0" tIns="0" rIns="0" bIns="0" anchor="ctr"/>
+          <a:lstStyle/>
           <a:p>
             <a:pPr algn="ctr"/>
             <a:endParaRPr/>
@@ -1744,7 +2068,8 @@
           </a:prstGeom>
         </p:spPr>
         <p:txBody>
-          <a:bodyPr lIns="0" rIns="0" tIns="0" bIns="0"/>
+          <a:bodyPr lIns="0" tIns="0" rIns="0" bIns="0"/>
+          <a:lstStyle/>
           <a:p>
             <a:endParaRPr/>
           </a:p>
@@ -1770,7 +2095,8 @@
           </a:prstGeom>
         </p:spPr>
         <p:txBody>
-          <a:bodyPr lIns="0" rIns="0" tIns="0" bIns="0"/>
+          <a:bodyPr lIns="0" tIns="0" rIns="0" bIns="0"/>
+          <a:lstStyle/>
           <a:p>
             <a:endParaRPr/>
           </a:p>
@@ -1796,7 +2122,8 @@
           </a:prstGeom>
         </p:spPr>
         <p:txBody>
-          <a:bodyPr lIns="0" rIns="0" tIns="0" bIns="0"/>
+          <a:bodyPr lIns="0" tIns="0" rIns="0" bIns="0"/>
+          <a:lstStyle/>
           <a:p>
             <a:endParaRPr/>
           </a:p>
@@ -1804,11 +2131,14 @@
       </p:sp>
     </p:spTree>
   </p:cSld>
+  <p:clrMapOvr>
+    <a:masterClrMapping/>
+  </p:clrMapOvr>
 </p:sldLayout>
 </file>
 
 <file path=ppt/slideLayouts/slideLayout21.xml><?xml version="1.0" encoding="utf-8"?>
-<p:sldLayout xmlns:a="http://schemas.openxmlformats.org/drawingml/2006/main" xmlns:p="http://schemas.openxmlformats.org/presentationml/2006/main" xmlns:r="http://schemas.openxmlformats.org/officeDocument/2006/relationships" type="twoObjOverTx" preserve="1">
+<p:sldLayout xmlns:a="http://schemas.openxmlformats.org/drawingml/2006/main" xmlns:r="http://schemas.openxmlformats.org/officeDocument/2006/relationships" xmlns:p="http://schemas.openxmlformats.org/presentationml/2006/main" type="twoObjOverTx" preserve="1">
   <p:cSld name="Title, 2 Content over Content">
     <p:spTree>
       <p:nvGrpSpPr>
@@ -1844,7 +2174,8 @@
           </a:prstGeom>
         </p:spPr>
         <p:txBody>
-          <a:bodyPr lIns="0" rIns="0" tIns="0" bIns="0" anchor="ctr"/>
+          <a:bodyPr lIns="0" tIns="0" rIns="0" bIns="0" anchor="ctr"/>
+          <a:lstStyle/>
           <a:p>
             <a:pPr algn="ctr"/>
             <a:endParaRPr/>
@@ -1871,7 +2202,8 @@
           </a:prstGeom>
         </p:spPr>
         <p:txBody>
-          <a:bodyPr lIns="0" rIns="0" tIns="0" bIns="0"/>
+          <a:bodyPr lIns="0" tIns="0" rIns="0" bIns="0"/>
+          <a:lstStyle/>
           <a:p>
             <a:endParaRPr/>
           </a:p>
@@ -1897,7 +2229,8 @@
           </a:prstGeom>
         </p:spPr>
         <p:txBody>
-          <a:bodyPr lIns="0" rIns="0" tIns="0" bIns="0"/>
+          <a:bodyPr lIns="0" tIns="0" rIns="0" bIns="0"/>
+          <a:lstStyle/>
           <a:p>
             <a:endParaRPr/>
           </a:p>
@@ -1923,7 +2256,8 @@
           </a:prstGeom>
         </p:spPr>
         <p:txBody>
-          <a:bodyPr lIns="0" rIns="0" tIns="0" bIns="0"/>
+          <a:bodyPr lIns="0" tIns="0" rIns="0" bIns="0"/>
+          <a:lstStyle/>
           <a:p>
             <a:endParaRPr/>
           </a:p>
@@ -1931,11 +2265,14 @@
       </p:sp>
     </p:spTree>
   </p:cSld>
+  <p:clrMapOvr>
+    <a:masterClrMapping/>
+  </p:clrMapOvr>
 </p:sldLayout>
 </file>
 
 <file path=ppt/slideLayouts/slideLayout22.xml><?xml version="1.0" encoding="utf-8"?>
-<p:sldLayout xmlns:a="http://schemas.openxmlformats.org/drawingml/2006/main" xmlns:p="http://schemas.openxmlformats.org/presentationml/2006/main" xmlns:r="http://schemas.openxmlformats.org/officeDocument/2006/relationships" type="objOverTx" preserve="1">
+<p:sldLayout xmlns:a="http://schemas.openxmlformats.org/drawingml/2006/main" xmlns:r="http://schemas.openxmlformats.org/officeDocument/2006/relationships" xmlns:p="http://schemas.openxmlformats.org/presentationml/2006/main" type="objOverTx" preserve="1">
   <p:cSld name="Title, Content over Content">
     <p:spTree>
       <p:nvGrpSpPr>
@@ -1971,7 +2308,8 @@
           </a:prstGeom>
         </p:spPr>
         <p:txBody>
-          <a:bodyPr lIns="0" rIns="0" tIns="0" bIns="0" anchor="ctr"/>
+          <a:bodyPr lIns="0" tIns="0" rIns="0" bIns="0" anchor="ctr"/>
+          <a:lstStyle/>
           <a:p>
             <a:pPr algn="ctr"/>
             <a:endParaRPr/>
@@ -1998,7 +2336,8 @@
           </a:prstGeom>
         </p:spPr>
         <p:txBody>
-          <a:bodyPr lIns="0" rIns="0" tIns="0" bIns="0"/>
+          <a:bodyPr lIns="0" tIns="0" rIns="0" bIns="0"/>
+          <a:lstStyle/>
           <a:p>
             <a:endParaRPr/>
           </a:p>
@@ -2024,7 +2363,8 @@
           </a:prstGeom>
         </p:spPr>
         <p:txBody>
-          <a:bodyPr lIns="0" rIns="0" tIns="0" bIns="0"/>
+          <a:bodyPr lIns="0" tIns="0" rIns="0" bIns="0"/>
+          <a:lstStyle/>
           <a:p>
             <a:endParaRPr/>
           </a:p>
@@ -2032,11 +2372,14 @@
       </p:sp>
     </p:spTree>
   </p:cSld>
+  <p:clrMapOvr>
+    <a:masterClrMapping/>
+  </p:clrMapOvr>
 </p:sldLayout>
 </file>
 
 <file path=ppt/slideLayouts/slideLayout23.xml><?xml version="1.0" encoding="utf-8"?>
-<p:sldLayout xmlns:a="http://schemas.openxmlformats.org/drawingml/2006/main" xmlns:p="http://schemas.openxmlformats.org/presentationml/2006/main" xmlns:r="http://schemas.openxmlformats.org/officeDocument/2006/relationships" type="fourObj" preserve="1">
+<p:sldLayout xmlns:a="http://schemas.openxmlformats.org/drawingml/2006/main" xmlns:r="http://schemas.openxmlformats.org/officeDocument/2006/relationships" xmlns:p="http://schemas.openxmlformats.org/presentationml/2006/main" type="fourObj" preserve="1">
   <p:cSld name="Title, 4 Content">
     <p:spTree>
       <p:nvGrpSpPr>
@@ -2072,7 +2415,8 @@
           </a:prstGeom>
         </p:spPr>
         <p:txBody>
-          <a:bodyPr lIns="0" rIns="0" tIns="0" bIns="0" anchor="ctr"/>
+          <a:bodyPr lIns="0" tIns="0" rIns="0" bIns="0" anchor="ctr"/>
+          <a:lstStyle/>
           <a:p>
             <a:pPr algn="ctr"/>
             <a:endParaRPr/>
@@ -2099,7 +2443,8 @@
           </a:prstGeom>
         </p:spPr>
         <p:txBody>
-          <a:bodyPr lIns="0" rIns="0" tIns="0" bIns="0"/>
+          <a:bodyPr lIns="0" tIns="0" rIns="0" bIns="0"/>
+          <a:lstStyle/>
           <a:p>
             <a:endParaRPr/>
           </a:p>
@@ -2125,7 +2470,8 @@
           </a:prstGeom>
         </p:spPr>
         <p:txBody>
-          <a:bodyPr lIns="0" rIns="0" tIns="0" bIns="0"/>
+          <a:bodyPr lIns="0" tIns="0" rIns="0" bIns="0"/>
+          <a:lstStyle/>
           <a:p>
             <a:endParaRPr/>
           </a:p>
@@ -2151,7 +2497,8 @@
           </a:prstGeom>
         </p:spPr>
         <p:txBody>
-          <a:bodyPr lIns="0" rIns="0" tIns="0" bIns="0"/>
+          <a:bodyPr lIns="0" tIns="0" rIns="0" bIns="0"/>
+          <a:lstStyle/>
           <a:p>
             <a:endParaRPr/>
           </a:p>
@@ -2177,7 +2524,8 @@
           </a:prstGeom>
         </p:spPr>
         <p:txBody>
-          <a:bodyPr lIns="0" rIns="0" tIns="0" bIns="0"/>
+          <a:bodyPr lIns="0" tIns="0" rIns="0" bIns="0"/>
+          <a:lstStyle/>
           <a:p>
             <a:endParaRPr/>
           </a:p>
@@ -2185,11 +2533,14 @@
       </p:sp>
     </p:spTree>
   </p:cSld>
+  <p:clrMapOvr>
+    <a:masterClrMapping/>
+  </p:clrMapOvr>
 </p:sldLayout>
 </file>
 
 <file path=ppt/slideLayouts/slideLayout24.xml><?xml version="1.0" encoding="utf-8"?>
-<p:sldLayout xmlns:a="http://schemas.openxmlformats.org/drawingml/2006/main" xmlns:p="http://schemas.openxmlformats.org/presentationml/2006/main" xmlns:r="http://schemas.openxmlformats.org/officeDocument/2006/relationships" type="blank" preserve="1">
+<p:sldLayout xmlns:a="http://schemas.openxmlformats.org/drawingml/2006/main" xmlns:r="http://schemas.openxmlformats.org/officeDocument/2006/relationships" xmlns:p="http://schemas.openxmlformats.org/presentationml/2006/main" type="blank" preserve="1">
   <p:cSld name="Title, 6 Content">
     <p:spTree>
       <p:nvGrpSpPr>
@@ -2225,7 +2576,8 @@
           </a:prstGeom>
         </p:spPr>
         <p:txBody>
-          <a:bodyPr lIns="0" rIns="0" tIns="0" bIns="0" anchor="ctr"/>
+          <a:bodyPr lIns="0" tIns="0" rIns="0" bIns="0" anchor="ctr"/>
+          <a:lstStyle/>
           <a:p>
             <a:pPr algn="ctr"/>
             <a:endParaRPr/>
@@ -2252,7 +2604,8 @@
           </a:prstGeom>
         </p:spPr>
         <p:txBody>
-          <a:bodyPr lIns="0" rIns="0" tIns="0" bIns="0"/>
+          <a:bodyPr lIns="0" tIns="0" rIns="0" bIns="0"/>
+          <a:lstStyle/>
           <a:p>
             <a:endParaRPr/>
           </a:p>
@@ -2278,7 +2631,8 @@
           </a:prstGeom>
         </p:spPr>
         <p:txBody>
-          <a:bodyPr lIns="0" rIns="0" tIns="0" bIns="0"/>
+          <a:bodyPr lIns="0" tIns="0" rIns="0" bIns="0"/>
+          <a:lstStyle/>
           <a:p>
             <a:endParaRPr/>
           </a:p>
@@ -2286,7 +2640,7 @@
       </p:sp>
       <p:pic>
         <p:nvPicPr>
-          <p:cNvPr id="70" name="" descr=""/>
+          <p:cNvPr id="70" name="Picture 69"/>
           <p:cNvPicPr/>
           <p:nvPr/>
         </p:nvPicPr>
@@ -2309,12 +2663,12 @@
       </p:pic>
       <p:pic>
         <p:nvPicPr>
-          <p:cNvPr id="71" name="" descr=""/>
+          <p:cNvPr id="71" name="Picture 70"/>
           <p:cNvPicPr/>
           <p:nvPr/>
         </p:nvPicPr>
         <p:blipFill>
-          <a:blip r:embed="rId3"/>
+          <a:blip r:embed="rId2"/>
           <a:stretch/>
         </p:blipFill>
         <p:spPr>
@@ -2332,11 +2686,14 @@
       </p:pic>
     </p:spTree>
   </p:cSld>
+  <p:clrMapOvr>
+    <a:masterClrMapping/>
+  </p:clrMapOvr>
 </p:sldLayout>
 </file>
 
 <file path=ppt/slideLayouts/slideLayout3.xml><?xml version="1.0" encoding="utf-8"?>
-<p:sldLayout xmlns:a="http://schemas.openxmlformats.org/drawingml/2006/main" xmlns:p="http://schemas.openxmlformats.org/presentationml/2006/main" xmlns:r="http://schemas.openxmlformats.org/officeDocument/2006/relationships" type="obj" preserve="1">
+<p:sldLayout xmlns:a="http://schemas.openxmlformats.org/drawingml/2006/main" xmlns:r="http://schemas.openxmlformats.org/officeDocument/2006/relationships" xmlns:p="http://schemas.openxmlformats.org/presentationml/2006/main" type="obj" preserve="1">
   <p:cSld name="Title, Content">
     <p:spTree>
       <p:nvGrpSpPr>
@@ -2372,7 +2729,8 @@
           </a:prstGeom>
         </p:spPr>
         <p:txBody>
-          <a:bodyPr lIns="0" rIns="0" tIns="0" bIns="0" anchor="ctr"/>
+          <a:bodyPr lIns="0" tIns="0" rIns="0" bIns="0" anchor="ctr"/>
+          <a:lstStyle/>
           <a:p>
             <a:pPr algn="ctr"/>
             <a:endParaRPr/>
@@ -2399,7 +2757,8 @@
           </a:prstGeom>
         </p:spPr>
         <p:txBody>
-          <a:bodyPr lIns="0" rIns="0" tIns="0" bIns="0"/>
+          <a:bodyPr lIns="0" tIns="0" rIns="0" bIns="0"/>
+          <a:lstStyle/>
           <a:p>
             <a:endParaRPr/>
           </a:p>
@@ -2407,11 +2766,14 @@
       </p:sp>
     </p:spTree>
   </p:cSld>
+  <p:clrMapOvr>
+    <a:masterClrMapping/>
+  </p:clrMapOvr>
 </p:sldLayout>
 </file>
 
 <file path=ppt/slideLayouts/slideLayout4.xml><?xml version="1.0" encoding="utf-8"?>
-<p:sldLayout xmlns:a="http://schemas.openxmlformats.org/drawingml/2006/main" xmlns:p="http://schemas.openxmlformats.org/presentationml/2006/main" xmlns:r="http://schemas.openxmlformats.org/officeDocument/2006/relationships" type="twoObj" preserve="1">
+<p:sldLayout xmlns:a="http://schemas.openxmlformats.org/drawingml/2006/main" xmlns:r="http://schemas.openxmlformats.org/officeDocument/2006/relationships" xmlns:p="http://schemas.openxmlformats.org/presentationml/2006/main" type="twoObj" preserve="1">
   <p:cSld name="Title, 2 Content">
     <p:spTree>
       <p:nvGrpSpPr>
@@ -2447,7 +2809,8 @@
           </a:prstGeom>
         </p:spPr>
         <p:txBody>
-          <a:bodyPr lIns="0" rIns="0" tIns="0" bIns="0" anchor="ctr"/>
+          <a:bodyPr lIns="0" tIns="0" rIns="0" bIns="0" anchor="ctr"/>
+          <a:lstStyle/>
           <a:p>
             <a:pPr algn="ctr"/>
             <a:endParaRPr/>
@@ -2474,7 +2837,8 @@
           </a:prstGeom>
         </p:spPr>
         <p:txBody>
-          <a:bodyPr lIns="0" rIns="0" tIns="0" bIns="0"/>
+          <a:bodyPr lIns="0" tIns="0" rIns="0" bIns="0"/>
+          <a:lstStyle/>
           <a:p>
             <a:endParaRPr/>
           </a:p>
@@ -2500,7 +2864,8 @@
           </a:prstGeom>
         </p:spPr>
         <p:txBody>
-          <a:bodyPr lIns="0" rIns="0" tIns="0" bIns="0"/>
+          <a:bodyPr lIns="0" tIns="0" rIns="0" bIns="0"/>
+          <a:lstStyle/>
           <a:p>
             <a:endParaRPr/>
           </a:p>
@@ -2508,11 +2873,14 @@
       </p:sp>
     </p:spTree>
   </p:cSld>
+  <p:clrMapOvr>
+    <a:masterClrMapping/>
+  </p:clrMapOvr>
 </p:sldLayout>
 </file>
 
 <file path=ppt/slideLayouts/slideLayout5.xml><?xml version="1.0" encoding="utf-8"?>
-<p:sldLayout xmlns:a="http://schemas.openxmlformats.org/drawingml/2006/main" xmlns:p="http://schemas.openxmlformats.org/presentationml/2006/main" xmlns:r="http://schemas.openxmlformats.org/officeDocument/2006/relationships" type="titleOnly" preserve="1">
+<p:sldLayout xmlns:a="http://schemas.openxmlformats.org/drawingml/2006/main" xmlns:r="http://schemas.openxmlformats.org/officeDocument/2006/relationships" xmlns:p="http://schemas.openxmlformats.org/presentationml/2006/main" type="titleOnly" preserve="1">
   <p:cSld name="Title Only">
     <p:spTree>
       <p:nvGrpSpPr>
@@ -2548,7 +2916,8 @@
           </a:prstGeom>
         </p:spPr>
         <p:txBody>
-          <a:bodyPr lIns="0" rIns="0" tIns="0" bIns="0" anchor="ctr"/>
+          <a:bodyPr lIns="0" tIns="0" rIns="0" bIns="0" anchor="ctr"/>
+          <a:lstStyle/>
           <a:p>
             <a:pPr algn="ctr"/>
             <a:endParaRPr/>
@@ -2557,11 +2926,14 @@
       </p:sp>
     </p:spTree>
   </p:cSld>
+  <p:clrMapOvr>
+    <a:masterClrMapping/>
+  </p:clrMapOvr>
 </p:sldLayout>
 </file>
 
 <file path=ppt/slideLayouts/slideLayout6.xml><?xml version="1.0" encoding="utf-8"?>
-<p:sldLayout xmlns:a="http://schemas.openxmlformats.org/drawingml/2006/main" xmlns:p="http://schemas.openxmlformats.org/presentationml/2006/main" xmlns:r="http://schemas.openxmlformats.org/officeDocument/2006/relationships" type="objOnly" preserve="1">
+<p:sldLayout xmlns:a="http://schemas.openxmlformats.org/drawingml/2006/main" xmlns:r="http://schemas.openxmlformats.org/officeDocument/2006/relationships" xmlns:p="http://schemas.openxmlformats.org/presentationml/2006/main" type="objOnly" preserve="1">
   <p:cSld name="Centered Text">
     <p:spTree>
       <p:nvGrpSpPr>
@@ -2597,7 +2969,8 @@
           </a:prstGeom>
         </p:spPr>
         <p:txBody>
-          <a:bodyPr lIns="0" rIns="0" tIns="0" bIns="0" anchor="ctr"/>
+          <a:bodyPr lIns="0" tIns="0" rIns="0" bIns="0" anchor="ctr"/>
+          <a:lstStyle/>
           <a:p>
             <a:pPr algn="ctr"/>
             <a:endParaRPr/>
@@ -2606,11 +2979,14 @@
       </p:sp>
     </p:spTree>
   </p:cSld>
+  <p:clrMapOvr>
+    <a:masterClrMapping/>
+  </p:clrMapOvr>
 </p:sldLayout>
 </file>
 
 <file path=ppt/slideLayouts/slideLayout7.xml><?xml version="1.0" encoding="utf-8"?>
-<p:sldLayout xmlns:a="http://schemas.openxmlformats.org/drawingml/2006/main" xmlns:p="http://schemas.openxmlformats.org/presentationml/2006/main" xmlns:r="http://schemas.openxmlformats.org/officeDocument/2006/relationships" type="twoObjAndObj" preserve="1">
+<p:sldLayout xmlns:a="http://schemas.openxmlformats.org/drawingml/2006/main" xmlns:r="http://schemas.openxmlformats.org/officeDocument/2006/relationships" xmlns:p="http://schemas.openxmlformats.org/presentationml/2006/main" type="twoObjAndObj" preserve="1">
   <p:cSld name="Title, 2 Content and Content">
     <p:spTree>
       <p:nvGrpSpPr>
@@ -2646,7 +3022,8 @@
           </a:prstGeom>
         </p:spPr>
         <p:txBody>
-          <a:bodyPr lIns="0" rIns="0" tIns="0" bIns="0" anchor="ctr"/>
+          <a:bodyPr lIns="0" tIns="0" rIns="0" bIns="0" anchor="ctr"/>
+          <a:lstStyle/>
           <a:p>
             <a:pPr algn="ctr"/>
             <a:endParaRPr/>
@@ -2673,7 +3050,8 @@
           </a:prstGeom>
         </p:spPr>
         <p:txBody>
-          <a:bodyPr lIns="0" rIns="0" tIns="0" bIns="0"/>
+          <a:bodyPr lIns="0" tIns="0" rIns="0" bIns="0"/>
+          <a:lstStyle/>
           <a:p>
             <a:endParaRPr/>
           </a:p>
@@ -2699,7 +3077,8 @@
           </a:prstGeom>
         </p:spPr>
         <p:txBody>
-          <a:bodyPr lIns="0" rIns="0" tIns="0" bIns="0"/>
+          <a:bodyPr lIns="0" tIns="0" rIns="0" bIns="0"/>
+          <a:lstStyle/>
           <a:p>
             <a:endParaRPr/>
           </a:p>
@@ -2725,7 +3104,8 @@
           </a:prstGeom>
         </p:spPr>
         <p:txBody>
-          <a:bodyPr lIns="0" rIns="0" tIns="0" bIns="0"/>
+          <a:bodyPr lIns="0" tIns="0" rIns="0" bIns="0"/>
+          <a:lstStyle/>
           <a:p>
             <a:endParaRPr/>
           </a:p>
@@ -2733,11 +3113,14 @@
       </p:sp>
     </p:spTree>
   </p:cSld>
+  <p:clrMapOvr>
+    <a:masterClrMapping/>
+  </p:clrMapOvr>
 </p:sldLayout>
 </file>
 
 <file path=ppt/slideLayouts/slideLayout8.xml><?xml version="1.0" encoding="utf-8"?>
-<p:sldLayout xmlns:a="http://schemas.openxmlformats.org/drawingml/2006/main" xmlns:p="http://schemas.openxmlformats.org/presentationml/2006/main" xmlns:r="http://schemas.openxmlformats.org/officeDocument/2006/relationships" type="objAndTwoObj" preserve="1">
+<p:sldLayout xmlns:a="http://schemas.openxmlformats.org/drawingml/2006/main" xmlns:r="http://schemas.openxmlformats.org/officeDocument/2006/relationships" xmlns:p="http://schemas.openxmlformats.org/presentationml/2006/main" type="objAndTwoObj" preserve="1">
   <p:cSld name="Title Content and 2 Content">
     <p:spTree>
       <p:nvGrpSpPr>
@@ -2773,7 +3156,8 @@
           </a:prstGeom>
         </p:spPr>
         <p:txBody>
-          <a:bodyPr lIns="0" rIns="0" tIns="0" bIns="0" anchor="ctr"/>
+          <a:bodyPr lIns="0" tIns="0" rIns="0" bIns="0" anchor="ctr"/>
+          <a:lstStyle/>
           <a:p>
             <a:pPr algn="ctr"/>
             <a:endParaRPr/>
@@ -2800,7 +3184,8 @@
           </a:prstGeom>
         </p:spPr>
         <p:txBody>
-          <a:bodyPr lIns="0" rIns="0" tIns="0" bIns="0"/>
+          <a:bodyPr lIns="0" tIns="0" rIns="0" bIns="0"/>
+          <a:lstStyle/>
           <a:p>
             <a:endParaRPr/>
           </a:p>
@@ -2826,7 +3211,8 @@
           </a:prstGeom>
         </p:spPr>
         <p:txBody>
-          <a:bodyPr lIns="0" rIns="0" tIns="0" bIns="0"/>
+          <a:bodyPr lIns="0" tIns="0" rIns="0" bIns="0"/>
+          <a:lstStyle/>
           <a:p>
             <a:endParaRPr/>
           </a:p>
@@ -2852,7 +3238,8 @@
           </a:prstGeom>
         </p:spPr>
         <p:txBody>
-          <a:bodyPr lIns="0" rIns="0" tIns="0" bIns="0"/>
+          <a:bodyPr lIns="0" tIns="0" rIns="0" bIns="0"/>
+          <a:lstStyle/>
           <a:p>
             <a:endParaRPr/>
           </a:p>
@@ -2860,11 +3247,14 @@
       </p:sp>
     </p:spTree>
   </p:cSld>
+  <p:clrMapOvr>
+    <a:masterClrMapping/>
+  </p:clrMapOvr>
 </p:sldLayout>
 </file>
 
 <file path=ppt/slideLayouts/slideLayout9.xml><?xml version="1.0" encoding="utf-8"?>
-<p:sldLayout xmlns:a="http://schemas.openxmlformats.org/drawingml/2006/main" xmlns:p="http://schemas.openxmlformats.org/presentationml/2006/main" xmlns:r="http://schemas.openxmlformats.org/officeDocument/2006/relationships" type="twoObjOverTx" preserve="1">
+<p:sldLayout xmlns:a="http://schemas.openxmlformats.org/drawingml/2006/main" xmlns:r="http://schemas.openxmlformats.org/officeDocument/2006/relationships" xmlns:p="http://schemas.openxmlformats.org/presentationml/2006/main" type="twoObjOverTx" preserve="1">
   <p:cSld name="Title, 2 Content over Content">
     <p:spTree>
       <p:nvGrpSpPr>
@@ -2900,7 +3290,8 @@
           </a:prstGeom>
         </p:spPr>
         <p:txBody>
-          <a:bodyPr lIns="0" rIns="0" tIns="0" bIns="0" anchor="ctr"/>
+          <a:bodyPr lIns="0" tIns="0" rIns="0" bIns="0" anchor="ctr"/>
+          <a:lstStyle/>
           <a:p>
             <a:pPr algn="ctr"/>
             <a:endParaRPr/>
@@ -2927,7 +3318,8 @@
           </a:prstGeom>
         </p:spPr>
         <p:txBody>
-          <a:bodyPr lIns="0" rIns="0" tIns="0" bIns="0"/>
+          <a:bodyPr lIns="0" tIns="0" rIns="0" bIns="0"/>
+          <a:lstStyle/>
           <a:p>
             <a:endParaRPr/>
           </a:p>
@@ -2953,7 +3345,8 @@
           </a:prstGeom>
         </p:spPr>
         <p:txBody>
-          <a:bodyPr lIns="0" rIns="0" tIns="0" bIns="0"/>
+          <a:bodyPr lIns="0" tIns="0" rIns="0" bIns="0"/>
+          <a:lstStyle/>
           <a:p>
             <a:endParaRPr/>
           </a:p>
@@ -2979,7 +3372,8 @@
           </a:prstGeom>
         </p:spPr>
         <p:txBody>
-          <a:bodyPr lIns="0" rIns="0" tIns="0" bIns="0"/>
+          <a:bodyPr lIns="0" tIns="0" rIns="0" bIns="0"/>
+          <a:lstStyle/>
           <a:p>
             <a:endParaRPr/>
           </a:p>
@@ -2987,17 +3381,21 @@
       </p:sp>
     </p:spTree>
   </p:cSld>
+  <p:clrMapOvr>
+    <a:masterClrMapping/>
+  </p:clrMapOvr>
 </p:sldLayout>
 </file>
 
 <file path=ppt/slideMasters/slideMaster1.xml><?xml version="1.0" encoding="utf-8"?>
-<p:sldMaster xmlns:a="http://schemas.openxmlformats.org/drawingml/2006/main" xmlns:p="http://schemas.openxmlformats.org/presentationml/2006/main" xmlns:r="http://schemas.openxmlformats.org/officeDocument/2006/relationships">
+<p:sldMaster xmlns:a="http://schemas.openxmlformats.org/drawingml/2006/main" xmlns:r="http://schemas.openxmlformats.org/officeDocument/2006/relationships" xmlns:p="http://schemas.openxmlformats.org/presentationml/2006/main">
   <p:cSld>
     <p:bg>
       <p:bgPr>
         <a:solidFill>
-          <a:srgbClr val="ffffff"/>
+          <a:srgbClr val="FFFFFF"/>
         </a:solidFill>
+        <a:effectLst/>
       </p:bgPr>
     </p:bg>
     <p:spTree>
@@ -3016,7 +3414,7 @@
       </p:grpSpPr>
       <p:sp>
         <p:nvSpPr>
-          <p:cNvPr id="0" name="PlaceHolder 1"/>
+          <p:cNvPr id="2" name="PlaceHolder 1"/>
           <p:cNvSpPr>
             <a:spLocks noGrp="1"/>
           </p:cNvSpPr>
@@ -3034,7 +3432,8 @@
           </a:prstGeom>
         </p:spPr>
         <p:txBody>
-          <a:bodyPr lIns="0" rIns="0" tIns="0" bIns="0" anchor="ctr"/>
+          <a:bodyPr lIns="0" tIns="0" rIns="0" bIns="0" anchor="ctr"/>
+          <a:lstStyle/>
           <a:p>
             <a:pPr algn="ctr"/>
             <a:r>
@@ -3049,7 +3448,7 @@
       </p:sp>
       <p:sp>
         <p:nvSpPr>
-          <p:cNvPr id="1" name="PlaceHolder 2"/>
+          <p:cNvPr id="3" name="PlaceHolder 2"/>
           <p:cNvSpPr>
             <a:spLocks noGrp="1"/>
           </p:cNvSpPr>
@@ -3067,7 +3466,8 @@
           </a:prstGeom>
         </p:spPr>
         <p:txBody>
-          <a:bodyPr lIns="0" rIns="0" tIns="0" bIns="0"/>
+          <a:bodyPr lIns="0" tIns="0" rIns="0" bIns="0"/>
+          <a:lstStyle/>
           <a:p>
             <a:pPr>
               <a:buSzPct val="45000"/>
@@ -3170,32 +3570,313 @@
       </p:sp>
     </p:spTree>
   </p:cSld>
-  <p:clrMap bg1="lt1" bg2="lt2" tx1="dk1" tx2="dk2" accent1="accent1" accent2="accent2" accent3="accent3" accent4="accent4" accent5="accent5" accent6="accent6" hlink="hlink" folHlink="folHlink"/>
+  <p:clrMap bg1="lt1" tx1="dk1" bg2="lt2" tx2="dk2" accent1="accent1" accent2="accent2" accent3="accent3" accent4="accent4" accent5="accent5" accent6="accent6" hlink="hlink" folHlink="folHlink"/>
   <p:sldLayoutIdLst>
-    <p:sldLayoutId id="2147483649" r:id="rId2"/>
-    <p:sldLayoutId id="2147483650" r:id="rId3"/>
-    <p:sldLayoutId id="2147483651" r:id="rId4"/>
-    <p:sldLayoutId id="2147483652" r:id="rId5"/>
-    <p:sldLayoutId id="2147483653" r:id="rId6"/>
-    <p:sldLayoutId id="2147483654" r:id="rId7"/>
-    <p:sldLayoutId id="2147483655" r:id="rId8"/>
-    <p:sldLayoutId id="2147483656" r:id="rId9"/>
-    <p:sldLayoutId id="2147483657" r:id="rId10"/>
-    <p:sldLayoutId id="2147483658" r:id="rId11"/>
-    <p:sldLayoutId id="2147483659" r:id="rId12"/>
-    <p:sldLayoutId id="2147483660" r:id="rId13"/>
+    <p:sldLayoutId id="2147483649" r:id="rId1"/>
+    <p:sldLayoutId id="2147483650" r:id="rId2"/>
+    <p:sldLayoutId id="2147483651" r:id="rId3"/>
+    <p:sldLayoutId id="2147483652" r:id="rId4"/>
+    <p:sldLayoutId id="2147483653" r:id="rId5"/>
+    <p:sldLayoutId id="2147483654" r:id="rId6"/>
+    <p:sldLayoutId id="2147483655" r:id="rId7"/>
+    <p:sldLayoutId id="2147483656" r:id="rId8"/>
+    <p:sldLayoutId id="2147483657" r:id="rId9"/>
+    <p:sldLayoutId id="2147483658" r:id="rId10"/>
+    <p:sldLayoutId id="2147483659" r:id="rId11"/>
+    <p:sldLayoutId id="2147483660" r:id="rId12"/>
   </p:sldLayoutIdLst>
+  <p:txStyles>
+    <p:titleStyle>
+      <a:lvl1pPr algn="l" defTabSz="914400" rtl="0" eaLnBrk="1" latinLnBrk="0" hangingPunct="1">
+        <a:lnSpc>
+          <a:spcPct val="90000"/>
+        </a:lnSpc>
+        <a:spcBef>
+          <a:spcPct val="0"/>
+        </a:spcBef>
+        <a:buNone/>
+        <a:defRPr sz="4400" kern="1200">
+          <a:solidFill>
+            <a:schemeClr val="tx1"/>
+          </a:solidFill>
+          <a:latin typeface="+mj-lt"/>
+          <a:ea typeface="+mj-ea"/>
+          <a:cs typeface="+mj-cs"/>
+        </a:defRPr>
+      </a:lvl1pPr>
+    </p:titleStyle>
+    <p:bodyStyle>
+      <a:lvl1pPr marL="228600" indent="-228600" algn="l" defTabSz="914400" rtl="0" eaLnBrk="1" latinLnBrk="0" hangingPunct="1">
+        <a:lnSpc>
+          <a:spcPct val="90000"/>
+        </a:lnSpc>
+        <a:spcBef>
+          <a:spcPts val="1000"/>
+        </a:spcBef>
+        <a:buFont typeface="Arial" panose="020B0604020202020204" pitchFamily="34" charset="0"/>
+        <a:buChar char="•"/>
+        <a:defRPr sz="2800" kern="1200">
+          <a:solidFill>
+            <a:schemeClr val="tx1"/>
+          </a:solidFill>
+          <a:latin typeface="+mn-lt"/>
+          <a:ea typeface="+mn-ea"/>
+          <a:cs typeface="+mn-cs"/>
+        </a:defRPr>
+      </a:lvl1pPr>
+      <a:lvl2pPr marL="685800" indent="-228600" algn="l" defTabSz="914400" rtl="0" eaLnBrk="1" latinLnBrk="0" hangingPunct="1">
+        <a:lnSpc>
+          <a:spcPct val="90000"/>
+        </a:lnSpc>
+        <a:spcBef>
+          <a:spcPts val="500"/>
+        </a:spcBef>
+        <a:buFont typeface="Arial" panose="020B0604020202020204" pitchFamily="34" charset="0"/>
+        <a:buChar char="•"/>
+        <a:defRPr sz="2400" kern="1200">
+          <a:solidFill>
+            <a:schemeClr val="tx1"/>
+          </a:solidFill>
+          <a:latin typeface="+mn-lt"/>
+          <a:ea typeface="+mn-ea"/>
+          <a:cs typeface="+mn-cs"/>
+        </a:defRPr>
+      </a:lvl2pPr>
+      <a:lvl3pPr marL="1143000" indent="-228600" algn="l" defTabSz="914400" rtl="0" eaLnBrk="1" latinLnBrk="0" hangingPunct="1">
+        <a:lnSpc>
+          <a:spcPct val="90000"/>
+        </a:lnSpc>
+        <a:spcBef>
+          <a:spcPts val="500"/>
+        </a:spcBef>
+        <a:buFont typeface="Arial" panose="020B0604020202020204" pitchFamily="34" charset="0"/>
+        <a:buChar char="•"/>
+        <a:defRPr sz="2000" kern="1200">
+          <a:solidFill>
+            <a:schemeClr val="tx1"/>
+          </a:solidFill>
+          <a:latin typeface="+mn-lt"/>
+          <a:ea typeface="+mn-ea"/>
+          <a:cs typeface="+mn-cs"/>
+        </a:defRPr>
+      </a:lvl3pPr>
+      <a:lvl4pPr marL="1600200" indent="-228600" algn="l" defTabSz="914400" rtl="0" eaLnBrk="1" latinLnBrk="0" hangingPunct="1">
+        <a:lnSpc>
+          <a:spcPct val="90000"/>
+        </a:lnSpc>
+        <a:spcBef>
+          <a:spcPts val="500"/>
+        </a:spcBef>
+        <a:buFont typeface="Arial" panose="020B0604020202020204" pitchFamily="34" charset="0"/>
+        <a:buChar char="•"/>
+        <a:defRPr sz="1800" kern="1200">
+          <a:solidFill>
+            <a:schemeClr val="tx1"/>
+          </a:solidFill>
+          <a:latin typeface="+mn-lt"/>
+          <a:ea typeface="+mn-ea"/>
+          <a:cs typeface="+mn-cs"/>
+        </a:defRPr>
+      </a:lvl4pPr>
+      <a:lvl5pPr marL="2057400" indent="-228600" algn="l" defTabSz="914400" rtl="0" eaLnBrk="1" latinLnBrk="0" hangingPunct="1">
+        <a:lnSpc>
+          <a:spcPct val="90000"/>
+        </a:lnSpc>
+        <a:spcBef>
+          <a:spcPts val="500"/>
+        </a:spcBef>
+        <a:buFont typeface="Arial" panose="020B0604020202020204" pitchFamily="34" charset="0"/>
+        <a:buChar char="•"/>
+        <a:defRPr sz="1800" kern="1200">
+          <a:solidFill>
+            <a:schemeClr val="tx1"/>
+          </a:solidFill>
+          <a:latin typeface="+mn-lt"/>
+          <a:ea typeface="+mn-ea"/>
+          <a:cs typeface="+mn-cs"/>
+        </a:defRPr>
+      </a:lvl5pPr>
+      <a:lvl6pPr marL="2514600" indent="-228600" algn="l" defTabSz="914400" rtl="0" eaLnBrk="1" latinLnBrk="0" hangingPunct="1">
+        <a:lnSpc>
+          <a:spcPct val="90000"/>
+        </a:lnSpc>
+        <a:spcBef>
+          <a:spcPts val="500"/>
+        </a:spcBef>
+        <a:buFont typeface="Arial" panose="020B0604020202020204" pitchFamily="34" charset="0"/>
+        <a:buChar char="•"/>
+        <a:defRPr sz="1800" kern="1200">
+          <a:solidFill>
+            <a:schemeClr val="tx1"/>
+          </a:solidFill>
+          <a:latin typeface="+mn-lt"/>
+          <a:ea typeface="+mn-ea"/>
+          <a:cs typeface="+mn-cs"/>
+        </a:defRPr>
+      </a:lvl6pPr>
+      <a:lvl7pPr marL="2971800" indent="-228600" algn="l" defTabSz="914400" rtl="0" eaLnBrk="1" latinLnBrk="0" hangingPunct="1">
+        <a:lnSpc>
+          <a:spcPct val="90000"/>
+        </a:lnSpc>
+        <a:spcBef>
+          <a:spcPts val="500"/>
+        </a:spcBef>
+        <a:buFont typeface="Arial" panose="020B0604020202020204" pitchFamily="34" charset="0"/>
+        <a:buChar char="•"/>
+        <a:defRPr sz="1800" kern="1200">
+          <a:solidFill>
+            <a:schemeClr val="tx1"/>
+          </a:solidFill>
+          <a:latin typeface="+mn-lt"/>
+          <a:ea typeface="+mn-ea"/>
+          <a:cs typeface="+mn-cs"/>
+        </a:defRPr>
+      </a:lvl7pPr>
+      <a:lvl8pPr marL="3429000" indent="-228600" algn="l" defTabSz="914400" rtl="0" eaLnBrk="1" latinLnBrk="0" hangingPunct="1">
+        <a:lnSpc>
+          <a:spcPct val="90000"/>
+        </a:lnSpc>
+        <a:spcBef>
+          <a:spcPts val="500"/>
+        </a:spcBef>
+        <a:buFont typeface="Arial" panose="020B0604020202020204" pitchFamily="34" charset="0"/>
+        <a:buChar char="•"/>
+        <a:defRPr sz="1800" kern="1200">
+          <a:solidFill>
+            <a:schemeClr val="tx1"/>
+          </a:solidFill>
+          <a:latin typeface="+mn-lt"/>
+          <a:ea typeface="+mn-ea"/>
+          <a:cs typeface="+mn-cs"/>
+        </a:defRPr>
+      </a:lvl8pPr>
+      <a:lvl9pPr marL="3886200" indent="-228600" algn="l" defTabSz="914400" rtl="0" eaLnBrk="1" latinLnBrk="0" hangingPunct="1">
+        <a:lnSpc>
+          <a:spcPct val="90000"/>
+        </a:lnSpc>
+        <a:spcBef>
+          <a:spcPts val="500"/>
+        </a:spcBef>
+        <a:buFont typeface="Arial" panose="020B0604020202020204" pitchFamily="34" charset="0"/>
+        <a:buChar char="•"/>
+        <a:defRPr sz="1800" kern="1200">
+          <a:solidFill>
+            <a:schemeClr val="tx1"/>
+          </a:solidFill>
+          <a:latin typeface="+mn-lt"/>
+          <a:ea typeface="+mn-ea"/>
+          <a:cs typeface="+mn-cs"/>
+        </a:defRPr>
+      </a:lvl9pPr>
+    </p:bodyStyle>
+    <p:otherStyle>
+      <a:defPPr>
+        <a:defRPr lang="en-US"/>
+      </a:defPPr>
+      <a:lvl1pPr marL="0" algn="l" defTabSz="914400" rtl="0" eaLnBrk="1" latinLnBrk="0" hangingPunct="1">
+        <a:defRPr sz="1800" kern="1200">
+          <a:solidFill>
+            <a:schemeClr val="tx1"/>
+          </a:solidFill>
+          <a:latin typeface="+mn-lt"/>
+          <a:ea typeface="+mn-ea"/>
+          <a:cs typeface="+mn-cs"/>
+        </a:defRPr>
+      </a:lvl1pPr>
+      <a:lvl2pPr marL="457200" algn="l" defTabSz="914400" rtl="0" eaLnBrk="1" latinLnBrk="0" hangingPunct="1">
+        <a:defRPr sz="1800" kern="1200">
+          <a:solidFill>
+            <a:schemeClr val="tx1"/>
+          </a:solidFill>
+          <a:latin typeface="+mn-lt"/>
+          <a:ea typeface="+mn-ea"/>
+          <a:cs typeface="+mn-cs"/>
+        </a:defRPr>
+      </a:lvl2pPr>
+      <a:lvl3pPr marL="914400" algn="l" defTabSz="914400" rtl="0" eaLnBrk="1" latinLnBrk="0" hangingPunct="1">
+        <a:defRPr sz="1800" kern="1200">
+          <a:solidFill>
+            <a:schemeClr val="tx1"/>
+          </a:solidFill>
+          <a:latin typeface="+mn-lt"/>
+          <a:ea typeface="+mn-ea"/>
+          <a:cs typeface="+mn-cs"/>
+        </a:defRPr>
+      </a:lvl3pPr>
+      <a:lvl4pPr marL="1371600" algn="l" defTabSz="914400" rtl="0" eaLnBrk="1" latinLnBrk="0" hangingPunct="1">
+        <a:defRPr sz="1800" kern="1200">
+          <a:solidFill>
+            <a:schemeClr val="tx1"/>
+          </a:solidFill>
+          <a:latin typeface="+mn-lt"/>
+          <a:ea typeface="+mn-ea"/>
+          <a:cs typeface="+mn-cs"/>
+        </a:defRPr>
+      </a:lvl4pPr>
+      <a:lvl5pPr marL="1828800" algn="l" defTabSz="914400" rtl="0" eaLnBrk="1" latinLnBrk="0" hangingPunct="1">
+        <a:defRPr sz="1800" kern="1200">
+          <a:solidFill>
+            <a:schemeClr val="tx1"/>
+          </a:solidFill>
+          <a:latin typeface="+mn-lt"/>
+          <a:ea typeface="+mn-ea"/>
+          <a:cs typeface="+mn-cs"/>
+        </a:defRPr>
+      </a:lvl5pPr>
+      <a:lvl6pPr marL="2286000" algn="l" defTabSz="914400" rtl="0" eaLnBrk="1" latinLnBrk="0" hangingPunct="1">
+        <a:defRPr sz="1800" kern="1200">
+          <a:solidFill>
+            <a:schemeClr val="tx1"/>
+          </a:solidFill>
+          <a:latin typeface="+mn-lt"/>
+          <a:ea typeface="+mn-ea"/>
+          <a:cs typeface="+mn-cs"/>
+        </a:defRPr>
+      </a:lvl6pPr>
+      <a:lvl7pPr marL="2743200" algn="l" defTabSz="914400" rtl="0" eaLnBrk="1" latinLnBrk="0" hangingPunct="1">
+        <a:defRPr sz="1800" kern="1200">
+          <a:solidFill>
+            <a:schemeClr val="tx1"/>
+          </a:solidFill>
+          <a:latin typeface="+mn-lt"/>
+          <a:ea typeface="+mn-ea"/>
+          <a:cs typeface="+mn-cs"/>
+        </a:defRPr>
+      </a:lvl7pPr>
+      <a:lvl8pPr marL="3200400" algn="l" defTabSz="914400" rtl="0" eaLnBrk="1" latinLnBrk="0" hangingPunct="1">
+        <a:defRPr sz="1800" kern="1200">
+          <a:solidFill>
+            <a:schemeClr val="tx1"/>
+          </a:solidFill>
+          <a:latin typeface="+mn-lt"/>
+          <a:ea typeface="+mn-ea"/>
+          <a:cs typeface="+mn-cs"/>
+        </a:defRPr>
+      </a:lvl8pPr>
+      <a:lvl9pPr marL="3657600" algn="l" defTabSz="914400" rtl="0" eaLnBrk="1" latinLnBrk="0" hangingPunct="1">
+        <a:defRPr sz="1800" kern="1200">
+          <a:solidFill>
+            <a:schemeClr val="tx1"/>
+          </a:solidFill>
+          <a:latin typeface="+mn-lt"/>
+          <a:ea typeface="+mn-ea"/>
+          <a:cs typeface="+mn-cs"/>
+        </a:defRPr>
+      </a:lvl9pPr>
+    </p:otherStyle>
+  </p:txStyles>
 </p:sldMaster>
 </file>
 
 <file path=ppt/slideMasters/slideMaster2.xml><?xml version="1.0" encoding="utf-8"?>
-<p:sldMaster xmlns:a="http://schemas.openxmlformats.org/drawingml/2006/main" xmlns:p="http://schemas.openxmlformats.org/presentationml/2006/main" xmlns:r="http://schemas.openxmlformats.org/officeDocument/2006/relationships">
+<p:sldMaster xmlns:a="http://schemas.openxmlformats.org/drawingml/2006/main" xmlns:r="http://schemas.openxmlformats.org/officeDocument/2006/relationships" xmlns:p="http://schemas.openxmlformats.org/presentationml/2006/main">
   <p:cSld>
     <p:bg>
       <p:bgPr>
         <a:solidFill>
-          <a:srgbClr val="ffffff"/>
+          <a:srgbClr val="FFFFFF"/>
         </a:solidFill>
+        <a:effectLst/>
       </p:bgPr>
     </p:bg>
     <p:spTree>
@@ -3232,7 +3913,8 @@
           </a:prstGeom>
         </p:spPr>
         <p:txBody>
-          <a:bodyPr lIns="0" rIns="0" tIns="0" bIns="0" anchor="ctr"/>
+          <a:bodyPr lIns="0" tIns="0" rIns="0" bIns="0" anchor="ctr"/>
+          <a:lstStyle/>
           <a:p>
             <a:pPr algn="ctr"/>
             <a:r>
@@ -3265,7 +3947,8 @@
           </a:prstGeom>
         </p:spPr>
         <p:txBody>
-          <a:bodyPr lIns="0" rIns="0" tIns="0" bIns="0"/>
+          <a:bodyPr lIns="0" tIns="0" rIns="0" bIns="0"/>
+          <a:lstStyle/>
           <a:p>
             <a:pPr>
               <a:buSzPct val="45000"/>
@@ -3368,26 +4051,306 @@
       </p:sp>
     </p:spTree>
   </p:cSld>
-  <p:clrMap bg1="lt1" bg2="lt2" tx1="dk1" tx2="dk2" accent1="accent1" accent2="accent2" accent3="accent3" accent4="accent4" accent5="accent5" accent6="accent6" hlink="hlink" folHlink="folHlink"/>
+  <p:clrMap bg1="lt1" tx1="dk1" bg2="lt2" tx2="dk2" accent1="accent1" accent2="accent2" accent3="accent3" accent4="accent4" accent5="accent5" accent6="accent6" hlink="hlink" folHlink="folHlink"/>
   <p:sldLayoutIdLst>
-    <p:sldLayoutId id="2147483662" r:id="rId2"/>
-    <p:sldLayoutId id="2147483663" r:id="rId3"/>
-    <p:sldLayoutId id="2147483664" r:id="rId4"/>
-    <p:sldLayoutId id="2147483665" r:id="rId5"/>
-    <p:sldLayoutId id="2147483666" r:id="rId6"/>
-    <p:sldLayoutId id="2147483667" r:id="rId7"/>
-    <p:sldLayoutId id="2147483668" r:id="rId8"/>
-    <p:sldLayoutId id="2147483669" r:id="rId9"/>
-    <p:sldLayoutId id="2147483670" r:id="rId10"/>
-    <p:sldLayoutId id="2147483671" r:id="rId11"/>
-    <p:sldLayoutId id="2147483672" r:id="rId12"/>
-    <p:sldLayoutId id="2147483673" r:id="rId13"/>
+    <p:sldLayoutId id="2147483662" r:id="rId1"/>
+    <p:sldLayoutId id="2147483663" r:id="rId2"/>
+    <p:sldLayoutId id="2147483664" r:id="rId3"/>
+    <p:sldLayoutId id="2147483665" r:id="rId4"/>
+    <p:sldLayoutId id="2147483666" r:id="rId5"/>
+    <p:sldLayoutId id="2147483667" r:id="rId6"/>
+    <p:sldLayoutId id="2147483668" r:id="rId7"/>
+    <p:sldLayoutId id="2147483669" r:id="rId8"/>
+    <p:sldLayoutId id="2147483670" r:id="rId9"/>
+    <p:sldLayoutId id="2147483671" r:id="rId10"/>
+    <p:sldLayoutId id="2147483672" r:id="rId11"/>
+    <p:sldLayoutId id="2147483673" r:id="rId12"/>
   </p:sldLayoutIdLst>
+  <p:txStyles>
+    <p:titleStyle>
+      <a:lvl1pPr algn="l" defTabSz="914400" rtl="0" eaLnBrk="1" latinLnBrk="0" hangingPunct="1">
+        <a:lnSpc>
+          <a:spcPct val="90000"/>
+        </a:lnSpc>
+        <a:spcBef>
+          <a:spcPct val="0"/>
+        </a:spcBef>
+        <a:buNone/>
+        <a:defRPr sz="4400" kern="1200">
+          <a:solidFill>
+            <a:schemeClr val="tx1"/>
+          </a:solidFill>
+          <a:latin typeface="+mj-lt"/>
+          <a:ea typeface="+mj-ea"/>
+          <a:cs typeface="+mj-cs"/>
+        </a:defRPr>
+      </a:lvl1pPr>
+    </p:titleStyle>
+    <p:bodyStyle>
+      <a:lvl1pPr marL="228600" indent="-228600" algn="l" defTabSz="914400" rtl="0" eaLnBrk="1" latinLnBrk="0" hangingPunct="1">
+        <a:lnSpc>
+          <a:spcPct val="90000"/>
+        </a:lnSpc>
+        <a:spcBef>
+          <a:spcPts val="1000"/>
+        </a:spcBef>
+        <a:buFont typeface="Arial" panose="020B0604020202020204" pitchFamily="34" charset="0"/>
+        <a:buChar char="•"/>
+        <a:defRPr sz="2800" kern="1200">
+          <a:solidFill>
+            <a:schemeClr val="tx1"/>
+          </a:solidFill>
+          <a:latin typeface="+mn-lt"/>
+          <a:ea typeface="+mn-ea"/>
+          <a:cs typeface="+mn-cs"/>
+        </a:defRPr>
+      </a:lvl1pPr>
+      <a:lvl2pPr marL="685800" indent="-228600" algn="l" defTabSz="914400" rtl="0" eaLnBrk="1" latinLnBrk="0" hangingPunct="1">
+        <a:lnSpc>
+          <a:spcPct val="90000"/>
+        </a:lnSpc>
+        <a:spcBef>
+          <a:spcPts val="500"/>
+        </a:spcBef>
+        <a:buFont typeface="Arial" panose="020B0604020202020204" pitchFamily="34" charset="0"/>
+        <a:buChar char="•"/>
+        <a:defRPr sz="2400" kern="1200">
+          <a:solidFill>
+            <a:schemeClr val="tx1"/>
+          </a:solidFill>
+          <a:latin typeface="+mn-lt"/>
+          <a:ea typeface="+mn-ea"/>
+          <a:cs typeface="+mn-cs"/>
+        </a:defRPr>
+      </a:lvl2pPr>
+      <a:lvl3pPr marL="1143000" indent="-228600" algn="l" defTabSz="914400" rtl="0" eaLnBrk="1" latinLnBrk="0" hangingPunct="1">
+        <a:lnSpc>
+          <a:spcPct val="90000"/>
+        </a:lnSpc>
+        <a:spcBef>
+          <a:spcPts val="500"/>
+        </a:spcBef>
+        <a:buFont typeface="Arial" panose="020B0604020202020204" pitchFamily="34" charset="0"/>
+        <a:buChar char="•"/>
+        <a:defRPr sz="2000" kern="1200">
+          <a:solidFill>
+            <a:schemeClr val="tx1"/>
+          </a:solidFill>
+          <a:latin typeface="+mn-lt"/>
+          <a:ea typeface="+mn-ea"/>
+          <a:cs typeface="+mn-cs"/>
+        </a:defRPr>
+      </a:lvl3pPr>
+      <a:lvl4pPr marL="1600200" indent="-228600" algn="l" defTabSz="914400" rtl="0" eaLnBrk="1" latinLnBrk="0" hangingPunct="1">
+        <a:lnSpc>
+          <a:spcPct val="90000"/>
+        </a:lnSpc>
+        <a:spcBef>
+          <a:spcPts val="500"/>
+        </a:spcBef>
+        <a:buFont typeface="Arial" panose="020B0604020202020204" pitchFamily="34" charset="0"/>
+        <a:buChar char="•"/>
+        <a:defRPr sz="1800" kern="1200">
+          <a:solidFill>
+            <a:schemeClr val="tx1"/>
+          </a:solidFill>
+          <a:latin typeface="+mn-lt"/>
+          <a:ea typeface="+mn-ea"/>
+          <a:cs typeface="+mn-cs"/>
+        </a:defRPr>
+      </a:lvl4pPr>
+      <a:lvl5pPr marL="2057400" indent="-228600" algn="l" defTabSz="914400" rtl="0" eaLnBrk="1" latinLnBrk="0" hangingPunct="1">
+        <a:lnSpc>
+          <a:spcPct val="90000"/>
+        </a:lnSpc>
+        <a:spcBef>
+          <a:spcPts val="500"/>
+        </a:spcBef>
+        <a:buFont typeface="Arial" panose="020B0604020202020204" pitchFamily="34" charset="0"/>
+        <a:buChar char="•"/>
+        <a:defRPr sz="1800" kern="1200">
+          <a:solidFill>
+            <a:schemeClr val="tx1"/>
+          </a:solidFill>
+          <a:latin typeface="+mn-lt"/>
+          <a:ea typeface="+mn-ea"/>
+          <a:cs typeface="+mn-cs"/>
+        </a:defRPr>
+      </a:lvl5pPr>
+      <a:lvl6pPr marL="2514600" indent="-228600" algn="l" defTabSz="914400" rtl="0" eaLnBrk="1" latinLnBrk="0" hangingPunct="1">
+        <a:lnSpc>
+          <a:spcPct val="90000"/>
+        </a:lnSpc>
+        <a:spcBef>
+          <a:spcPts val="500"/>
+        </a:spcBef>
+        <a:buFont typeface="Arial" panose="020B0604020202020204" pitchFamily="34" charset="0"/>
+        <a:buChar char="•"/>
+        <a:defRPr sz="1800" kern="1200">
+          <a:solidFill>
+            <a:schemeClr val="tx1"/>
+          </a:solidFill>
+          <a:latin typeface="+mn-lt"/>
+          <a:ea typeface="+mn-ea"/>
+          <a:cs typeface="+mn-cs"/>
+        </a:defRPr>
+      </a:lvl6pPr>
+      <a:lvl7pPr marL="2971800" indent="-228600" algn="l" defTabSz="914400" rtl="0" eaLnBrk="1" latinLnBrk="0" hangingPunct="1">
+        <a:lnSpc>
+          <a:spcPct val="90000"/>
+        </a:lnSpc>
+        <a:spcBef>
+          <a:spcPts val="500"/>
+        </a:spcBef>
+        <a:buFont typeface="Arial" panose="020B0604020202020204" pitchFamily="34" charset="0"/>
+        <a:buChar char="•"/>
+        <a:defRPr sz="1800" kern="1200">
+          <a:solidFill>
+            <a:schemeClr val="tx1"/>
+          </a:solidFill>
+          <a:latin typeface="+mn-lt"/>
+          <a:ea typeface="+mn-ea"/>
+          <a:cs typeface="+mn-cs"/>
+        </a:defRPr>
+      </a:lvl7pPr>
+      <a:lvl8pPr marL="3429000" indent="-228600" algn="l" defTabSz="914400" rtl="0" eaLnBrk="1" latinLnBrk="0" hangingPunct="1">
+        <a:lnSpc>
+          <a:spcPct val="90000"/>
+        </a:lnSpc>
+        <a:spcBef>
+          <a:spcPts val="500"/>
+        </a:spcBef>
+        <a:buFont typeface="Arial" panose="020B0604020202020204" pitchFamily="34" charset="0"/>
+        <a:buChar char="•"/>
+        <a:defRPr sz="1800" kern="1200">
+          <a:solidFill>
+            <a:schemeClr val="tx1"/>
+          </a:solidFill>
+          <a:latin typeface="+mn-lt"/>
+          <a:ea typeface="+mn-ea"/>
+          <a:cs typeface="+mn-cs"/>
+        </a:defRPr>
+      </a:lvl8pPr>
+      <a:lvl9pPr marL="3886200" indent="-228600" algn="l" defTabSz="914400" rtl="0" eaLnBrk="1" latinLnBrk="0" hangingPunct="1">
+        <a:lnSpc>
+          <a:spcPct val="90000"/>
+        </a:lnSpc>
+        <a:spcBef>
+          <a:spcPts val="500"/>
+        </a:spcBef>
+        <a:buFont typeface="Arial" panose="020B0604020202020204" pitchFamily="34" charset="0"/>
+        <a:buChar char="•"/>
+        <a:defRPr sz="1800" kern="1200">
+          <a:solidFill>
+            <a:schemeClr val="tx1"/>
+          </a:solidFill>
+          <a:latin typeface="+mn-lt"/>
+          <a:ea typeface="+mn-ea"/>
+          <a:cs typeface="+mn-cs"/>
+        </a:defRPr>
+      </a:lvl9pPr>
+    </p:bodyStyle>
+    <p:otherStyle>
+      <a:defPPr>
+        <a:defRPr lang="en-US"/>
+      </a:defPPr>
+      <a:lvl1pPr marL="0" algn="l" defTabSz="914400" rtl="0" eaLnBrk="1" latinLnBrk="0" hangingPunct="1">
+        <a:defRPr sz="1800" kern="1200">
+          <a:solidFill>
+            <a:schemeClr val="tx1"/>
+          </a:solidFill>
+          <a:latin typeface="+mn-lt"/>
+          <a:ea typeface="+mn-ea"/>
+          <a:cs typeface="+mn-cs"/>
+        </a:defRPr>
+      </a:lvl1pPr>
+      <a:lvl2pPr marL="457200" algn="l" defTabSz="914400" rtl="0" eaLnBrk="1" latinLnBrk="0" hangingPunct="1">
+        <a:defRPr sz="1800" kern="1200">
+          <a:solidFill>
+            <a:schemeClr val="tx1"/>
+          </a:solidFill>
+          <a:latin typeface="+mn-lt"/>
+          <a:ea typeface="+mn-ea"/>
+          <a:cs typeface="+mn-cs"/>
+        </a:defRPr>
+      </a:lvl2pPr>
+      <a:lvl3pPr marL="914400" algn="l" defTabSz="914400" rtl="0" eaLnBrk="1" latinLnBrk="0" hangingPunct="1">
+        <a:defRPr sz="1800" kern="1200">
+          <a:solidFill>
+            <a:schemeClr val="tx1"/>
+          </a:solidFill>
+          <a:latin typeface="+mn-lt"/>
+          <a:ea typeface="+mn-ea"/>
+          <a:cs typeface="+mn-cs"/>
+        </a:defRPr>
+      </a:lvl3pPr>
+      <a:lvl4pPr marL="1371600" algn="l" defTabSz="914400" rtl="0" eaLnBrk="1" latinLnBrk="0" hangingPunct="1">
+        <a:defRPr sz="1800" kern="1200">
+          <a:solidFill>
+            <a:schemeClr val="tx1"/>
+          </a:solidFill>
+          <a:latin typeface="+mn-lt"/>
+          <a:ea typeface="+mn-ea"/>
+          <a:cs typeface="+mn-cs"/>
+        </a:defRPr>
+      </a:lvl4pPr>
+      <a:lvl5pPr marL="1828800" algn="l" defTabSz="914400" rtl="0" eaLnBrk="1" latinLnBrk="0" hangingPunct="1">
+        <a:defRPr sz="1800" kern="1200">
+          <a:solidFill>
+            <a:schemeClr val="tx1"/>
+          </a:solidFill>
+          <a:latin typeface="+mn-lt"/>
+          <a:ea typeface="+mn-ea"/>
+          <a:cs typeface="+mn-cs"/>
+        </a:defRPr>
+      </a:lvl5pPr>
+      <a:lvl6pPr marL="2286000" algn="l" defTabSz="914400" rtl="0" eaLnBrk="1" latinLnBrk="0" hangingPunct="1">
+        <a:defRPr sz="1800" kern="1200">
+          <a:solidFill>
+            <a:schemeClr val="tx1"/>
+          </a:solidFill>
+          <a:latin typeface="+mn-lt"/>
+          <a:ea typeface="+mn-ea"/>
+          <a:cs typeface="+mn-cs"/>
+        </a:defRPr>
+      </a:lvl6pPr>
+      <a:lvl7pPr marL="2743200" algn="l" defTabSz="914400" rtl="0" eaLnBrk="1" latinLnBrk="0" hangingPunct="1">
+        <a:defRPr sz="1800" kern="1200">
+          <a:solidFill>
+            <a:schemeClr val="tx1"/>
+          </a:solidFill>
+          <a:latin typeface="+mn-lt"/>
+          <a:ea typeface="+mn-ea"/>
+          <a:cs typeface="+mn-cs"/>
+        </a:defRPr>
+      </a:lvl7pPr>
+      <a:lvl8pPr marL="3200400" algn="l" defTabSz="914400" rtl="0" eaLnBrk="1" latinLnBrk="0" hangingPunct="1">
+        <a:defRPr sz="1800" kern="1200">
+          <a:solidFill>
+            <a:schemeClr val="tx1"/>
+          </a:solidFill>
+          <a:latin typeface="+mn-lt"/>
+          <a:ea typeface="+mn-ea"/>
+          <a:cs typeface="+mn-cs"/>
+        </a:defRPr>
+      </a:lvl8pPr>
+      <a:lvl9pPr marL="3657600" algn="l" defTabSz="914400" rtl="0" eaLnBrk="1" latinLnBrk="0" hangingPunct="1">
+        <a:defRPr sz="1800" kern="1200">
+          <a:solidFill>
+            <a:schemeClr val="tx1"/>
+          </a:solidFill>
+          <a:latin typeface="+mn-lt"/>
+          <a:ea typeface="+mn-ea"/>
+          <a:cs typeface="+mn-cs"/>
+        </a:defRPr>
+      </a:lvl9pPr>
+    </p:otherStyle>
+  </p:txStyles>
 </p:sldMaster>
 </file>
 
 <file path=ppt/slides/slide1.xml><?xml version="1.0" encoding="utf-8"?>
-<p:sld xmlns:a="http://schemas.openxmlformats.org/drawingml/2006/main" xmlns:p="http://schemas.openxmlformats.org/presentationml/2006/main" xmlns:r="http://schemas.openxmlformats.org/officeDocument/2006/relationships">
+<p:sld xmlns:a="http://schemas.openxmlformats.org/drawingml/2006/main" xmlns:r="http://schemas.openxmlformats.org/officeDocument/2006/relationships" xmlns:p="http://schemas.openxmlformats.org/presentationml/2006/main">
   <p:cSld>
     <p:spTree>
       <p:nvGrpSpPr>
@@ -3423,13 +4386,20 @@
           </a:ln>
         </p:spPr>
         <p:style>
-          <a:lnRef idx="0"/>
-          <a:fillRef idx="0"/>
-          <a:effectRef idx="0"/>
+          <a:lnRef idx="0">
+            <a:scrgbClr r="0" g="0" b="0"/>
+          </a:lnRef>
+          <a:fillRef idx="0">
+            <a:scrgbClr r="0" g="0" b="0"/>
+          </a:fillRef>
+          <a:effectRef idx="0">
+            <a:scrgbClr r="0" g="0" b="0"/>
+          </a:effectRef>
           <a:fontRef idx="minor"/>
         </p:style>
         <p:txBody>
-          <a:bodyPr lIns="90000" rIns="90000" tIns="45000" bIns="45000" anchor="b"/>
+          <a:bodyPr lIns="90000" tIns="45000" rIns="90000" bIns="45000" anchor="b"/>
+          <a:lstStyle/>
           <a:p>
             <a:pPr algn="ctr">
               <a:lnSpc>
@@ -3437,9 +4407,9 @@
               </a:lnSpc>
             </a:pPr>
             <a:r>
-              <a:rPr b="1" lang="en-US" sz="3600" strike="noStrike">
-                <a:solidFill>
-                  <a:srgbClr val="ff0000"/>
+              <a:rPr lang="en-US" sz="3600" b="1" strike="noStrike">
+                <a:solidFill>
+                  <a:srgbClr val="FF0000"/>
                 </a:solidFill>
                 <a:latin typeface="Calibri Light"/>
                 <a:ea typeface="DejaVu Sans"/>
@@ -3455,9 +4425,9 @@
               </a:lnSpc>
             </a:pPr>
             <a:r>
-              <a:rPr b="1" lang="en-US" sz="3600" strike="noStrike">
-                <a:solidFill>
-                  <a:srgbClr val="ff0000"/>
+              <a:rPr lang="en-US" sz="3600" b="1" strike="noStrike">
+                <a:solidFill>
+                  <a:srgbClr val="FF0000"/>
                 </a:solidFill>
                 <a:latin typeface="Calibri Light"/>
                 <a:ea typeface="DejaVu Sans"/>
@@ -3488,13 +4458,20 @@
           </a:ln>
         </p:spPr>
         <p:style>
-          <a:lnRef idx="0"/>
-          <a:fillRef idx="0"/>
-          <a:effectRef idx="0"/>
+          <a:lnRef idx="0">
+            <a:scrgbClr r="0" g="0" b="0"/>
+          </a:lnRef>
+          <a:fillRef idx="0">
+            <a:scrgbClr r="0" g="0" b="0"/>
+          </a:fillRef>
+          <a:effectRef idx="0">
+            <a:scrgbClr r="0" g="0" b="0"/>
+          </a:effectRef>
           <a:fontRef idx="minor"/>
         </p:style>
         <p:txBody>
-          <a:bodyPr lIns="90000" rIns="90000" tIns="45000" bIns="45000"/>
+          <a:bodyPr lIns="90000" tIns="45000" rIns="90000" bIns="45000"/>
+          <a:lstStyle/>
           <a:p>
             <a:pPr algn="ctr">
               <a:lnSpc>
@@ -3551,12 +4528,12 @@
       </p:sp>
       <p:pic>
         <p:nvPicPr>
-          <p:cNvPr id="79" name="Picture 2" descr=""/>
+          <p:cNvPr id="79" name="Picture 2"/>
           <p:cNvPicPr/>
           <p:nvPr/>
         </p:nvPicPr>
         <p:blipFill>
-          <a:blip r:embed="rId1"/>
+          <a:blip r:embed="rId2"/>
           <a:stretch/>
         </p:blipFill>
         <p:spPr>
@@ -3574,6 +4551,9 @@
       </p:pic>
     </p:spTree>
   </p:cSld>
+  <p:clrMapOvr>
+    <a:masterClrMapping/>
+  </p:clrMapOvr>
   <p:timing>
     <p:tnLst>
       <p:par>
@@ -3582,14 +4562,14 @@
             <p:seq>
               <p:cTn id="2" nodeType="mainSeq"/>
               <p:prevCondLst>
-                <p:cond delay="0" evt="onPrev">
+                <p:cond evt="onPrev" delay="0">
                   <p:tgtEl>
                     <p:sldTgt/>
                   </p:tgtEl>
                 </p:cond>
               </p:prevCondLst>
               <p:nextCondLst>
-                <p:cond delay="0" evt="onNext">
+                <p:cond evt="onNext" delay="0">
                   <p:tgtEl>
                     <p:sldTgt/>
                   </p:tgtEl>
@@ -3605,7 +4585,7 @@
 </file>
 
 <file path=ppt/slides/slide2.xml><?xml version="1.0" encoding="utf-8"?>
-<p:sld xmlns:a="http://schemas.openxmlformats.org/drawingml/2006/main" xmlns:p="http://schemas.openxmlformats.org/presentationml/2006/main" xmlns:r="http://schemas.openxmlformats.org/officeDocument/2006/relationships">
+<p:sld xmlns:a="http://schemas.openxmlformats.org/drawingml/2006/main" xmlns:r="http://schemas.openxmlformats.org/officeDocument/2006/relationships" xmlns:p="http://schemas.openxmlformats.org/presentationml/2006/main">
   <p:cSld>
     <p:spTree>
       <p:nvGrpSpPr>
@@ -3641,13 +4621,20 @@
           </a:ln>
         </p:spPr>
         <p:style>
-          <a:lnRef idx="0"/>
-          <a:fillRef idx="0"/>
-          <a:effectRef idx="0"/>
+          <a:lnRef idx="0">
+            <a:scrgbClr r="0" g="0" b="0"/>
+          </a:lnRef>
+          <a:fillRef idx="0">
+            <a:scrgbClr r="0" g="0" b="0"/>
+          </a:fillRef>
+          <a:effectRef idx="0">
+            <a:scrgbClr r="0" g="0" b="0"/>
+          </a:effectRef>
           <a:fontRef idx="minor"/>
         </p:style>
         <p:txBody>
-          <a:bodyPr lIns="90000" rIns="90000" tIns="45000" bIns="45000" anchor="ctr"/>
+          <a:bodyPr lIns="90000" tIns="45000" rIns="90000" bIns="45000" anchor="ctr"/>
+          <a:lstStyle/>
           <a:p>
             <a:pPr>
               <a:lnSpc>
@@ -3655,9 +4642,9 @@
               </a:lnSpc>
             </a:pPr>
             <a:r>
-              <a:rPr b="1" lang="en-US" sz="4400" strike="noStrike">
-                <a:solidFill>
-                  <a:srgbClr val="ff0000"/>
+              <a:rPr lang="en-US" sz="4400" b="1" strike="noStrike">
+                <a:solidFill>
+                  <a:srgbClr val="FF0000"/>
                 </a:solidFill>
                 <a:latin typeface="Calibri Light"/>
                 <a:ea typeface="DejaVu Sans"/>
@@ -3689,112 +4676,116 @@
         </p:spPr>
         <p:txBody>
           <a:bodyPr/>
-          <a:p>
-            <a:pPr>
+          <a:lstStyle/>
+          <a:p>
+            <a:pPr marL="457200" indent="-457200">
               <a:lnSpc>
                 <a:spcPct val="100000"/>
               </a:lnSpc>
-              <a:buFont typeface="Arial"/>
-              <a:buChar char="•"/>
-            </a:pPr>
-            <a:r>
-              <a:rPr lang="en-US" sz="2800" strike="noStrike">
-                <a:solidFill>
-                  <a:srgbClr val="1f497d"/>
+              <a:buFont typeface="Wingdings" panose="05000000000000000000" pitchFamily="2" charset="2"/>
+              <a:buChar char="§"/>
+            </a:pPr>
+            <a:r>
+              <a:rPr lang="en-US" sz="2800" strike="noStrike" dirty="0">
+                <a:solidFill>
+                  <a:srgbClr val="1F497D"/>
                 </a:solidFill>
                 <a:latin typeface="Calibri"/>
               </a:rPr>
               <a:t>Programming Assignment 1</a:t>
             </a:r>
-            <a:endParaRPr/>
-          </a:p>
-          <a:p>
-            <a:pPr lvl="1">
+            <a:endParaRPr dirty="0"/>
+          </a:p>
+          <a:p>
+            <a:pPr marL="800100" lvl="1" indent="-342900">
               <a:lnSpc>
                 <a:spcPct val="100000"/>
               </a:lnSpc>
-              <a:buFont typeface="Arial"/>
-              <a:buChar char="–"/>
-            </a:pPr>
-            <a:r>
-              <a:rPr lang="en-US" sz="2400" strike="noStrike">
-                <a:solidFill>
-                  <a:srgbClr val="1f497d"/>
+              <a:buFont typeface="Wingdings" panose="05000000000000000000" pitchFamily="2" charset="2"/>
+              <a:buChar char="§"/>
+            </a:pPr>
+            <a:r>
+              <a:rPr lang="en-US" sz="2400" strike="noStrike" dirty="0">
+                <a:solidFill>
+                  <a:srgbClr val="1F497D"/>
                 </a:solidFill>
                 <a:latin typeface="Calibri"/>
               </a:rPr>
               <a:t>Matrix Multiplication</a:t>
             </a:r>
-            <a:endParaRPr/>
-          </a:p>
-          <a:p>
-            <a:pPr lvl="1">
+            <a:endParaRPr dirty="0"/>
+          </a:p>
+          <a:p>
+            <a:pPr marL="800100" lvl="1" indent="-342900">
               <a:lnSpc>
                 <a:spcPct val="100000"/>
               </a:lnSpc>
-              <a:buFont typeface="Arial"/>
-              <a:buChar char="–"/>
-            </a:pPr>
-            <a:r>
-              <a:rPr lang="en-US" sz="2400" strike="noStrike">
-                <a:solidFill>
-                  <a:srgbClr val="1f497d"/>
+              <a:buFont typeface="Wingdings" panose="05000000000000000000" pitchFamily="2" charset="2"/>
+              <a:buChar char="§"/>
+            </a:pPr>
+            <a:r>
+              <a:rPr lang="en-US" sz="2400" strike="noStrike" dirty="0">
+                <a:solidFill>
+                  <a:srgbClr val="1F497D"/>
                 </a:solidFill>
                 <a:latin typeface="Calibri"/>
               </a:rPr>
               <a:t>Binary Search Tree</a:t>
             </a:r>
-            <a:endParaRPr/>
-          </a:p>
-          <a:p>
-            <a:pPr>
+            <a:endParaRPr dirty="0"/>
+          </a:p>
+          <a:p>
+            <a:pPr marL="285750" indent="-285750">
               <a:lnSpc>
                 <a:spcPct val="100000"/>
               </a:lnSpc>
-              <a:buFont typeface="Arial"/>
-              <a:buChar char="•"/>
-            </a:pPr>
-            <a:endParaRPr/>
-          </a:p>
-          <a:p>
-            <a:pPr>
+              <a:buFont typeface="Wingdings" panose="05000000000000000000" pitchFamily="2" charset="2"/>
+              <a:buChar char="§"/>
+            </a:pPr>
+            <a:endParaRPr dirty="0"/>
+          </a:p>
+          <a:p>
+            <a:pPr marL="457200" indent="-457200">
               <a:lnSpc>
                 <a:spcPct val="100000"/>
               </a:lnSpc>
-              <a:buFont typeface="Arial"/>
-              <a:buChar char="•"/>
-            </a:pPr>
-            <a:r>
-              <a:rPr lang="en-US" sz="2800" strike="noStrike">
-                <a:solidFill>
-                  <a:srgbClr val="1f497d"/>
+              <a:buFont typeface="Wingdings" panose="05000000000000000000" pitchFamily="2" charset="2"/>
+              <a:buChar char="§"/>
+            </a:pPr>
+            <a:r>
+              <a:rPr lang="en-US" sz="2800" strike="noStrike" dirty="0">
+                <a:solidFill>
+                  <a:srgbClr val="1F497D"/>
                 </a:solidFill>
                 <a:latin typeface="Calibri"/>
               </a:rPr>
               <a:t>GDB – GNU Debugger</a:t>
             </a:r>
-            <a:endParaRPr/>
+            <a:endParaRPr dirty="0"/>
           </a:p>
         </p:txBody>
       </p:sp>
     </p:spTree>
   </p:cSld>
+  <p:clrMapOvr>
+    <a:masterClrMapping/>
+  </p:clrMapOvr>
   <p:timing>
     <p:tnLst>
       <p:par>
-        <p:cTn id="3" dur="indefinite" restart="never" nodeType="tmRoot">
+        <p:cTn id="1" dur="indefinite" restart="never" nodeType="tmRoot">
           <p:childTnLst>
             <p:seq>
-              <p:cTn id="4" nodeType="mainSeq"/>
+              <p:cTn id="2" nodeType="mainSeq"/>
               <p:prevCondLst>
-                <p:cond delay="0" evt="onPrev">
+                <p:cond evt="onPrev" delay="0">
                   <p:tgtEl>
                     <p:sldTgt/>
                   </p:tgtEl>
                 </p:cond>
               </p:prevCondLst>
               <p:nextCondLst>
-                <p:cond delay="0" evt="onNext">
+                <p:cond evt="onNext" delay="0">
                   <p:tgtEl>
                     <p:sldTgt/>
                   </p:tgtEl>
@@ -3810,7 +4801,7 @@
 </file>
 
 <file path=ppt/slides/slide3.xml><?xml version="1.0" encoding="utf-8"?>
-<p:sld xmlns:a="http://schemas.openxmlformats.org/drawingml/2006/main" xmlns:p="http://schemas.openxmlformats.org/presentationml/2006/main" xmlns:r="http://schemas.openxmlformats.org/officeDocument/2006/relationships">
+<p:sld xmlns:a="http://schemas.openxmlformats.org/drawingml/2006/main" xmlns:r="http://schemas.openxmlformats.org/officeDocument/2006/relationships" xmlns:p="http://schemas.openxmlformats.org/presentationml/2006/main">
   <p:cSld>
     <p:spTree>
       <p:nvGrpSpPr>
@@ -3846,13 +4837,20 @@
           </a:ln>
         </p:spPr>
         <p:style>
-          <a:lnRef idx="0"/>
-          <a:fillRef idx="0"/>
-          <a:effectRef idx="0"/>
+          <a:lnRef idx="0">
+            <a:scrgbClr r="0" g="0" b="0"/>
+          </a:lnRef>
+          <a:fillRef idx="0">
+            <a:scrgbClr r="0" g="0" b="0"/>
+          </a:fillRef>
+          <a:effectRef idx="0">
+            <a:scrgbClr r="0" g="0" b="0"/>
+          </a:effectRef>
           <a:fontRef idx="minor"/>
         </p:style>
         <p:txBody>
-          <a:bodyPr lIns="90000" rIns="90000" tIns="45000" bIns="45000" anchor="ctr"/>
+          <a:bodyPr lIns="90000" tIns="45000" rIns="90000" bIns="45000" anchor="ctr"/>
+          <a:lstStyle/>
           <a:p>
             <a:pPr>
               <a:lnSpc>
@@ -3860,9 +4858,9 @@
               </a:lnSpc>
             </a:pPr>
             <a:r>
-              <a:rPr b="1" lang="en-US" sz="3600" strike="noStrike">
-                <a:solidFill>
-                  <a:srgbClr val="ff0000"/>
+              <a:rPr lang="en-US" sz="3600" b="1" strike="noStrike">
+                <a:solidFill>
+                  <a:srgbClr val="FF0000"/>
                 </a:solidFill>
                 <a:latin typeface="Calibri Light"/>
                 <a:ea typeface="DejaVu Sans"/>
@@ -3882,7 +4880,7 @@
         <p:spPr>
           <a:xfrm>
             <a:off x="457560" y="1600560"/>
-            <a:ext cx="8229240" cy="4525560"/>
+            <a:ext cx="8229240" cy="3691876"/>
           </a:xfrm>
           <a:prstGeom prst="rect">
             <a:avLst/>
@@ -3894,117 +4892,109 @@
         </p:spPr>
         <p:txBody>
           <a:bodyPr/>
-          <a:p>
-            <a:pPr>
-              <a:buSzPct val="45000"/>
-              <a:buFont typeface="StarSymbol"/>
-              <a:buChar char=""/>
-            </a:pPr>
-            <a:r>
-              <a:rPr lang="en-US" sz="2400" strike="noStrike">
-                <a:solidFill>
-                  <a:srgbClr val="1f497d"/>
+          <a:lstStyle/>
+          <a:p>
+            <a:pPr marL="342900" indent="-342900">
+              <a:buFont typeface="Wingdings" panose="05000000000000000000" pitchFamily="2" charset="2"/>
+              <a:buChar char="§"/>
+            </a:pPr>
+            <a:r>
+              <a:rPr lang="en-US" sz="2400" dirty="0">
+                <a:solidFill>
+                  <a:srgbClr val="1F497D"/>
                 </a:solidFill>
                 <a:latin typeface="Calibri"/>
               </a:rPr>
               <a:t>In order to multiply two matrices, A and B, the number of columns in A must equal the number of rows in B. Thus, if A is an m x n (row X col) matrix and B is an p x q matrix, n = p.</a:t>
             </a:r>
-            <a:endParaRPr/>
-          </a:p>
-          <a:p>
-            <a:pPr>
+          </a:p>
+          <a:p>
+            <a:pPr marL="342900" indent="-342900">
               <a:lnSpc>
                 <a:spcPct val="100000"/>
               </a:lnSpc>
-            </a:pPr>
-            <a:endParaRPr/>
-          </a:p>
-          <a:p>
-            <a:pPr>
+              <a:buFont typeface="Wingdings" panose="05000000000000000000" pitchFamily="2" charset="2"/>
+              <a:buChar char="§"/>
+            </a:pPr>
+            <a:r>
+              <a:rPr lang="en-US" sz="2400" dirty="0">
+                <a:solidFill>
+                  <a:srgbClr val="1F497D"/>
+                </a:solidFill>
+                <a:latin typeface="Calibri"/>
+              </a:rPr>
+              <a:t>Resultant matrix will be m x q</a:t>
+            </a:r>
+            <a:endParaRPr lang="en-US" sz="2400" dirty="0"/>
+          </a:p>
+          <a:p>
+            <a:pPr marL="342900" indent="-342900">
               <a:lnSpc>
                 <a:spcPct val="100000"/>
               </a:lnSpc>
-              <a:buFont typeface="Arial"/>
-              <a:buChar char="•"/>
-            </a:pPr>
-            <a:r>
-              <a:rPr lang="en-US" sz="2400" strike="noStrike">
-                <a:solidFill>
-                  <a:srgbClr val="1f497d"/>
-                </a:solidFill>
-                <a:latin typeface="Calibri"/>
-              </a:rPr>
-              <a:t>Resultant matrix will be m x q</a:t>
-            </a:r>
-            <a:endParaRPr/>
-          </a:p>
-          <a:p>
-            <a:pPr>
+              <a:buFont typeface="Wingdings" panose="05000000000000000000" pitchFamily="2" charset="2"/>
+              <a:buChar char="§"/>
+            </a:pPr>
+            <a:r>
+              <a:rPr lang="en-US" sz="2400" dirty="0">
+                <a:solidFill>
+                  <a:srgbClr val="1F497D"/>
+                </a:solidFill>
+                <a:latin typeface="Calibri"/>
+              </a:rPr>
+              <a:t>Help: </a:t>
+            </a:r>
+            <a:r>
+              <a:rPr lang="en-US" sz="2000" dirty="0">
+                <a:hlinkClick r:id="rId3"/>
+              </a:rPr>
+              <a:t>http://www.math.nyu.edu/~neylon/linalgfall04/project1/dj/propofmatrix.htm</a:t>
+            </a:r>
+            <a:endParaRPr lang="en-US" sz="2000" dirty="0"/>
+          </a:p>
+          <a:p>
+            <a:pPr marL="342900" indent="-342900">
+              <a:buFont typeface="Wingdings" panose="05000000000000000000" pitchFamily="2" charset="2"/>
+              <a:buChar char="§"/>
+            </a:pPr>
+            <a:endParaRPr lang="en-US" sz="2400" dirty="0"/>
+          </a:p>
+          <a:p>
+            <a:pPr marL="285750" indent="-285750">
               <a:lnSpc>
                 <a:spcPct val="100000"/>
               </a:lnSpc>
-              <a:buFont typeface="Arial"/>
-              <a:buChar char="•"/>
-            </a:pPr>
-            <a:endParaRPr/>
-          </a:p>
-          <a:p>
-            <a:pPr>
-              <a:lnSpc>
-                <a:spcPct val="100000"/>
-              </a:lnSpc>
-              <a:buFont typeface="Arial"/>
-              <a:buChar char="•"/>
-            </a:pPr>
-            <a:r>
-              <a:rPr lang="en-US" sz="2400" strike="noStrike">
-                <a:solidFill>
-                  <a:srgbClr val="1f497d"/>
-                </a:solidFill>
-                <a:latin typeface="Calibri"/>
-              </a:rPr>
-              <a:t>Help : http://www.math.nyu.edu/~neylon/linalgfall04/project1/dj/propofmatrix.htm</a:t>
-            </a:r>
-            <a:endParaRPr/>
-          </a:p>
-          <a:p>
-            <a:pPr>
-              <a:lnSpc>
-                <a:spcPct val="100000"/>
-              </a:lnSpc>
-              <a:buFont typeface="Arial"/>
-              <a:buChar char="•"/>
-            </a:pPr>
-            <a:endParaRPr/>
-          </a:p>
-          <a:p>
-            <a:pPr>
-              <a:lnSpc>
-                <a:spcPct val="100000"/>
-              </a:lnSpc>
-            </a:pPr>
-            <a:endParaRPr/>
+              <a:buFont typeface="Wingdings" panose="05000000000000000000" pitchFamily="2" charset="2"/>
+              <a:buChar char="§"/>
+            </a:pPr>
+            <a:endParaRPr sz="2400" dirty="0">
+              <a:latin typeface="Calibri" panose="020F0502020204030204" pitchFamily="34" charset="0"/>
+              <a:cs typeface="Calibri" panose="020F0502020204030204" pitchFamily="34" charset="0"/>
+            </a:endParaRPr>
           </a:p>
         </p:txBody>
       </p:sp>
     </p:spTree>
   </p:cSld>
+  <p:clrMapOvr>
+    <a:masterClrMapping/>
+  </p:clrMapOvr>
   <p:timing>
     <p:tnLst>
       <p:par>
-        <p:cTn id="5" dur="indefinite" restart="never" nodeType="tmRoot">
+        <p:cTn id="1" dur="indefinite" restart="never" nodeType="tmRoot">
           <p:childTnLst>
             <p:seq>
-              <p:cTn id="6" nodeType="mainSeq"/>
+              <p:cTn id="2" nodeType="mainSeq"/>
               <p:prevCondLst>
-                <p:cond delay="0" evt="onPrev">
+                <p:cond evt="onPrev" delay="0">
                   <p:tgtEl>
                     <p:sldTgt/>
                   </p:tgtEl>
                 </p:cond>
               </p:prevCondLst>
               <p:nextCondLst>
-                <p:cond delay="0" evt="onNext">
+                <p:cond evt="onNext" delay="0">
                   <p:tgtEl>
                     <p:sldTgt/>
                   </p:tgtEl>
@@ -4020,7 +5010,7 @@
 </file>
 
 <file path=ppt/slides/slide4.xml><?xml version="1.0" encoding="utf-8"?>
-<p:sld xmlns:a="http://schemas.openxmlformats.org/drawingml/2006/main" xmlns:p="http://schemas.openxmlformats.org/presentationml/2006/main" xmlns:r="http://schemas.openxmlformats.org/officeDocument/2006/relationships">
+<p:sld xmlns:a="http://schemas.openxmlformats.org/drawingml/2006/main" xmlns:r="http://schemas.openxmlformats.org/officeDocument/2006/relationships" xmlns:p="http://schemas.openxmlformats.org/presentationml/2006/main">
   <p:cSld>
     <p:spTree>
       <p:nvGrpSpPr>
@@ -4056,13 +5046,20 @@
           </a:ln>
         </p:spPr>
         <p:style>
-          <a:lnRef idx="0"/>
-          <a:fillRef idx="0"/>
-          <a:effectRef idx="0"/>
+          <a:lnRef idx="0">
+            <a:scrgbClr r="0" g="0" b="0"/>
+          </a:lnRef>
+          <a:fillRef idx="0">
+            <a:scrgbClr r="0" g="0" b="0"/>
+          </a:fillRef>
+          <a:effectRef idx="0">
+            <a:scrgbClr r="0" g="0" b="0"/>
+          </a:effectRef>
           <a:fontRef idx="minor"/>
         </p:style>
         <p:txBody>
-          <a:bodyPr lIns="90000" rIns="90000" tIns="45000" bIns="45000" anchor="ctr"/>
+          <a:bodyPr lIns="90000" tIns="45000" rIns="90000" bIns="45000" anchor="ctr"/>
+          <a:lstStyle/>
           <a:p>
             <a:pPr>
               <a:lnSpc>
@@ -4070,9 +5067,9 @@
               </a:lnSpc>
             </a:pPr>
             <a:r>
-              <a:rPr b="1" lang="en-US" sz="3600" strike="noStrike">
-                <a:solidFill>
-                  <a:srgbClr val="ff0000"/>
+              <a:rPr lang="en-US" sz="3600" b="1" strike="noStrike">
+                <a:solidFill>
+                  <a:srgbClr val="FF0000"/>
                 </a:solidFill>
                 <a:latin typeface="Calibri Light"/>
                 <a:ea typeface="DejaVu Sans"/>
@@ -4104,62 +5101,117 @@
         </p:spPr>
         <p:txBody>
           <a:bodyPr/>
+          <a:lstStyle/>
+          <a:p>
+            <a:pPr marL="457200" indent="-457200">
+              <a:lnSpc>
+                <a:spcPct val="100000"/>
+              </a:lnSpc>
+              <a:buFont typeface="Wingdings" panose="05000000000000000000" pitchFamily="2" charset="2"/>
+              <a:buChar char="§"/>
+            </a:pPr>
+            <a:r>
+              <a:rPr lang="en-US" sz="2800" strike="noStrike" dirty="0">
+                <a:solidFill>
+                  <a:srgbClr val="1F497D"/>
+                </a:solidFill>
+                <a:latin typeface="Calibri"/>
+              </a:rPr>
+              <a:t>Provides extensive facilities for tracing program execution</a:t>
+            </a:r>
+            <a:endParaRPr lang="en-US" dirty="0"/>
+          </a:p>
+          <a:p>
+            <a:pPr marL="800100" lvl="1" indent="-342900">
+              <a:lnSpc>
+                <a:spcPct val="100000"/>
+              </a:lnSpc>
+              <a:buFont typeface="Wingdings" panose="05000000000000000000" pitchFamily="2" charset="2"/>
+              <a:buChar char="§"/>
+            </a:pPr>
+            <a:r>
+              <a:rPr lang="en-US" sz="2400" strike="noStrike" dirty="0">
+                <a:solidFill>
+                  <a:srgbClr val="1F497D"/>
+                </a:solidFill>
+                <a:latin typeface="Calibri"/>
+              </a:rPr>
+              <a:t>Step through program line at a time</a:t>
+            </a:r>
+            <a:endParaRPr lang="en-US" dirty="0"/>
+          </a:p>
+          <a:p>
+            <a:pPr marL="800100" lvl="1" indent="-342900">
+              <a:lnSpc>
+                <a:spcPct val="100000"/>
+              </a:lnSpc>
+              <a:buFont typeface="Wingdings" panose="05000000000000000000" pitchFamily="2" charset="2"/>
+              <a:buChar char="§"/>
+            </a:pPr>
+            <a:r>
+              <a:rPr lang="en-US" sz="2400" strike="noStrike" dirty="0">
+                <a:solidFill>
+                  <a:srgbClr val="1F497D"/>
+                </a:solidFill>
+                <a:latin typeface="Calibri"/>
+              </a:rPr>
+              <a:t>Monitor / modify internal variables</a:t>
+            </a:r>
+            <a:endParaRPr dirty="0"/>
+          </a:p>
           <a:p>
             <a:pPr>
               <a:lnSpc>
                 <a:spcPct val="100000"/>
               </a:lnSpc>
-              <a:buFont typeface="Arial"/>
-              <a:buChar char="•"/>
-            </a:pPr>
-            <a:r>
-              <a:rPr lang="en-US" sz="2800" strike="noStrike">
-                <a:solidFill>
-                  <a:srgbClr val="1f497d"/>
-                </a:solidFill>
-                <a:latin typeface="Calibri"/>
-              </a:rPr>
-              <a:t>Provides extensive facilities for tracing program execution</a:t>
-            </a:r>
-            <a:endParaRPr/>
-          </a:p>
-          <a:p>
-            <a:pPr lvl="1">
+            </a:pPr>
+            <a:endParaRPr dirty="0"/>
+          </a:p>
+          <a:p>
+            <a:pPr marL="457200" indent="-457200">
               <a:lnSpc>
                 <a:spcPct val="100000"/>
               </a:lnSpc>
-              <a:buFont typeface="Arial"/>
-              <a:buChar char="–"/>
-            </a:pPr>
-            <a:r>
-              <a:rPr lang="en-US" sz="2400" strike="noStrike">
-                <a:solidFill>
-                  <a:srgbClr val="1f497d"/>
-                </a:solidFill>
-                <a:latin typeface="Calibri"/>
-              </a:rPr>
-              <a:t>Step through program line at a time</a:t>
-            </a:r>
-            <a:endParaRPr/>
-          </a:p>
-          <a:p>
-            <a:pPr lvl="1">
-              <a:lnSpc>
-                <a:spcPct val="100000"/>
-              </a:lnSpc>
-              <a:buFont typeface="Arial"/>
-              <a:buChar char="–"/>
-            </a:pPr>
-            <a:r>
-              <a:rPr lang="en-US" sz="2400" strike="noStrike">
-                <a:solidFill>
-                  <a:srgbClr val="1f497d"/>
-                </a:solidFill>
-                <a:latin typeface="Calibri"/>
-              </a:rPr>
-              <a:t>Monitor / modify internal variables</a:t>
-            </a:r>
-            <a:endParaRPr/>
+              <a:buFont typeface="Wingdings" panose="05000000000000000000" pitchFamily="2" charset="2"/>
+              <a:buChar char="§"/>
+            </a:pPr>
+            <a:r>
+              <a:rPr lang="en-US" sz="2800" strike="noStrike" dirty="0">
+                <a:solidFill>
+                  <a:srgbClr val="1F497D"/>
+                </a:solidFill>
+                <a:latin typeface="Calibri"/>
+              </a:rPr>
+              <a:t>You need </a:t>
+            </a:r>
+            <a:r>
+              <a:rPr lang="en-US" sz="2800" b="1" strike="noStrike" dirty="0">
+                <a:solidFill>
+                  <a:srgbClr val="1F497D"/>
+                </a:solidFill>
+                <a:latin typeface="Calibri"/>
+              </a:rPr>
+              <a:t>to compile</a:t>
+            </a:r>
+            <a:r>
+              <a:rPr lang="en-US" sz="2800" strike="noStrike" dirty="0">
+                <a:solidFill>
+                  <a:srgbClr val="1F497D"/>
+                </a:solidFill>
+                <a:latin typeface="Calibri"/>
+              </a:rPr>
+              <a:t> your code with </a:t>
+            </a:r>
+            <a:r>
+              <a:rPr lang="en-US" sz="2800" b="1" strike="noStrike" dirty="0">
+                <a:solidFill>
+                  <a:srgbClr val="1F497D"/>
+                </a:solidFill>
+                <a:latin typeface="Calibri"/>
+              </a:rPr>
+              <a:t>–g</a:t>
+            </a:r>
+            <a:endParaRPr dirty="0"/>
           </a:p>
           <a:p>
             <a:pPr>
@@ -4167,100 +5219,85 @@
                 <a:spcPct val="100000"/>
               </a:lnSpc>
             </a:pPr>
-            <a:endParaRPr/>
-          </a:p>
-          <a:p>
-            <a:pPr>
-              <a:lnSpc>
-                <a:spcPct val="100000"/>
-              </a:lnSpc>
-              <a:buFont typeface="Arial"/>
-              <a:buChar char="•"/>
-            </a:pPr>
-            <a:r>
-              <a:rPr lang="en-US" sz="2800" strike="noStrike">
-                <a:solidFill>
-                  <a:srgbClr val="1f497d"/>
-                </a:solidFill>
-                <a:latin typeface="Calibri"/>
-              </a:rPr>
-              <a:t>You need </a:t>
-            </a:r>
-            <a:r>
-              <a:rPr b="1" lang="en-US" sz="2800" strike="noStrike">
-                <a:solidFill>
-                  <a:srgbClr val="1f497d"/>
-                </a:solidFill>
-                <a:latin typeface="Calibri"/>
-              </a:rPr>
-              <a:t>to compile</a:t>
-            </a:r>
-            <a:r>
-              <a:rPr lang="en-US" sz="2800" strike="noStrike">
-                <a:solidFill>
-                  <a:srgbClr val="1f497d"/>
-                </a:solidFill>
-                <a:latin typeface="Calibri"/>
-              </a:rPr>
-              <a:t> your code with </a:t>
-            </a:r>
-            <a:r>
-              <a:rPr b="1" lang="en-US" sz="2800" strike="noStrike">
-                <a:solidFill>
-                  <a:srgbClr val="1f497d"/>
-                </a:solidFill>
-                <a:latin typeface="Calibri"/>
-              </a:rPr>
-              <a:t>–g</a:t>
-            </a:r>
-            <a:endParaRPr/>
-          </a:p>
-          <a:p>
-            <a:pPr>
-              <a:lnSpc>
-                <a:spcPct val="100000"/>
-              </a:lnSpc>
-            </a:pPr>
-            <a:r>
-              <a:rPr lang="en-US" sz="2400" strike="noStrike">
-                <a:solidFill>
-                  <a:srgbClr val="1f497d"/>
-                </a:solidFill>
-                <a:latin typeface="Calibri"/>
-              </a:rPr>
-              <a:t>          </a:t>
-            </a:r>
-            <a:r>
-              <a:rPr lang="en-US" sz="2400" strike="noStrike">
-                <a:solidFill>
-                  <a:srgbClr val="1f497d"/>
-                </a:solidFill>
-                <a:latin typeface="Calibri"/>
-              </a:rPr>
-              <a:t>$ gcc –g foo.c –o foo.o</a:t>
-            </a:r>
-            <a:endParaRPr/>
+            <a:r>
+              <a:rPr lang="en-US" sz="2400" strike="noStrike" dirty="0">
+                <a:solidFill>
+                  <a:srgbClr val="1F497D"/>
+                </a:solidFill>
+                <a:latin typeface="Calibri"/>
+              </a:rPr>
+              <a:t>          $ </a:t>
+            </a:r>
+            <a:r>
+              <a:rPr lang="en-US" sz="2400" strike="noStrike" dirty="0" err="1">
+                <a:solidFill>
+                  <a:srgbClr val="1F497D"/>
+                </a:solidFill>
+                <a:latin typeface="Calibri"/>
+              </a:rPr>
+              <a:t>gcc</a:t>
+            </a:r>
+            <a:r>
+              <a:rPr lang="en-US" sz="2400" strike="noStrike" dirty="0">
+                <a:solidFill>
+                  <a:srgbClr val="1F497D"/>
+                </a:solidFill>
+                <a:latin typeface="Calibri"/>
+              </a:rPr>
+              <a:t> –g </a:t>
+            </a:r>
+            <a:r>
+              <a:rPr lang="en-US" sz="2400" strike="noStrike" dirty="0" err="1">
+                <a:solidFill>
+                  <a:srgbClr val="1F497D"/>
+                </a:solidFill>
+                <a:latin typeface="Calibri"/>
+              </a:rPr>
+              <a:t>foo.c</a:t>
+            </a:r>
+            <a:r>
+              <a:rPr lang="en-US" sz="2400" strike="noStrike" dirty="0">
+                <a:solidFill>
+                  <a:srgbClr val="1F497D"/>
+                </a:solidFill>
+                <a:latin typeface="Calibri"/>
+              </a:rPr>
+              <a:t> –o </a:t>
+            </a:r>
+            <a:r>
+              <a:rPr lang="en-US" sz="2400" strike="noStrike" dirty="0" err="1">
+                <a:solidFill>
+                  <a:srgbClr val="1F497D"/>
+                </a:solidFill>
+                <a:latin typeface="Calibri"/>
+              </a:rPr>
+              <a:t>foo.o</a:t>
+            </a:r>
+            <a:endParaRPr dirty="0"/>
           </a:p>
         </p:txBody>
       </p:sp>
     </p:spTree>
   </p:cSld>
+  <p:clrMapOvr>
+    <a:masterClrMapping/>
+  </p:clrMapOvr>
   <p:timing>
     <p:tnLst>
       <p:par>
-        <p:cTn id="7" dur="indefinite" restart="never" nodeType="tmRoot">
+        <p:cTn id="1" dur="indefinite" restart="never" nodeType="tmRoot">
           <p:childTnLst>
             <p:seq>
-              <p:cTn id="8" nodeType="mainSeq"/>
+              <p:cTn id="2" nodeType="mainSeq"/>
               <p:prevCondLst>
-                <p:cond delay="0" evt="onPrev">
+                <p:cond evt="onPrev" delay="0">
                   <p:tgtEl>
                     <p:sldTgt/>
                   </p:tgtEl>
                 </p:cond>
               </p:prevCondLst>
               <p:nextCondLst>
-                <p:cond delay="0" evt="onNext">
+                <p:cond evt="onNext" delay="0">
                   <p:tgtEl>
                     <p:sldTgt/>
                   </p:tgtEl>
@@ -4276,7 +5313,7 @@
 </file>
 
 <file path=ppt/slides/slide5.xml><?xml version="1.0" encoding="utf-8"?>
-<p:sld xmlns:a="http://schemas.openxmlformats.org/drawingml/2006/main" xmlns:p="http://schemas.openxmlformats.org/presentationml/2006/main" xmlns:r="http://schemas.openxmlformats.org/officeDocument/2006/relationships">
+<p:sld xmlns:a="http://schemas.openxmlformats.org/drawingml/2006/main" xmlns:r="http://schemas.openxmlformats.org/officeDocument/2006/relationships" xmlns:p="http://schemas.openxmlformats.org/presentationml/2006/main">
   <p:cSld>
     <p:spTree>
       <p:nvGrpSpPr>
@@ -4312,13 +5349,20 @@
           </a:ln>
         </p:spPr>
         <p:style>
-          <a:lnRef idx="0"/>
-          <a:fillRef idx="0"/>
-          <a:effectRef idx="0"/>
+          <a:lnRef idx="0">
+            <a:scrgbClr r="0" g="0" b="0"/>
+          </a:lnRef>
+          <a:fillRef idx="0">
+            <a:scrgbClr r="0" g="0" b="0"/>
+          </a:fillRef>
+          <a:effectRef idx="0">
+            <a:scrgbClr r="0" g="0" b="0"/>
+          </a:effectRef>
           <a:fontRef idx="minor"/>
         </p:style>
         <p:txBody>
-          <a:bodyPr lIns="90000" rIns="90000" tIns="45000" bIns="45000" anchor="ctr"/>
+          <a:bodyPr lIns="90000" tIns="45000" rIns="90000" bIns="45000" anchor="ctr"/>
+          <a:lstStyle/>
           <a:p>
             <a:pPr>
               <a:lnSpc>
@@ -4326,9 +5370,9 @@
               </a:lnSpc>
             </a:pPr>
             <a:r>
-              <a:rPr b="1" lang="en-US" sz="3600" strike="noStrike">
-                <a:solidFill>
-                  <a:srgbClr val="ff0000"/>
+              <a:rPr lang="en-US" sz="3600" b="1" strike="noStrike">
+                <a:solidFill>
+                  <a:srgbClr val="FF0000"/>
                 </a:solidFill>
                 <a:latin typeface="Calibri Light"/>
                 <a:ea typeface="DejaVu Sans"/>
@@ -4360,254 +5404,528 @@
         </p:spPr>
         <p:txBody>
           <a:bodyPr/>
-          <a:p>
-            <a:pPr>
+          <a:lstStyle/>
+          <a:p>
+            <a:pPr marL="342900" indent="-342900">
               <a:lnSpc>
                 <a:spcPct val="100000"/>
               </a:lnSpc>
-              <a:buFont typeface="Arial"/>
-              <a:buChar char="•"/>
-            </a:pPr>
-            <a:r>
-              <a:rPr lang="en-US" sz="2200" strike="noStrike">
-                <a:solidFill>
-                  <a:srgbClr val="1f497d"/>
-                </a:solidFill>
-                <a:latin typeface="Calibri"/>
-              </a:rPr>
-              <a:t>Use gdb after compiling : $ gdb [executable program name]</a:t>
-            </a:r>
-            <a:endParaRPr/>
-          </a:p>
-          <a:p>
-            <a:pPr>
+              <a:buFont typeface="Wingdings" panose="05000000000000000000" pitchFamily="2" charset="2"/>
+              <a:buChar char="§"/>
+            </a:pPr>
+            <a:r>
+              <a:rPr lang="en-US" sz="2200" strike="noStrike" dirty="0">
+                <a:solidFill>
+                  <a:srgbClr val="1F497D"/>
+                </a:solidFill>
+                <a:latin typeface="Calibri"/>
+              </a:rPr>
+              <a:t>Use </a:t>
+            </a:r>
+            <a:r>
+              <a:rPr lang="en-US" sz="2200" strike="noStrike" dirty="0" err="1">
+                <a:solidFill>
+                  <a:srgbClr val="1F497D"/>
+                </a:solidFill>
+                <a:latin typeface="Calibri"/>
+              </a:rPr>
+              <a:t>gdb</a:t>
+            </a:r>
+            <a:r>
+              <a:rPr lang="en-US" sz="2200" strike="noStrike" dirty="0">
+                <a:solidFill>
+                  <a:srgbClr val="1F497D"/>
+                </a:solidFill>
+                <a:latin typeface="Calibri"/>
+              </a:rPr>
+              <a:t> after compiling : $ </a:t>
+            </a:r>
+            <a:r>
+              <a:rPr lang="en-US" sz="2200" strike="noStrike" dirty="0" err="1">
+                <a:solidFill>
+                  <a:srgbClr val="1F497D"/>
+                </a:solidFill>
+                <a:latin typeface="Calibri"/>
+              </a:rPr>
+              <a:t>gdb</a:t>
+            </a:r>
+            <a:r>
+              <a:rPr lang="en-US" sz="2200" strike="noStrike" dirty="0">
+                <a:solidFill>
+                  <a:srgbClr val="1F497D"/>
+                </a:solidFill>
+                <a:latin typeface="Calibri"/>
+              </a:rPr>
+              <a:t> [executable program name]</a:t>
+            </a:r>
+            <a:endParaRPr dirty="0"/>
+          </a:p>
+          <a:p>
+            <a:pPr marL="342900" indent="-342900">
               <a:lnSpc>
                 <a:spcPct val="100000"/>
               </a:lnSpc>
-              <a:buFont typeface="Arial"/>
-              <a:buChar char="•"/>
-            </a:pPr>
-            <a:r>
-              <a:rPr lang="en-US" sz="2200" strike="noStrike">
-                <a:solidFill>
-                  <a:srgbClr val="1f497d"/>
-                </a:solidFill>
-                <a:latin typeface="Calibri"/>
-              </a:rPr>
-              <a:t>Debug : (gdb) run</a:t>
-            </a:r>
-            <a:endParaRPr/>
-          </a:p>
-          <a:p>
-            <a:pPr>
+              <a:buFont typeface="Wingdings" panose="05000000000000000000" pitchFamily="2" charset="2"/>
+              <a:buChar char="§"/>
+            </a:pPr>
+            <a:r>
+              <a:rPr lang="en-US" sz="2200" strike="noStrike" dirty="0">
+                <a:solidFill>
+                  <a:srgbClr val="1F497D"/>
+                </a:solidFill>
+                <a:latin typeface="Calibri"/>
+              </a:rPr>
+              <a:t>Debug : (</a:t>
+            </a:r>
+            <a:r>
+              <a:rPr lang="en-US" sz="2200" strike="noStrike" dirty="0" err="1">
+                <a:solidFill>
+                  <a:srgbClr val="1F497D"/>
+                </a:solidFill>
+                <a:latin typeface="Calibri"/>
+              </a:rPr>
+              <a:t>gdb</a:t>
+            </a:r>
+            <a:r>
+              <a:rPr lang="en-US" sz="2200" strike="noStrike" dirty="0">
+                <a:solidFill>
+                  <a:srgbClr val="1F497D"/>
+                </a:solidFill>
+                <a:latin typeface="Calibri"/>
+              </a:rPr>
+              <a:t>) run</a:t>
+            </a:r>
+            <a:endParaRPr dirty="0"/>
+          </a:p>
+          <a:p>
+            <a:pPr marL="342900" indent="-342900">
               <a:lnSpc>
                 <a:spcPct val="100000"/>
               </a:lnSpc>
-              <a:buFont typeface="Arial"/>
-              <a:buChar char="•"/>
-            </a:pPr>
-            <a:r>
-              <a:rPr lang="en-US" sz="2200" strike="noStrike">
-                <a:solidFill>
-                  <a:srgbClr val="1f497d"/>
-                </a:solidFill>
-                <a:latin typeface="Calibri"/>
-              </a:rPr>
-              <a:t>End debugging : (gdb) q or quit</a:t>
-            </a:r>
-            <a:endParaRPr/>
-          </a:p>
-          <a:p>
-            <a:pPr>
+              <a:buFont typeface="Wingdings" panose="05000000000000000000" pitchFamily="2" charset="2"/>
+              <a:buChar char="§"/>
+            </a:pPr>
+            <a:r>
+              <a:rPr lang="en-US" sz="2200" strike="noStrike" dirty="0">
+                <a:solidFill>
+                  <a:srgbClr val="1F497D"/>
+                </a:solidFill>
+                <a:latin typeface="Calibri"/>
+              </a:rPr>
+              <a:t>End debugging : (</a:t>
+            </a:r>
+            <a:r>
+              <a:rPr lang="en-US" sz="2200" strike="noStrike" dirty="0" err="1">
+                <a:solidFill>
+                  <a:srgbClr val="1F497D"/>
+                </a:solidFill>
+                <a:latin typeface="Calibri"/>
+              </a:rPr>
+              <a:t>gdb</a:t>
+            </a:r>
+            <a:r>
+              <a:rPr lang="en-US" sz="2200" strike="noStrike" dirty="0">
+                <a:solidFill>
+                  <a:srgbClr val="1F497D"/>
+                </a:solidFill>
+                <a:latin typeface="Calibri"/>
+              </a:rPr>
+              <a:t>) q or quit</a:t>
+            </a:r>
+            <a:endParaRPr dirty="0"/>
+          </a:p>
+          <a:p>
+            <a:pPr marL="342900" indent="-342900">
               <a:lnSpc>
                 <a:spcPct val="100000"/>
               </a:lnSpc>
-              <a:buFont typeface="Arial"/>
-              <a:buChar char="•"/>
-            </a:pPr>
-            <a:r>
-              <a:rPr lang="en-US" sz="2200" strike="noStrike">
-                <a:solidFill>
-                  <a:srgbClr val="1f497d"/>
-                </a:solidFill>
-                <a:latin typeface="Calibri"/>
-              </a:rPr>
-              <a:t>Observe source code : (gdb) list or list 10</a:t>
-            </a:r>
-            <a:endParaRPr/>
-          </a:p>
-          <a:p>
-            <a:pPr>
+              <a:buFont typeface="Wingdings" panose="05000000000000000000" pitchFamily="2" charset="2"/>
+              <a:buChar char="§"/>
+            </a:pPr>
+            <a:r>
+              <a:rPr lang="en-US" sz="2200" strike="noStrike" dirty="0">
+                <a:solidFill>
+                  <a:srgbClr val="1F497D"/>
+                </a:solidFill>
+                <a:latin typeface="Calibri"/>
+              </a:rPr>
+              <a:t>Observe source code : (</a:t>
+            </a:r>
+            <a:r>
+              <a:rPr lang="en-US" sz="2200" strike="noStrike" dirty="0" err="1">
+                <a:solidFill>
+                  <a:srgbClr val="1F497D"/>
+                </a:solidFill>
+                <a:latin typeface="Calibri"/>
+              </a:rPr>
+              <a:t>gdb</a:t>
+            </a:r>
+            <a:r>
+              <a:rPr lang="en-US" sz="2200" strike="noStrike" dirty="0">
+                <a:solidFill>
+                  <a:srgbClr val="1F497D"/>
+                </a:solidFill>
+                <a:latin typeface="Calibri"/>
+              </a:rPr>
+              <a:t>) list or list 10</a:t>
+            </a:r>
+            <a:endParaRPr dirty="0"/>
+          </a:p>
+          <a:p>
+            <a:pPr marL="342900" indent="-342900">
               <a:lnSpc>
                 <a:spcPct val="100000"/>
               </a:lnSpc>
-              <a:buFont typeface="Arial"/>
-              <a:buChar char="•"/>
-            </a:pPr>
-            <a:r>
-              <a:rPr lang="en-US" sz="2200" strike="noStrike">
-                <a:solidFill>
-                  <a:srgbClr val="1f497d"/>
-                </a:solidFill>
-                <a:latin typeface="Calibri"/>
-              </a:rPr>
-              <a:t>Change the number of lines : (gdb) set listsize [num]</a:t>
-            </a:r>
-            <a:endParaRPr/>
-          </a:p>
-          <a:p>
-            <a:pPr>
+              <a:buFont typeface="Wingdings" panose="05000000000000000000" pitchFamily="2" charset="2"/>
+              <a:buChar char="§"/>
+            </a:pPr>
+            <a:r>
+              <a:rPr lang="en-US" sz="2200" strike="noStrike" dirty="0">
+                <a:solidFill>
+                  <a:srgbClr val="1F497D"/>
+                </a:solidFill>
+                <a:latin typeface="Calibri"/>
+              </a:rPr>
+              <a:t>Change the number of lines : (</a:t>
+            </a:r>
+            <a:r>
+              <a:rPr lang="en-US" sz="2200" strike="noStrike" dirty="0" err="1">
+                <a:solidFill>
+                  <a:srgbClr val="1F497D"/>
+                </a:solidFill>
+                <a:latin typeface="Calibri"/>
+              </a:rPr>
+              <a:t>gdb</a:t>
+            </a:r>
+            <a:r>
+              <a:rPr lang="en-US" sz="2200" strike="noStrike" dirty="0">
+                <a:solidFill>
+                  <a:srgbClr val="1F497D"/>
+                </a:solidFill>
+                <a:latin typeface="Calibri"/>
+              </a:rPr>
+              <a:t>) set </a:t>
+            </a:r>
+            <a:r>
+              <a:rPr lang="en-US" sz="2200" strike="noStrike" dirty="0" err="1">
+                <a:solidFill>
+                  <a:srgbClr val="1F497D"/>
+                </a:solidFill>
+                <a:latin typeface="Calibri"/>
+              </a:rPr>
+              <a:t>listsize</a:t>
+            </a:r>
+            <a:r>
+              <a:rPr lang="en-US" sz="2200" strike="noStrike" dirty="0">
+                <a:solidFill>
+                  <a:srgbClr val="1F497D"/>
+                </a:solidFill>
+                <a:latin typeface="Calibri"/>
+              </a:rPr>
+              <a:t> [</a:t>
+            </a:r>
+            <a:r>
+              <a:rPr lang="en-US" sz="2200" strike="noStrike" dirty="0" err="1">
+                <a:solidFill>
+                  <a:srgbClr val="1F497D"/>
+                </a:solidFill>
+                <a:latin typeface="Calibri"/>
+              </a:rPr>
+              <a:t>num</a:t>
+            </a:r>
+            <a:r>
+              <a:rPr lang="en-US" sz="2200" strike="noStrike" dirty="0">
+                <a:solidFill>
+                  <a:srgbClr val="1F497D"/>
+                </a:solidFill>
+                <a:latin typeface="Calibri"/>
+              </a:rPr>
+              <a:t>]</a:t>
+            </a:r>
+            <a:endParaRPr dirty="0"/>
+          </a:p>
+          <a:p>
+            <a:pPr marL="342900" indent="-342900">
               <a:lnSpc>
                 <a:spcPct val="100000"/>
               </a:lnSpc>
-              <a:buFont typeface="Arial"/>
-              <a:buChar char="•"/>
-            </a:pPr>
-            <a:r>
-              <a:rPr lang="en-US" sz="2200" strike="noStrike">
-                <a:solidFill>
-                  <a:srgbClr val="1f497d"/>
-                </a:solidFill>
-                <a:latin typeface="Calibri"/>
-              </a:rPr>
-              <a:t>Setting breakpoints :</a:t>
-            </a:r>
-            <a:endParaRPr/>
-          </a:p>
-          <a:p>
-            <a:pPr lvl="1">
+              <a:buFont typeface="Wingdings" panose="05000000000000000000" pitchFamily="2" charset="2"/>
+              <a:buChar char="§"/>
+            </a:pPr>
+            <a:r>
+              <a:rPr lang="en-US" sz="2200" strike="noStrike" dirty="0">
+                <a:solidFill>
+                  <a:srgbClr val="1F497D"/>
+                </a:solidFill>
+                <a:latin typeface="Calibri"/>
+              </a:rPr>
+              <a:t>Setting breakpoints:</a:t>
+            </a:r>
+            <a:endParaRPr dirty="0"/>
+          </a:p>
+          <a:p>
+            <a:pPr marL="800100" lvl="1" indent="-342900">
               <a:lnSpc>
                 <a:spcPct val="100000"/>
               </a:lnSpc>
-              <a:buFont typeface="Arial"/>
-              <a:buChar char="–"/>
-            </a:pPr>
-            <a:r>
-              <a:rPr lang="en-US" sz="2200" strike="noStrike">
-                <a:solidFill>
-                  <a:srgbClr val="1f497d"/>
-                </a:solidFill>
-                <a:latin typeface="Calibri"/>
-              </a:rPr>
-              <a:t>(gdb) break [function name]</a:t>
-            </a:r>
-            <a:endParaRPr/>
-          </a:p>
-          <a:p>
-            <a:pPr lvl="1">
+              <a:buFont typeface="Wingdings" panose="05000000000000000000" pitchFamily="2" charset="2"/>
+              <a:buChar char="§"/>
+            </a:pPr>
+            <a:r>
+              <a:rPr lang="en-US" sz="2200" strike="noStrike" dirty="0">
+                <a:solidFill>
+                  <a:srgbClr val="1F497D"/>
+                </a:solidFill>
+                <a:latin typeface="Calibri"/>
+              </a:rPr>
+              <a:t>(</a:t>
+            </a:r>
+            <a:r>
+              <a:rPr lang="en-US" sz="2200" strike="noStrike" dirty="0" err="1">
+                <a:solidFill>
+                  <a:srgbClr val="1F497D"/>
+                </a:solidFill>
+                <a:latin typeface="Calibri"/>
+              </a:rPr>
+              <a:t>gdb</a:t>
+            </a:r>
+            <a:r>
+              <a:rPr lang="en-US" sz="2200" strike="noStrike" dirty="0">
+                <a:solidFill>
+                  <a:srgbClr val="1F497D"/>
+                </a:solidFill>
+                <a:latin typeface="Calibri"/>
+              </a:rPr>
+              <a:t>) break [function name]</a:t>
+            </a:r>
+            <a:endParaRPr dirty="0"/>
+          </a:p>
+          <a:p>
+            <a:pPr marL="800100" lvl="1" indent="-342900">
               <a:lnSpc>
                 <a:spcPct val="100000"/>
               </a:lnSpc>
-              <a:buFont typeface="Arial"/>
-              <a:buChar char="–"/>
-            </a:pPr>
-            <a:r>
-              <a:rPr lang="en-US" sz="2200" strike="noStrike">
-                <a:solidFill>
-                  <a:srgbClr val="1f497d"/>
-                </a:solidFill>
-                <a:latin typeface="Calibri"/>
-              </a:rPr>
-              <a:t>(gdb) break [line num]</a:t>
-            </a:r>
-            <a:endParaRPr/>
-          </a:p>
-          <a:p>
-            <a:pPr>
+              <a:buFont typeface="Wingdings" panose="05000000000000000000" pitchFamily="2" charset="2"/>
+              <a:buChar char="§"/>
+            </a:pPr>
+            <a:r>
+              <a:rPr lang="en-US" sz="2200" strike="noStrike" dirty="0">
+                <a:solidFill>
+                  <a:srgbClr val="1F497D"/>
+                </a:solidFill>
+                <a:latin typeface="Calibri"/>
+              </a:rPr>
+              <a:t>(</a:t>
+            </a:r>
+            <a:r>
+              <a:rPr lang="en-US" sz="2200" strike="noStrike" dirty="0" err="1">
+                <a:solidFill>
+                  <a:srgbClr val="1F497D"/>
+                </a:solidFill>
+                <a:latin typeface="Calibri"/>
+              </a:rPr>
+              <a:t>gdb</a:t>
+            </a:r>
+            <a:r>
+              <a:rPr lang="en-US" sz="2200" strike="noStrike" dirty="0">
+                <a:solidFill>
+                  <a:srgbClr val="1F497D"/>
+                </a:solidFill>
+                <a:latin typeface="Calibri"/>
+              </a:rPr>
+              <a:t>) break [line </a:t>
+            </a:r>
+            <a:r>
+              <a:rPr lang="en-US" sz="2200" strike="noStrike" dirty="0" err="1">
+                <a:solidFill>
+                  <a:srgbClr val="1F497D"/>
+                </a:solidFill>
+                <a:latin typeface="Calibri"/>
+              </a:rPr>
+              <a:t>num</a:t>
+            </a:r>
+            <a:r>
+              <a:rPr lang="en-US" sz="2200" strike="noStrike" dirty="0">
+                <a:solidFill>
+                  <a:srgbClr val="1F497D"/>
+                </a:solidFill>
+                <a:latin typeface="Calibri"/>
+              </a:rPr>
+              <a:t>]</a:t>
+            </a:r>
+            <a:endParaRPr dirty="0"/>
+          </a:p>
+          <a:p>
+            <a:pPr marL="342900" indent="-342900">
               <a:lnSpc>
                 <a:spcPct val="100000"/>
               </a:lnSpc>
-              <a:buFont typeface="Arial"/>
-              <a:buChar char="•"/>
-            </a:pPr>
-            <a:r>
-              <a:rPr lang="en-US" sz="2200" strike="noStrike">
-                <a:solidFill>
-                  <a:srgbClr val="1f497d"/>
+              <a:buFont typeface="Wingdings" panose="05000000000000000000" pitchFamily="2" charset="2"/>
+              <a:buChar char="§"/>
+            </a:pPr>
+            <a:r>
+              <a:rPr lang="en-US" sz="2200" strike="noStrike" dirty="0">
+                <a:solidFill>
+                  <a:srgbClr val="1F497D"/>
                 </a:solidFill>
                 <a:latin typeface="Calibri"/>
               </a:rPr>
               <a:t>Clearing breakpoints</a:t>
             </a:r>
-            <a:endParaRPr/>
-          </a:p>
-          <a:p>
-            <a:pPr lvl="1">
+            <a:endParaRPr dirty="0"/>
+          </a:p>
+          <a:p>
+            <a:pPr marL="800100" lvl="1" indent="-342900">
               <a:lnSpc>
                 <a:spcPct val="100000"/>
               </a:lnSpc>
-              <a:buFont typeface="Arial"/>
-              <a:buChar char="–"/>
-            </a:pPr>
-            <a:r>
-              <a:rPr lang="en-US" sz="2200" strike="noStrike">
-                <a:solidFill>
-                  <a:srgbClr val="1f497d"/>
-                </a:solidFill>
-                <a:latin typeface="Calibri"/>
-              </a:rPr>
-              <a:t>(gdb) clear [function name]</a:t>
-            </a:r>
-            <a:endParaRPr/>
-          </a:p>
-          <a:p>
-            <a:pPr lvl="1">
+              <a:buFont typeface="Wingdings" panose="05000000000000000000" pitchFamily="2" charset="2"/>
+              <a:buChar char="§"/>
+            </a:pPr>
+            <a:r>
+              <a:rPr lang="en-US" sz="2200" strike="noStrike" dirty="0">
+                <a:solidFill>
+                  <a:srgbClr val="1F497D"/>
+                </a:solidFill>
+                <a:latin typeface="Calibri"/>
+              </a:rPr>
+              <a:t>(</a:t>
+            </a:r>
+            <a:r>
+              <a:rPr lang="en-US" sz="2200" strike="noStrike" dirty="0" err="1">
+                <a:solidFill>
+                  <a:srgbClr val="1F497D"/>
+                </a:solidFill>
+                <a:latin typeface="Calibri"/>
+              </a:rPr>
+              <a:t>gdb</a:t>
+            </a:r>
+            <a:r>
+              <a:rPr lang="en-US" sz="2200" strike="noStrike" dirty="0">
+                <a:solidFill>
+                  <a:srgbClr val="1F497D"/>
+                </a:solidFill>
+                <a:latin typeface="Calibri"/>
+              </a:rPr>
+              <a:t>) clear [function name]</a:t>
+            </a:r>
+            <a:endParaRPr dirty="0"/>
+          </a:p>
+          <a:p>
+            <a:pPr marL="800100" lvl="1" indent="-342900">
               <a:lnSpc>
                 <a:spcPct val="100000"/>
               </a:lnSpc>
-              <a:buFont typeface="Arial"/>
-              <a:buChar char="–"/>
-            </a:pPr>
-            <a:r>
-              <a:rPr lang="en-US" sz="2200" strike="noStrike">
-                <a:solidFill>
-                  <a:srgbClr val="1f497d"/>
-                </a:solidFill>
-                <a:latin typeface="Calibri"/>
-              </a:rPr>
-              <a:t>(gdb) clear [line num]</a:t>
-            </a:r>
-            <a:endParaRPr/>
-          </a:p>
-          <a:p>
-            <a:pPr lvl="1">
+              <a:buFont typeface="Wingdings" panose="05000000000000000000" pitchFamily="2" charset="2"/>
+              <a:buChar char="§"/>
+            </a:pPr>
+            <a:r>
+              <a:rPr lang="en-US" sz="2200" strike="noStrike" dirty="0">
+                <a:solidFill>
+                  <a:srgbClr val="1F497D"/>
+                </a:solidFill>
+                <a:latin typeface="Calibri"/>
+              </a:rPr>
+              <a:t>(</a:t>
+            </a:r>
+            <a:r>
+              <a:rPr lang="en-US" sz="2200" strike="noStrike" dirty="0" err="1">
+                <a:solidFill>
+                  <a:srgbClr val="1F497D"/>
+                </a:solidFill>
+                <a:latin typeface="Calibri"/>
+              </a:rPr>
+              <a:t>gdb</a:t>
+            </a:r>
+            <a:r>
+              <a:rPr lang="en-US" sz="2200" strike="noStrike" dirty="0">
+                <a:solidFill>
+                  <a:srgbClr val="1F497D"/>
+                </a:solidFill>
+                <a:latin typeface="Calibri"/>
+              </a:rPr>
+              <a:t>) clear [line </a:t>
+            </a:r>
+            <a:r>
+              <a:rPr lang="en-US" sz="2200" strike="noStrike" dirty="0" err="1">
+                <a:solidFill>
+                  <a:srgbClr val="1F497D"/>
+                </a:solidFill>
+                <a:latin typeface="Calibri"/>
+              </a:rPr>
+              <a:t>num</a:t>
+            </a:r>
+            <a:r>
+              <a:rPr lang="en-US" sz="2200" strike="noStrike" dirty="0">
+                <a:solidFill>
+                  <a:srgbClr val="1F497D"/>
+                </a:solidFill>
+                <a:latin typeface="Calibri"/>
+              </a:rPr>
+              <a:t>]</a:t>
+            </a:r>
+            <a:endParaRPr dirty="0"/>
+          </a:p>
+          <a:p>
+            <a:pPr marL="800100" lvl="1" indent="-342900">
               <a:lnSpc>
                 <a:spcPct val="100000"/>
               </a:lnSpc>
-              <a:buFont typeface="Arial"/>
-              <a:buChar char="–"/>
-            </a:pPr>
-            <a:r>
-              <a:rPr lang="en-US" sz="2200" strike="noStrike">
-                <a:solidFill>
-                  <a:srgbClr val="1f497d"/>
-                </a:solidFill>
-                <a:latin typeface="Calibri"/>
-              </a:rPr>
-              <a:t>clearing all breakpoints : (gdb) delete </a:t>
-            </a:r>
-            <a:endParaRPr/>
+              <a:buFont typeface="Wingdings" panose="05000000000000000000" pitchFamily="2" charset="2"/>
+              <a:buChar char="§"/>
+            </a:pPr>
+            <a:r>
+              <a:rPr lang="en-US" sz="2200" strike="noStrike" dirty="0">
+                <a:solidFill>
+                  <a:srgbClr val="1F497D"/>
+                </a:solidFill>
+                <a:latin typeface="Calibri"/>
+              </a:rPr>
+              <a:t>clearing all breakpoints : (</a:t>
+            </a:r>
+            <a:r>
+              <a:rPr lang="en-US" sz="2200" strike="noStrike" dirty="0" err="1">
+                <a:solidFill>
+                  <a:srgbClr val="1F497D"/>
+                </a:solidFill>
+                <a:latin typeface="Calibri"/>
+              </a:rPr>
+              <a:t>gdb</a:t>
+            </a:r>
+            <a:r>
+              <a:rPr lang="en-US" sz="2200" strike="noStrike" dirty="0">
+                <a:solidFill>
+                  <a:srgbClr val="1F497D"/>
+                </a:solidFill>
+                <a:latin typeface="Calibri"/>
+              </a:rPr>
+              <a:t>) delete </a:t>
+            </a:r>
+            <a:endParaRPr dirty="0"/>
           </a:p>
         </p:txBody>
       </p:sp>
     </p:spTree>
   </p:cSld>
+  <p:clrMapOvr>
+    <a:masterClrMapping/>
+  </p:clrMapOvr>
   <p:timing>
     <p:tnLst>
       <p:par>
-        <p:cTn id="9" dur="indefinite" restart="never" nodeType="tmRoot">
+        <p:cTn id="1" dur="indefinite" restart="never" nodeType="tmRoot">
           <p:childTnLst>
             <p:seq>
-              <p:cTn id="10" nodeType="mainSeq"/>
+              <p:cTn id="2" nodeType="mainSeq"/>
               <p:prevCondLst>
-                <p:cond delay="0" evt="onPrev">
+                <p:cond evt="onPrev" delay="0">
                   <p:tgtEl>
                     <p:sldTgt/>
                   </p:tgtEl>
                 </p:cond>
               </p:prevCondLst>
               <p:nextCondLst>
-                <p:cond delay="0" evt="onNext">
+                <p:cond evt="onNext" delay="0">
                   <p:tgtEl>
                     <p:sldTgt/>
                   </p:tgtEl>
@@ -4623,7 +5941,7 @@
 </file>
 
 <file path=ppt/slides/slide6.xml><?xml version="1.0" encoding="utf-8"?>
-<p:sld xmlns:a="http://schemas.openxmlformats.org/drawingml/2006/main" xmlns:p="http://schemas.openxmlformats.org/presentationml/2006/main" xmlns:r="http://schemas.openxmlformats.org/officeDocument/2006/relationships">
+<p:sld xmlns:a="http://schemas.openxmlformats.org/drawingml/2006/main" xmlns:r="http://schemas.openxmlformats.org/officeDocument/2006/relationships" xmlns:p="http://schemas.openxmlformats.org/presentationml/2006/main">
   <p:cSld>
     <p:spTree>
       <p:nvGrpSpPr>
@@ -4659,13 +5977,20 @@
           </a:ln>
         </p:spPr>
         <p:style>
-          <a:lnRef idx="0"/>
-          <a:fillRef idx="0"/>
-          <a:effectRef idx="0"/>
+          <a:lnRef idx="0">
+            <a:scrgbClr r="0" g="0" b="0"/>
+          </a:lnRef>
+          <a:fillRef idx="0">
+            <a:scrgbClr r="0" g="0" b="0"/>
+          </a:fillRef>
+          <a:effectRef idx="0">
+            <a:scrgbClr r="0" g="0" b="0"/>
+          </a:effectRef>
           <a:fontRef idx="minor"/>
         </p:style>
         <p:txBody>
-          <a:bodyPr lIns="90000" rIns="90000" tIns="45000" bIns="45000" anchor="ctr"/>
+          <a:bodyPr lIns="90000" tIns="45000" rIns="90000" bIns="45000" anchor="ctr"/>
+          <a:lstStyle/>
           <a:p>
             <a:pPr>
               <a:lnSpc>
@@ -4673,9 +5998,9 @@
               </a:lnSpc>
             </a:pPr>
             <a:r>
-              <a:rPr b="1" lang="en-US" sz="3600" strike="noStrike">
-                <a:solidFill>
-                  <a:srgbClr val="ff0000"/>
+              <a:rPr lang="en-US" sz="3600" b="1" strike="noStrike">
+                <a:solidFill>
+                  <a:srgbClr val="FF0000"/>
                 </a:solidFill>
                 <a:latin typeface="Calibri Light"/>
                 <a:ea typeface="DejaVu Sans"/>
@@ -4707,211 +6032,261 @@
         </p:spPr>
         <p:txBody>
           <a:bodyPr/>
-          <a:p>
-            <a:pPr>
+          <a:lstStyle/>
+          <a:p>
+            <a:pPr marL="457200" indent="-457200">
               <a:lnSpc>
                 <a:spcPct val="100000"/>
               </a:lnSpc>
-              <a:buFont typeface="Arial"/>
-              <a:buChar char="•"/>
-            </a:pPr>
-            <a:r>
-              <a:rPr lang="en-US" sz="2800" strike="noStrike">
-                <a:solidFill>
-                  <a:srgbClr val="1f497d"/>
+              <a:buFont typeface="Wingdings" panose="05000000000000000000" pitchFamily="2" charset="2"/>
+              <a:buChar char="§"/>
+            </a:pPr>
+            <a:r>
+              <a:rPr lang="en-US" sz="2800" strike="noStrike" dirty="0">
+                <a:solidFill>
+                  <a:srgbClr val="1F497D"/>
                 </a:solidFill>
                 <a:latin typeface="Calibri"/>
               </a:rPr>
               <a:t>Printing variables</a:t>
             </a:r>
-            <a:endParaRPr/>
-          </a:p>
-          <a:p>
-            <a:pPr lvl="1">
+            <a:endParaRPr dirty="0"/>
+          </a:p>
+          <a:p>
+            <a:pPr marL="800100" lvl="1" indent="-342900">
               <a:lnSpc>
                 <a:spcPct val="100000"/>
               </a:lnSpc>
-              <a:buFont typeface="Arial"/>
-              <a:buChar char="–"/>
-            </a:pPr>
-            <a:r>
-              <a:rPr lang="en-US" sz="2400" strike="noStrike">
-                <a:solidFill>
-                  <a:srgbClr val="1f497d"/>
-                </a:solidFill>
-                <a:latin typeface="Calibri"/>
-              </a:rPr>
-              <a:t>(gdb) print [variable]</a:t>
-            </a:r>
-            <a:endParaRPr/>
-          </a:p>
-          <a:p>
-            <a:pPr lvl="1">
+              <a:buFont typeface="Wingdings" panose="05000000000000000000" pitchFamily="2" charset="2"/>
+              <a:buChar char="§"/>
+            </a:pPr>
+            <a:r>
+              <a:rPr lang="en-US" sz="2400" strike="noStrike" dirty="0">
+                <a:solidFill>
+                  <a:srgbClr val="1F497D"/>
+                </a:solidFill>
+                <a:latin typeface="Calibri"/>
+              </a:rPr>
+              <a:t>(</a:t>
+            </a:r>
+            <a:r>
+              <a:rPr lang="en-US" sz="2400" strike="noStrike" dirty="0" err="1">
+                <a:solidFill>
+                  <a:srgbClr val="1F497D"/>
+                </a:solidFill>
+                <a:latin typeface="Calibri"/>
+              </a:rPr>
+              <a:t>gdb</a:t>
+            </a:r>
+            <a:r>
+              <a:rPr lang="en-US" sz="2400" strike="noStrike" dirty="0">
+                <a:solidFill>
+                  <a:srgbClr val="1F497D"/>
+                </a:solidFill>
+                <a:latin typeface="Calibri"/>
+              </a:rPr>
+              <a:t>) print [variable]</a:t>
+            </a:r>
+            <a:endParaRPr dirty="0"/>
+          </a:p>
+          <a:p>
+            <a:pPr marL="800100" lvl="1" indent="-342900">
               <a:lnSpc>
                 <a:spcPct val="100000"/>
               </a:lnSpc>
-              <a:buFont typeface="Arial"/>
-              <a:buChar char="–"/>
-            </a:pPr>
-            <a:r>
-              <a:rPr lang="en-US" sz="2400" strike="noStrike">
-                <a:solidFill>
-                  <a:srgbClr val="1f497d"/>
-                </a:solidFill>
-                <a:latin typeface="Calibri"/>
-              </a:rPr>
-              <a:t>(gdb) display [variable]</a:t>
-            </a:r>
-            <a:endParaRPr/>
-          </a:p>
-          <a:p>
-            <a:endParaRPr/>
-          </a:p>
-          <a:p>
-            <a:pPr>
+              <a:buFont typeface="Wingdings" panose="05000000000000000000" pitchFamily="2" charset="2"/>
+              <a:buChar char="§"/>
+            </a:pPr>
+            <a:r>
+              <a:rPr lang="en-US" sz="2400" strike="noStrike" dirty="0">
+                <a:solidFill>
+                  <a:srgbClr val="1F497D"/>
+                </a:solidFill>
+                <a:latin typeface="Calibri"/>
+              </a:rPr>
+              <a:t>(</a:t>
+            </a:r>
+            <a:r>
+              <a:rPr lang="en-US" sz="2400" strike="noStrike" dirty="0" err="1">
+                <a:solidFill>
+                  <a:srgbClr val="1F497D"/>
+                </a:solidFill>
+                <a:latin typeface="Calibri"/>
+              </a:rPr>
+              <a:t>gdb</a:t>
+            </a:r>
+            <a:r>
+              <a:rPr lang="en-US" sz="2400" strike="noStrike" dirty="0">
+                <a:solidFill>
+                  <a:srgbClr val="1F497D"/>
+                </a:solidFill>
+                <a:latin typeface="Calibri"/>
+              </a:rPr>
+              <a:t>) display [variable]</a:t>
+            </a:r>
+            <a:endParaRPr dirty="0"/>
+          </a:p>
+          <a:p>
+            <a:pPr marL="285750" indent="-285750">
+              <a:buFont typeface="Wingdings" panose="05000000000000000000" pitchFamily="2" charset="2"/>
+              <a:buChar char="§"/>
+            </a:pPr>
+            <a:endParaRPr dirty="0"/>
+          </a:p>
+          <a:p>
+            <a:pPr marL="457200" indent="-457200">
               <a:lnSpc>
                 <a:spcPct val="100000"/>
               </a:lnSpc>
-              <a:buFont typeface="Arial"/>
-              <a:buChar char="•"/>
-            </a:pPr>
-            <a:r>
-              <a:rPr lang="en-US" sz="2800" strike="noStrike">
-                <a:solidFill>
-                  <a:srgbClr val="1f497d"/>
+              <a:buFont typeface="Wingdings" panose="05000000000000000000" pitchFamily="2" charset="2"/>
+              <a:buChar char="§"/>
+            </a:pPr>
+            <a:r>
+              <a:rPr lang="en-US" sz="2800" strike="noStrike" dirty="0">
+                <a:solidFill>
+                  <a:srgbClr val="1F497D"/>
                 </a:solidFill>
                 <a:latin typeface="Calibri"/>
               </a:rPr>
               <a:t>Going step by step</a:t>
             </a:r>
-            <a:endParaRPr/>
-          </a:p>
-          <a:p>
-            <a:pPr lvl="1">
+            <a:endParaRPr dirty="0"/>
+          </a:p>
+          <a:p>
+            <a:pPr marL="800100" lvl="1" indent="-342900">
               <a:lnSpc>
                 <a:spcPct val="100000"/>
               </a:lnSpc>
-              <a:buFont typeface="Arial"/>
-              <a:buChar char="–"/>
-            </a:pPr>
-            <a:r>
-              <a:rPr lang="en-US" sz="2400" strike="noStrike">
-                <a:solidFill>
-                  <a:srgbClr val="1f497d"/>
-                </a:solidFill>
-                <a:latin typeface="Calibri"/>
-              </a:rPr>
-              <a:t>(gdb) next</a:t>
-            </a:r>
-            <a:endParaRPr/>
-          </a:p>
-          <a:p>
-            <a:pPr>
+              <a:buFont typeface="Wingdings" panose="05000000000000000000" pitchFamily="2" charset="2"/>
+              <a:buChar char="§"/>
+            </a:pPr>
+            <a:r>
+              <a:rPr lang="en-US" sz="2400" strike="noStrike" dirty="0">
+                <a:solidFill>
+                  <a:srgbClr val="1F497D"/>
+                </a:solidFill>
+                <a:latin typeface="Calibri"/>
+              </a:rPr>
+              <a:t>(</a:t>
+            </a:r>
+            <a:r>
+              <a:rPr lang="en-US" sz="2400" strike="noStrike" dirty="0" err="1">
+                <a:solidFill>
+                  <a:srgbClr val="1F497D"/>
+                </a:solidFill>
+                <a:latin typeface="Calibri"/>
+              </a:rPr>
+              <a:t>gdb</a:t>
+            </a:r>
+            <a:r>
+              <a:rPr lang="en-US" sz="2400" strike="noStrike" dirty="0">
+                <a:solidFill>
+                  <a:srgbClr val="1F497D"/>
+                </a:solidFill>
+                <a:latin typeface="Calibri"/>
+              </a:rPr>
+              <a:t>) next</a:t>
+            </a:r>
+            <a:endParaRPr dirty="0"/>
+          </a:p>
+          <a:p>
+            <a:pPr marL="285750" indent="-285750">
               <a:lnSpc>
                 <a:spcPct val="100000"/>
               </a:lnSpc>
-            </a:pPr>
-            <a:endParaRPr/>
-          </a:p>
-          <a:p>
-            <a:pPr>
+              <a:buFont typeface="Wingdings" panose="05000000000000000000" pitchFamily="2" charset="2"/>
+              <a:buChar char="§"/>
+            </a:pPr>
+            <a:endParaRPr dirty="0"/>
+          </a:p>
+          <a:p>
+            <a:pPr marL="457200" indent="-457200">
               <a:lnSpc>
                 <a:spcPct val="100000"/>
               </a:lnSpc>
-              <a:buFont typeface="Arial"/>
-              <a:buChar char="•"/>
-            </a:pPr>
-            <a:r>
-              <a:rPr lang="en-US" sz="2800" strike="noStrike">
-                <a:solidFill>
-                  <a:srgbClr val="1f497d"/>
+              <a:buFont typeface="Wingdings" panose="05000000000000000000" pitchFamily="2" charset="2"/>
+              <a:buChar char="§"/>
+            </a:pPr>
+            <a:r>
+              <a:rPr lang="en-US" sz="2800" strike="noStrike" dirty="0">
+                <a:solidFill>
+                  <a:srgbClr val="1F497D"/>
                 </a:solidFill>
                 <a:latin typeface="Calibri"/>
               </a:rPr>
               <a:t>Using GUI</a:t>
             </a:r>
-            <a:endParaRPr/>
-          </a:p>
-          <a:p>
-            <a:pPr lvl="1">
+            <a:endParaRPr dirty="0"/>
+          </a:p>
+          <a:p>
+            <a:pPr marL="800100" lvl="1" indent="-342900">
               <a:lnSpc>
                 <a:spcPct val="100000"/>
               </a:lnSpc>
-              <a:buFont typeface="Arial"/>
-              <a:buChar char="–"/>
-            </a:pPr>
-            <a:r>
-              <a:rPr lang="en-US" sz="2400" strike="noStrike">
-                <a:solidFill>
-                  <a:srgbClr val="1f497d"/>
-                </a:solidFill>
-                <a:latin typeface="Calibri"/>
-              </a:rPr>
-              <a:t>gdb –tui [executable file]</a:t>
-            </a:r>
-            <a:endParaRPr/>
-          </a:p>
-          <a:p>
-            <a:endParaRPr/>
-          </a:p>
-          <a:p>
-            <a:pPr>
-              <a:lnSpc>
-                <a:spcPct val="100000"/>
-              </a:lnSpc>
-              <a:buFont typeface="Arial"/>
-              <a:buChar char="•"/>
-            </a:pPr>
-            <a:r>
-              <a:rPr lang="en-US" sz="2800" strike="noStrike">
-                <a:solidFill>
-                  <a:srgbClr val="1f497d"/>
-                </a:solidFill>
-                <a:latin typeface="Calibri"/>
-              </a:rPr>
-              <a:t>Complete Example</a:t>
-            </a:r>
-            <a:endParaRPr/>
-          </a:p>
-          <a:p>
-            <a:pPr lvl="1">
-              <a:lnSpc>
-                <a:spcPct val="100000"/>
-              </a:lnSpc>
-              <a:buFont typeface="Arial"/>
-              <a:buChar char="–"/>
-            </a:pPr>
-            <a:r>
-              <a:rPr lang="en-US" sz="2400" strike="noStrike">
-                <a:solidFill>
-                  <a:srgbClr val="1f497d"/>
-                </a:solidFill>
-                <a:latin typeface="Calibri"/>
-              </a:rPr>
-              <a:t>https://www.youtube.com/watch?v=Z6zMxp6r4mc</a:t>
-            </a:r>
-            <a:endParaRPr/>
+              <a:buFont typeface="Wingdings" panose="05000000000000000000" pitchFamily="2" charset="2"/>
+              <a:buChar char="§"/>
+            </a:pPr>
+            <a:r>
+              <a:rPr lang="en-US" sz="2400" strike="noStrike" dirty="0" err="1">
+                <a:solidFill>
+                  <a:srgbClr val="1F497D"/>
+                </a:solidFill>
+                <a:latin typeface="Calibri"/>
+              </a:rPr>
+              <a:t>gdb</a:t>
+            </a:r>
+            <a:r>
+              <a:rPr lang="en-US" sz="2400" strike="noStrike" dirty="0">
+                <a:solidFill>
+                  <a:srgbClr val="1F497D"/>
+                </a:solidFill>
+                <a:latin typeface="Calibri"/>
+              </a:rPr>
+              <a:t> –</a:t>
+            </a:r>
+            <a:r>
+              <a:rPr lang="en-US" sz="2400" strike="noStrike" dirty="0" err="1">
+                <a:solidFill>
+                  <a:srgbClr val="1F497D"/>
+                </a:solidFill>
+                <a:latin typeface="Calibri"/>
+              </a:rPr>
+              <a:t>tui</a:t>
+            </a:r>
+            <a:r>
+              <a:rPr lang="en-US" sz="2400" strike="noStrike" dirty="0">
+                <a:solidFill>
+                  <a:srgbClr val="1F497D"/>
+                </a:solidFill>
+                <a:latin typeface="Calibri"/>
+              </a:rPr>
+              <a:t> [executable file]</a:t>
+            </a:r>
+            <a:endParaRPr dirty="0"/>
           </a:p>
         </p:txBody>
       </p:sp>
     </p:spTree>
   </p:cSld>
+  <p:clrMapOvr>
+    <a:masterClrMapping/>
+  </p:clrMapOvr>
   <p:timing>
     <p:tnLst>
       <p:par>
-        <p:cTn id="11" dur="indefinite" restart="never" nodeType="tmRoot">
+        <p:cTn id="1" dur="indefinite" restart="never" nodeType="tmRoot">
           <p:childTnLst>
             <p:seq>
-              <p:cTn id="12" nodeType="mainSeq"/>
+              <p:cTn id="2" nodeType="mainSeq"/>
               <p:prevCondLst>
-                <p:cond delay="0" evt="onPrev">
+                <p:cond evt="onPrev" delay="0">
                   <p:tgtEl>
                     <p:sldTgt/>
                   </p:tgtEl>
                 </p:cond>
               </p:prevCondLst>
               <p:nextCondLst>
-                <p:cond delay="0" evt="onNext">
+                <p:cond evt="onNext" delay="0">
                   <p:tgtEl>
                     <p:sldTgt/>
                   </p:tgtEl>
@@ -4927,7 +6302,7 @@
 </file>
 
 <file path=ppt/slides/slide7.xml><?xml version="1.0" encoding="utf-8"?>
-<p:sld xmlns:a="http://schemas.openxmlformats.org/drawingml/2006/main" xmlns:p="http://schemas.openxmlformats.org/presentationml/2006/main" xmlns:r="http://schemas.openxmlformats.org/officeDocument/2006/relationships">
+<p:sld xmlns:a="http://schemas.openxmlformats.org/drawingml/2006/main" xmlns:r="http://schemas.openxmlformats.org/officeDocument/2006/relationships" xmlns:p="http://schemas.openxmlformats.org/presentationml/2006/main">
   <p:cSld>
     <p:spTree>
       <p:nvGrpSpPr>
@@ -4963,13 +6338,20 @@
           </a:ln>
         </p:spPr>
         <p:style>
-          <a:lnRef idx="0"/>
-          <a:fillRef idx="0"/>
-          <a:effectRef idx="0"/>
+          <a:lnRef idx="0">
+            <a:scrgbClr r="0" g="0" b="0"/>
+          </a:lnRef>
+          <a:fillRef idx="0">
+            <a:scrgbClr r="0" g="0" b="0"/>
+          </a:fillRef>
+          <a:effectRef idx="0">
+            <a:scrgbClr r="0" g="0" b="0"/>
+          </a:effectRef>
           <a:fontRef idx="minor"/>
         </p:style>
         <p:txBody>
-          <a:bodyPr lIns="90000" rIns="90000" tIns="45000" bIns="45000" anchor="ctr"/>
+          <a:bodyPr lIns="90000" tIns="45000" rIns="90000" bIns="45000" anchor="ctr"/>
+          <a:lstStyle/>
           <a:p>
             <a:pPr>
               <a:lnSpc>
@@ -4977,9 +6359,9 @@
               </a:lnSpc>
             </a:pPr>
             <a:r>
-              <a:rPr b="1" lang="en-US" sz="4400" strike="noStrike">
-                <a:solidFill>
-                  <a:srgbClr val="dc2300"/>
+              <a:rPr lang="en-US" sz="4400" b="1" strike="noStrike">
+                <a:solidFill>
+                  <a:srgbClr val="DC2300"/>
                 </a:solidFill>
                 <a:latin typeface="Calibri Light"/>
                 <a:ea typeface="DejaVu Sans"/>
@@ -5010,13 +6392,20 @@
           </a:ln>
         </p:spPr>
         <p:style>
-          <a:lnRef idx="0"/>
-          <a:fillRef idx="0"/>
-          <a:effectRef idx="0"/>
+          <a:lnRef idx="0">
+            <a:scrgbClr r="0" g="0" b="0"/>
+          </a:lnRef>
+          <a:fillRef idx="0">
+            <a:scrgbClr r="0" g="0" b="0"/>
+          </a:fillRef>
+          <a:effectRef idx="0">
+            <a:scrgbClr r="0" g="0" b="0"/>
+          </a:effectRef>
           <a:fontRef idx="minor"/>
         </p:style>
         <p:txBody>
-          <a:bodyPr lIns="90000" rIns="90000" tIns="45000" bIns="45000"/>
+          <a:bodyPr lIns="90000" tIns="45000" rIns="90000" bIns="45000"/>
+          <a:lstStyle/>
           <a:p>
             <a:pPr algn="ctr">
               <a:lnSpc>
@@ -5081,22 +6470,25 @@
       </p:sp>
     </p:spTree>
   </p:cSld>
+  <p:clrMapOvr>
+    <a:masterClrMapping/>
+  </p:clrMapOvr>
   <p:timing>
     <p:tnLst>
       <p:par>
-        <p:cTn id="13" dur="indefinite" restart="never" nodeType="tmRoot">
+        <p:cTn id="1" dur="indefinite" restart="never" nodeType="tmRoot">
           <p:childTnLst>
             <p:seq>
-              <p:cTn id="14" nodeType="mainSeq"/>
+              <p:cTn id="2" nodeType="mainSeq"/>
               <p:prevCondLst>
-                <p:cond delay="0" evt="onPrev">
+                <p:cond evt="onPrev" delay="0">
                   <p:tgtEl>
                     <p:sldTgt/>
                   </p:tgtEl>
                 </p:cond>
               </p:prevCondLst>
               <p:nextCondLst>
-                <p:cond delay="0" evt="onNext">
+                <p:cond evt="onNext" delay="0">
                   <p:tgtEl>
                     <p:sldTgt/>
                   </p:tgtEl>
@@ -5331,6 +6723,8 @@
       </a:bgFillStyleLst>
     </a:fmtScheme>
   </a:themeElements>
+  <a:objectDefaults/>
+  <a:extraClrSchemeLst/>
 </a:theme>
 </file>
 
@@ -5554,6 +6948,8 @@
       </a:bgFillStyleLst>
     </a:fmtScheme>
   </a:themeElements>
+  <a:objectDefaults/>
+  <a:extraClrSchemeLst/>
 </a:theme>
 </file>
 
@@ -5777,5 +7173,7 @@
       </a:bgFillStyleLst>
     </a:fmtScheme>
   </a:themeElements>
+  <a:objectDefaults/>
+  <a:extraClrSchemeLst/>
 </a:theme>
 </file>